--- a/12/beom/ProtocolStack_final.pptx
+++ b/12/beom/ProtocolStack_final.pptx
@@ -329,7 +329,7 @@
           <a:p>
             <a:fld id="{90A937FB-394D-4437-94B6-5B38F5B5D972}" type="datetimeFigureOut">
               <a:rPr lang="ko-KR" altLang="en-US" smtClean="0"/>
-              <a:t>2022-03-11</a:t>
+              <a:t>2022-03-12</a:t>
             </a:fld>
             <a:endParaRPr lang="ko-KR" altLang="en-US"/>
           </a:p>
@@ -640,218 +640,7 @@
           <a:bodyPr/>
           <a:lstStyle/>
           <a:p>
-            <a:r>
-              <a:rPr lang="en-US" altLang="ko-KR" dirty="0"/>
-              <a:t>TCP</a:t>
-            </a:r>
-            <a:r>
-              <a:rPr lang="ko-KR" altLang="en-US" dirty="0"/>
-              <a:t>는 </a:t>
-            </a:r>
-            <a:r>
-              <a:rPr lang="en-US" altLang="ko-KR" dirty="0"/>
-              <a:t>3-way handshaking</a:t>
-            </a:r>
-            <a:r>
-              <a:rPr lang="ko-KR" altLang="en-US" dirty="0"/>
-              <a:t>과정을 통해 연결을 설정하고 </a:t>
-            </a:r>
-            <a:r>
-              <a:rPr lang="en-US" altLang="ko-KR" dirty="0"/>
-              <a:t>4-way handshaking</a:t>
-            </a:r>
-            <a:r>
-              <a:rPr lang="ko-KR" altLang="en-US" dirty="0"/>
-              <a:t>을 통해 해제하는 연결형 서비스를 지원하고 </a:t>
-            </a:r>
-            <a:r>
-              <a:rPr lang="en-US" altLang="ko-KR" dirty="0"/>
-              <a:t>UDP</a:t>
-            </a:r>
-            <a:r>
-              <a:rPr lang="ko-KR" altLang="en-US" dirty="0"/>
-              <a:t>는 정보를 주고 받을 때 연결이 없는 비연결형 서비스를 지원한다</a:t>
-            </a:r>
-            <a:r>
-              <a:rPr lang="en-US" altLang="ko-KR" dirty="0"/>
-              <a:t>.</a:t>
-            </a:r>
-          </a:p>
-          <a:p>
-            <a:r>
-              <a:rPr lang="en-US" altLang="ko-KR" dirty="0"/>
-              <a:t>TCP</a:t>
-            </a:r>
-            <a:r>
-              <a:rPr lang="ko-KR" altLang="en-US" dirty="0"/>
-              <a:t>는 가상 회선 방식을 사용하고</a:t>
-            </a:r>
-            <a:r>
-              <a:rPr lang="en-US" altLang="ko-KR" dirty="0"/>
-              <a:t>, UDP</a:t>
-            </a:r>
-            <a:r>
-              <a:rPr lang="ko-KR" altLang="en-US" dirty="0"/>
-              <a:t>는 </a:t>
-            </a:r>
-            <a:r>
-              <a:rPr lang="ko-KR" altLang="en-US" dirty="0" err="1"/>
-              <a:t>데이터그램</a:t>
-            </a:r>
-            <a:r>
-              <a:rPr lang="ko-KR" altLang="en-US" dirty="0"/>
-              <a:t> 방식을 사용한다</a:t>
-            </a:r>
-            <a:r>
-              <a:rPr lang="en-US" altLang="ko-KR" dirty="0"/>
-              <a:t>.</a:t>
-            </a:r>
-          </a:p>
-          <a:p>
-            <a:r>
-              <a:rPr lang="en-US" altLang="ko-KR" dirty="0"/>
-              <a:t>TCP</a:t>
-            </a:r>
-            <a:r>
-              <a:rPr lang="ko-KR" altLang="en-US" dirty="0"/>
-              <a:t>는 전송 순서를 보장하고 </a:t>
-            </a:r>
-            <a:r>
-              <a:rPr lang="en-US" altLang="ko-KR" dirty="0"/>
-              <a:t>UDP</a:t>
-            </a:r>
-            <a:r>
-              <a:rPr lang="ko-KR" altLang="en-US" dirty="0"/>
-              <a:t>는 전송 순서가 바뀔 수 있다</a:t>
-            </a:r>
-            <a:r>
-              <a:rPr lang="en-US" altLang="ko-KR" dirty="0"/>
-              <a:t>.</a:t>
-            </a:r>
-          </a:p>
-          <a:p>
-            <a:r>
-              <a:rPr lang="en-US" altLang="ko-KR" dirty="0"/>
-              <a:t>TCP</a:t>
-            </a:r>
-            <a:r>
-              <a:rPr lang="ko-KR" altLang="en-US" dirty="0"/>
-              <a:t>는 서버와 </a:t>
-            </a:r>
-            <a:r>
-              <a:rPr lang="ko-KR" altLang="en-US" dirty="0" err="1"/>
-              <a:t>클라리언트가</a:t>
-            </a:r>
-            <a:r>
-              <a:rPr lang="ko-KR" altLang="en-US" dirty="0"/>
-              <a:t> </a:t>
-            </a:r>
-            <a:r>
-              <a:rPr lang="en-US" altLang="ko-KR" dirty="0"/>
-              <a:t>1</a:t>
-            </a:r>
-            <a:r>
-              <a:rPr lang="ko-KR" altLang="en-US" dirty="0"/>
-              <a:t>대</a:t>
-            </a:r>
-            <a:r>
-              <a:rPr lang="en-US" altLang="ko-KR" dirty="0"/>
-              <a:t>1</a:t>
-            </a:r>
-            <a:r>
-              <a:rPr lang="ko-KR" altLang="en-US" dirty="0"/>
-              <a:t>로 통신하고 </a:t>
-            </a:r>
-            <a:r>
-              <a:rPr lang="en-US" altLang="ko-KR" dirty="0"/>
-              <a:t>UDP</a:t>
-            </a:r>
-            <a:r>
-              <a:rPr lang="ko-KR" altLang="en-US" dirty="0"/>
-              <a:t>는 </a:t>
-            </a:r>
-            <a:r>
-              <a:rPr lang="en-US" altLang="ko-KR" b="0" i="0" dirty="0">
-                <a:solidFill>
-                  <a:srgbClr val="000000"/>
-                </a:solidFill>
-                <a:effectLst/>
-                <a:latin typeface="-apple-system"/>
-              </a:rPr>
-              <a:t>1:1 or 1:N or N:N </a:t>
-            </a:r>
-            <a:r>
-              <a:rPr lang="ko-KR" altLang="en-US" b="0" i="0" dirty="0">
-                <a:solidFill>
-                  <a:srgbClr val="000000"/>
-                </a:solidFill>
-                <a:effectLst/>
-                <a:latin typeface="-apple-system"/>
-              </a:rPr>
-              <a:t>통신을 한다</a:t>
-            </a:r>
-            <a:r>
-              <a:rPr lang="en-US" altLang="ko-KR" b="0" i="0" dirty="0">
-                <a:solidFill>
-                  <a:srgbClr val="000000"/>
-                </a:solidFill>
-                <a:effectLst/>
-                <a:latin typeface="-apple-system"/>
-              </a:rPr>
-              <a:t>.</a:t>
-            </a:r>
-          </a:p>
-          <a:p>
-            <a:r>
-              <a:rPr lang="en-US" altLang="ko-KR" dirty="0"/>
-              <a:t>TCP</a:t>
-            </a:r>
-            <a:r>
-              <a:rPr lang="ko-KR" altLang="en-US" dirty="0"/>
-              <a:t>는 수신여부를 확인하고 응답하여 신뢰성이 높지만 </a:t>
-            </a:r>
-            <a:r>
-              <a:rPr lang="en-US" altLang="ko-KR" dirty="0"/>
-              <a:t>UDP</a:t>
-            </a:r>
-            <a:r>
-              <a:rPr lang="ko-KR" altLang="en-US" dirty="0"/>
-              <a:t>는 수신여부를 확인하지 않아 신뢰성이 낮다</a:t>
-            </a:r>
-            <a:r>
-              <a:rPr lang="en-US" altLang="ko-KR" dirty="0"/>
-              <a:t>.</a:t>
-            </a:r>
-          </a:p>
-          <a:p>
-            <a:r>
-              <a:rPr lang="en-US" altLang="ko-KR" dirty="0"/>
-              <a:t>TCP</a:t>
-            </a:r>
-            <a:r>
-              <a:rPr lang="ko-KR" altLang="en-US" dirty="0"/>
-              <a:t>는 흐름제어나 혼잡제어와 같은 기능이 </a:t>
-            </a:r>
-            <a:r>
-              <a:rPr lang="en-US" altLang="ko-KR" dirty="0"/>
-              <a:t>CPU</a:t>
-            </a:r>
-            <a:r>
-              <a:rPr lang="ko-KR" altLang="en-US" dirty="0"/>
-              <a:t>를 사용하기 때문에 </a:t>
-            </a:r>
-            <a:r>
-              <a:rPr lang="en-US" altLang="ko-KR" dirty="0"/>
-              <a:t>UDP</a:t>
-            </a:r>
-            <a:r>
-              <a:rPr lang="ko-KR" altLang="en-US" dirty="0"/>
-              <a:t>보다 속도가 느리다</a:t>
-            </a:r>
-            <a:r>
-              <a:rPr lang="en-US" altLang="ko-KR" dirty="0"/>
-              <a:t>.</a:t>
-            </a:r>
+            <a:endParaRPr lang="ko-KR" altLang="en-US" dirty="0"/>
           </a:p>
         </p:txBody>
       </p:sp>
@@ -872,7 +661,7 @@
           <a:p>
             <a:fld id="{75152752-F12A-4471-982A-FC6C9CE39BBC}" type="slidenum">
               <a:rPr lang="ko-KR" altLang="en-US" smtClean="0"/>
-              <a:t>4</a:t>
+              <a:t>3</a:t>
             </a:fld>
             <a:endParaRPr lang="ko-KR" altLang="en-US"/>
           </a:p>
@@ -881,7 +670,7 @@
     </p:spTree>
     <p:extLst>
       <p:ext uri="{BB962C8B-B14F-4D97-AF65-F5344CB8AC3E}">
-        <p14:creationId xmlns:p14="http://schemas.microsoft.com/office/powerpoint/2010/main" val="2132665898"/>
+        <p14:creationId xmlns:p14="http://schemas.microsoft.com/office/powerpoint/2010/main" val="1983121948"/>
       </p:ext>
     </p:extLst>
   </p:cSld>
@@ -940,16 +729,6 @@
               <a:buNone/>
             </a:pPr>
             <a:r>
-              <a:rPr lang="en-US" altLang="ko-KR" b="0" i="0" dirty="0">
-                <a:solidFill>
-                  <a:srgbClr val="000000"/>
-                </a:solidFill>
-                <a:effectLst/>
-                <a:latin typeface="-apple-system"/>
-              </a:rPr>
-              <a:t>MAC</a:t>
-            </a:r>
-            <a:r>
               <a:rPr lang="ko-KR" altLang="en-US" b="0" i="0" dirty="0">
                 <a:solidFill>
                   <a:srgbClr val="000000"/>
@@ -957,97 +736,7 @@
                 <a:effectLst/>
                 <a:latin typeface="-apple-system"/>
               </a:rPr>
-              <a:t>회로는 먼저 송신 패킷을 버퍼 메모리에서 추출해서 맨 앞에는 </a:t>
-            </a:r>
-            <a:r>
-              <a:rPr lang="ko-KR" altLang="en-US" b="0" i="0" dirty="0" err="1">
-                <a:solidFill>
-                  <a:srgbClr val="000000"/>
-                </a:solidFill>
-                <a:effectLst/>
-                <a:latin typeface="-apple-system"/>
-              </a:rPr>
-              <a:t>프레앰블과</a:t>
-            </a:r>
-            <a:r>
-              <a:rPr lang="en-US" altLang="ko-KR" b="0" i="0" dirty="0">
-                <a:solidFill>
-                  <a:srgbClr val="000000"/>
-                </a:solidFill>
-                <a:effectLst/>
-                <a:latin typeface="-apple-system"/>
-              </a:rPr>
-              <a:t>, </a:t>
-            </a:r>
-            <a:r>
-              <a:rPr lang="ko-KR" altLang="en-US" b="0" i="0" dirty="0">
-                <a:solidFill>
-                  <a:srgbClr val="000000"/>
-                </a:solidFill>
-                <a:effectLst/>
-                <a:latin typeface="-apple-system"/>
-              </a:rPr>
-              <a:t>스타트 프레임 </a:t>
-            </a:r>
-            <a:r>
-              <a:rPr lang="ko-KR" altLang="en-US" b="0" i="0" dirty="0" err="1">
-                <a:solidFill>
-                  <a:srgbClr val="000000"/>
-                </a:solidFill>
-                <a:effectLst/>
-                <a:latin typeface="-apple-system"/>
-              </a:rPr>
-              <a:t>딜리미터라는</a:t>
-            </a:r>
-            <a:r>
-              <a:rPr lang="ko-KR" altLang="en-US" b="0" i="0" dirty="0">
-                <a:solidFill>
-                  <a:srgbClr val="000000"/>
-                </a:solidFill>
-                <a:effectLst/>
-                <a:latin typeface="-apple-system"/>
-              </a:rPr>
-              <a:t> 두개의 데이터를 </a:t>
-            </a:r>
-            <a:r>
-              <a:rPr lang="en-US" altLang="ko-KR" b="0" i="0" dirty="0">
-                <a:solidFill>
-                  <a:srgbClr val="000000"/>
-                </a:solidFill>
-                <a:effectLst/>
-                <a:latin typeface="-apple-system"/>
-              </a:rPr>
-              <a:t>, </a:t>
-            </a:r>
-            <a:r>
-              <a:rPr lang="ko-KR" altLang="en-US" b="0" i="0" dirty="0">
-                <a:solidFill>
-                  <a:srgbClr val="000000"/>
-                </a:solidFill>
-                <a:effectLst/>
-                <a:latin typeface="-apple-system"/>
-              </a:rPr>
-              <a:t>맨 끝에는 프레임 체크 시퀀스</a:t>
-            </a:r>
-            <a:r>
-              <a:rPr lang="en-US" altLang="ko-KR" b="0" i="0" dirty="0">
-                <a:solidFill>
-                  <a:srgbClr val="000000"/>
-                </a:solidFill>
-                <a:effectLst/>
-                <a:latin typeface="-apple-system"/>
-              </a:rPr>
-              <a:t>(FCS)</a:t>
-            </a:r>
-            <a:r>
-              <a:rPr lang="ko-KR" altLang="en-US" b="0" i="0" dirty="0">
-                <a:solidFill>
-                  <a:srgbClr val="000000"/>
-                </a:solidFill>
-                <a:effectLst/>
-                <a:latin typeface="-apple-system"/>
-              </a:rPr>
-              <a:t>라는 오류 검출용 데이터를 부가합니다</a:t>
+              <a:t>이더넷은 다수의 컴퓨터가 여러 상대와 자유롭게 적은 비용은 통신하기 위해 고안된 통신 기술이다</a:t>
             </a:r>
             <a:r>
               <a:rPr lang="en-US" altLang="ko-KR" b="0" i="0" dirty="0">
@@ -1073,7 +762,7 @@
                 <a:effectLst/>
                 <a:latin typeface="-apple-system"/>
               </a:rPr>
-              <a:t>프리엠블은</a:t>
+              <a:t>이터넷</a:t>
             </a:r>
             <a:r>
               <a:rPr lang="ko-KR" altLang="en-US" b="0" i="0" dirty="0">
@@ -1083,7 +772,47 @@
                 <a:effectLst/>
                 <a:latin typeface="-apple-system"/>
               </a:rPr>
-              <a:t> 비트로 구성하였으며 </a:t>
+              <a:t> 패킷을 송</a:t>
+            </a:r>
+            <a:r>
+              <a:rPr lang="en-US" altLang="ko-KR" b="0" i="0" dirty="0">
+                <a:solidFill>
+                  <a:srgbClr val="000000"/>
+                </a:solidFill>
+                <a:effectLst/>
+                <a:latin typeface="-apple-system"/>
+              </a:rPr>
+              <a:t>, </a:t>
+            </a:r>
+            <a:r>
+              <a:rPr lang="ko-KR" altLang="en-US" b="0" i="0" dirty="0">
+                <a:solidFill>
+                  <a:srgbClr val="000000"/>
+                </a:solidFill>
+                <a:effectLst/>
+                <a:latin typeface="-apple-system"/>
+              </a:rPr>
+              <a:t>수신하기 위해서는 </a:t>
+            </a:r>
+            <a:r>
+              <a:rPr lang="en-US" altLang="ko-KR" b="0" i="0" dirty="0">
+                <a:solidFill>
+                  <a:srgbClr val="000000"/>
+                </a:solidFill>
+                <a:effectLst/>
+                <a:latin typeface="-apple-system"/>
+              </a:rPr>
+              <a:t>IP</a:t>
+            </a:r>
+            <a:r>
+              <a:rPr lang="ko-KR" altLang="en-US" b="0" i="0" dirty="0">
+                <a:solidFill>
+                  <a:srgbClr val="000000"/>
+                </a:solidFill>
+                <a:effectLst/>
+                <a:latin typeface="-apple-system"/>
+              </a:rPr>
+              <a:t> 담당부분이 만든 디지털 데이터를 전기나 빛의 신호로 변환해서 네트워크의 케이블에 </a:t>
             </a:r>
             <a:r>
               <a:rPr lang="ko-KR" altLang="en-US" b="0" i="0" dirty="0" err="1">
@@ -1093,57 +822,7 @@
                 <a:effectLst/>
                 <a:latin typeface="-apple-system"/>
               </a:rPr>
-              <a:t>클록와</a:t>
-            </a:r>
-            <a:r>
-              <a:rPr lang="ko-KR" altLang="en-US" b="0" i="0" dirty="0">
-                <a:solidFill>
-                  <a:srgbClr val="000000"/>
-                </a:solidFill>
-                <a:effectLst/>
-                <a:latin typeface="-apple-system"/>
-              </a:rPr>
-              <a:t> </a:t>
-            </a:r>
-            <a:r>
-              <a:rPr lang="ko-KR" altLang="en-US" b="0" i="0" dirty="0" err="1">
-                <a:solidFill>
-                  <a:srgbClr val="000000"/>
-                </a:solidFill>
-                <a:effectLst/>
-                <a:latin typeface="-apple-system"/>
-              </a:rPr>
-              <a:t>합처져</a:t>
-            </a:r>
-            <a:r>
-              <a:rPr lang="ko-KR" altLang="en-US" b="0" i="0" dirty="0">
-                <a:solidFill>
-                  <a:srgbClr val="000000"/>
-                </a:solidFill>
-                <a:effectLst/>
-                <a:latin typeface="-apple-system"/>
-              </a:rPr>
-              <a:t> 전기 신호를 형성하는 역할을 스타트 프레임 </a:t>
-            </a:r>
-            <a:r>
-              <a:rPr lang="ko-KR" altLang="en-US" b="0" i="0" dirty="0" err="1">
-                <a:solidFill>
-                  <a:srgbClr val="000000"/>
-                </a:solidFill>
-                <a:effectLst/>
-                <a:latin typeface="-apple-system"/>
-              </a:rPr>
-              <a:t>딜리미터는</a:t>
-            </a:r>
-            <a:r>
-              <a:rPr lang="ko-KR" altLang="en-US" b="0" i="0" dirty="0">
-                <a:solidFill>
-                  <a:srgbClr val="000000"/>
-                </a:solidFill>
-                <a:effectLst/>
-                <a:latin typeface="-apple-system"/>
-              </a:rPr>
-              <a:t> 프레임의 개시 위치를 의미합니다</a:t>
+              <a:t>송출해야한다</a:t>
             </a:r>
             <a:r>
               <a:rPr lang="en-US" altLang="ko-KR" b="0" i="0" dirty="0">
@@ -1169,7 +848,7 @@
                 <a:effectLst/>
                 <a:latin typeface="-apple-system"/>
               </a:rPr>
-              <a:t>프레임 체크 시퀀스는 패킷 </a:t>
+              <a:t>위 변환 방법으로는 두가지 방법이 있는데 </a:t>
             </a:r>
             <a:r>
               <a:rPr lang="ko-KR" altLang="en-US" b="0" i="0" dirty="0" err="1">
@@ -1179,7 +858,7 @@
                 <a:effectLst/>
                 <a:latin typeface="-apple-system"/>
               </a:rPr>
-              <a:t>운반중</a:t>
+              <a:t>리피터</a:t>
             </a:r>
             <a:r>
               <a:rPr lang="ko-KR" altLang="en-US" b="0" i="0" dirty="0">
@@ -1189,7 +868,47 @@
                 <a:effectLst/>
                 <a:latin typeface="-apple-system"/>
               </a:rPr>
-              <a:t> 잡음 등의 영향으로 변한 경우 검출하기위한 데이터 입니다</a:t>
+              <a:t> 허브를 사용한 </a:t>
+            </a:r>
+            <a:r>
+              <a:rPr lang="ko-KR" altLang="en-US" b="0" i="0" dirty="0" err="1">
+                <a:solidFill>
+                  <a:srgbClr val="000000"/>
+                </a:solidFill>
+                <a:effectLst/>
+                <a:latin typeface="-apple-system"/>
+              </a:rPr>
+              <a:t>반이중</a:t>
+            </a:r>
+            <a:r>
+              <a:rPr lang="ko-KR" altLang="en-US" b="0" i="0" dirty="0">
+                <a:solidFill>
+                  <a:srgbClr val="000000"/>
+                </a:solidFill>
+                <a:effectLst/>
+                <a:latin typeface="-apple-system"/>
+              </a:rPr>
+              <a:t> 모드와 스위칭 허브를 사용한 </a:t>
+            </a:r>
+            <a:r>
+              <a:rPr lang="ko-KR" altLang="en-US" b="0" i="0" dirty="0" err="1">
+                <a:solidFill>
+                  <a:srgbClr val="000000"/>
+                </a:solidFill>
+                <a:effectLst/>
+                <a:latin typeface="-apple-system"/>
+              </a:rPr>
+              <a:t>전이중</a:t>
+            </a:r>
+            <a:r>
+              <a:rPr lang="ko-KR" altLang="en-US" b="0" i="0" dirty="0">
+                <a:solidFill>
+                  <a:srgbClr val="000000"/>
+                </a:solidFill>
+                <a:effectLst/>
+                <a:latin typeface="-apple-system"/>
+              </a:rPr>
+              <a:t> 모드가 있다</a:t>
             </a:r>
             <a:r>
               <a:rPr lang="en-US" altLang="ko-KR" b="0" i="0" dirty="0">
@@ -1199,8 +918,279 @@
                 <a:effectLst/>
                 <a:latin typeface="-apple-system"/>
               </a:rPr>
+              <a:t>. </a:t>
+            </a:r>
+            <a:r>
+              <a:rPr lang="ko-KR" altLang="en-US" b="0" i="0" dirty="0">
+                <a:solidFill>
+                  <a:srgbClr val="000000"/>
+                </a:solidFill>
+                <a:effectLst/>
+                <a:latin typeface="-apple-system"/>
+              </a:rPr>
+              <a:t>일반적으로 스위칭 허브를 사용한 </a:t>
+            </a:r>
+            <a:r>
+              <a:rPr lang="ko-KR" altLang="en-US" b="0" i="0" dirty="0" err="1">
+                <a:solidFill>
+                  <a:srgbClr val="000000"/>
+                </a:solidFill>
+                <a:effectLst/>
+                <a:latin typeface="-apple-system"/>
+              </a:rPr>
+              <a:t>전이중</a:t>
+            </a:r>
+            <a:r>
+              <a:rPr lang="ko-KR" altLang="en-US" b="0" i="0" dirty="0">
+                <a:solidFill>
+                  <a:srgbClr val="000000"/>
+                </a:solidFill>
+                <a:effectLst/>
+                <a:latin typeface="-apple-system"/>
+              </a:rPr>
+              <a:t> 모드가 </a:t>
+            </a:r>
+            <a:r>
+              <a:rPr lang="ko-KR" altLang="en-US" b="0" i="0" dirty="0" err="1">
+                <a:solidFill>
+                  <a:srgbClr val="000000"/>
+                </a:solidFill>
+                <a:effectLst/>
+                <a:latin typeface="-apple-system"/>
+              </a:rPr>
+              <a:t>사용되는거</a:t>
+            </a:r>
+            <a:r>
+              <a:rPr lang="ko-KR" altLang="en-US" b="0" i="0" dirty="0">
+                <a:solidFill>
+                  <a:srgbClr val="000000"/>
+                </a:solidFill>
+                <a:effectLst/>
+                <a:latin typeface="-apple-system"/>
+              </a:rPr>
+              <a:t> 같으나 다음장에서 설명을 하고 이번장에서는 </a:t>
+            </a:r>
+            <a:r>
+              <a:rPr lang="ko-KR" altLang="en-US" b="0" i="0" dirty="0" err="1">
+                <a:solidFill>
+                  <a:srgbClr val="000000"/>
+                </a:solidFill>
+                <a:effectLst/>
+                <a:latin typeface="-apple-system"/>
+              </a:rPr>
+              <a:t>리피터</a:t>
+            </a:r>
+            <a:r>
+              <a:rPr lang="ko-KR" altLang="en-US" b="0" i="0" dirty="0">
+                <a:solidFill>
+                  <a:srgbClr val="000000"/>
+                </a:solidFill>
+                <a:effectLst/>
+                <a:latin typeface="-apple-system"/>
+              </a:rPr>
+              <a:t> 허브를 사용하는 </a:t>
+            </a:r>
+            <a:r>
+              <a:rPr lang="ko-KR" altLang="en-US" b="0" i="0" dirty="0" err="1">
+                <a:solidFill>
+                  <a:srgbClr val="000000"/>
+                </a:solidFill>
+                <a:effectLst/>
+                <a:latin typeface="-apple-system"/>
+              </a:rPr>
+              <a:t>반이중</a:t>
+            </a:r>
+            <a:r>
+              <a:rPr lang="ko-KR" altLang="en-US" b="0" i="0" dirty="0">
+                <a:solidFill>
+                  <a:srgbClr val="000000"/>
+                </a:solidFill>
+                <a:effectLst/>
+                <a:latin typeface="-apple-system"/>
+              </a:rPr>
+              <a:t> 모드에 대해 설명하겠다</a:t>
+            </a:r>
+            <a:r>
+              <a:rPr lang="en-US" altLang="ko-KR" b="0" i="0" dirty="0">
+                <a:solidFill>
+                  <a:srgbClr val="000000"/>
+                </a:solidFill>
+                <a:effectLst/>
+                <a:latin typeface="-apple-system"/>
+              </a:rPr>
               <a:t>.</a:t>
             </a:r>
+          </a:p>
+          <a:p>
+            <a:pPr algn="l">
+              <a:buFont typeface="Arial" panose="020B0604020202020204" pitchFamily="34" charset="0"/>
+              <a:buNone/>
+            </a:pPr>
+            <a:endParaRPr lang="en-US" altLang="ko-KR" b="0" i="0" dirty="0">
+              <a:solidFill>
+                <a:srgbClr val="000000"/>
+              </a:solidFill>
+              <a:effectLst/>
+              <a:latin typeface="-apple-system"/>
+            </a:endParaRPr>
+          </a:p>
+          <a:p>
+            <a:pPr algn="l">
+              <a:buFont typeface="Arial" panose="020B0604020202020204" pitchFamily="34" charset="0"/>
+              <a:buNone/>
+            </a:pPr>
+            <a:r>
+              <a:rPr lang="en-US" altLang="ko-KR" b="0" i="0" dirty="0">
+                <a:solidFill>
+                  <a:srgbClr val="000000"/>
+                </a:solidFill>
+                <a:effectLst/>
+                <a:latin typeface="-apple-system"/>
+              </a:rPr>
+              <a:t>LAN </a:t>
+            </a:r>
+            <a:r>
+              <a:rPr lang="ko-KR" altLang="en-US" b="0" i="0" dirty="0">
+                <a:solidFill>
+                  <a:srgbClr val="000000"/>
+                </a:solidFill>
+                <a:effectLst/>
+                <a:latin typeface="-apple-system"/>
+              </a:rPr>
+              <a:t>어댑터의 내부 구조이다</a:t>
+            </a:r>
+            <a:r>
+              <a:rPr lang="en-US" altLang="ko-KR" b="0" i="0" dirty="0">
+                <a:solidFill>
+                  <a:srgbClr val="000000"/>
+                </a:solidFill>
+                <a:effectLst/>
+                <a:latin typeface="-apple-system"/>
+              </a:rPr>
+              <a:t>.</a:t>
+            </a:r>
+          </a:p>
+          <a:p>
+            <a:pPr algn="l">
+              <a:buFont typeface="Arial" panose="020B0604020202020204" pitchFamily="34" charset="0"/>
+              <a:buNone/>
+            </a:pPr>
+            <a:r>
+              <a:rPr lang="ko-KR" altLang="en-US" b="0" i="0" dirty="0">
+                <a:solidFill>
+                  <a:srgbClr val="000000"/>
+                </a:solidFill>
+                <a:effectLst/>
+                <a:latin typeface="-apple-system"/>
+              </a:rPr>
+              <a:t>우리는 이 과정을 차례대로 살펴보면서 어떻게 디지털 신호가 전기 신호로 바뀌는지 알아볼 것이다</a:t>
+            </a:r>
+            <a:r>
+              <a:rPr lang="en-US" altLang="ko-KR" b="0" i="0" dirty="0">
+                <a:solidFill>
+                  <a:srgbClr val="000000"/>
+                </a:solidFill>
+                <a:effectLst/>
+                <a:latin typeface="-apple-system"/>
+              </a:rPr>
+              <a:t>.</a:t>
+            </a:r>
+          </a:p>
+          <a:p>
+            <a:pPr algn="l">
+              <a:buFont typeface="Arial" panose="020B0604020202020204" pitchFamily="34" charset="0"/>
+              <a:buNone/>
+            </a:pPr>
+            <a:r>
+              <a:rPr lang="ko-KR" altLang="en-US" b="0" i="0" dirty="0">
+                <a:solidFill>
+                  <a:srgbClr val="000000"/>
+                </a:solidFill>
+                <a:effectLst/>
+                <a:latin typeface="-apple-system"/>
+              </a:rPr>
+              <a:t> </a:t>
+            </a:r>
+            <a:endParaRPr lang="en-US" altLang="ko-KR" b="0" i="0" dirty="0">
+              <a:solidFill>
+                <a:srgbClr val="000000"/>
+              </a:solidFill>
+              <a:effectLst/>
+              <a:latin typeface="-apple-system"/>
+            </a:endParaRPr>
+          </a:p>
+          <a:p>
+            <a:pPr algn="l">
+              <a:buFont typeface="Arial" panose="020B0604020202020204" pitchFamily="34" charset="0"/>
+              <a:buNone/>
+            </a:pPr>
+            <a:r>
+              <a:rPr lang="ko-KR" altLang="en-US" b="0" i="0" dirty="0">
+                <a:solidFill>
+                  <a:srgbClr val="000000"/>
+                </a:solidFill>
+                <a:effectLst/>
+                <a:latin typeface="-apple-system"/>
+              </a:rPr>
+              <a:t>여기서 </a:t>
+            </a:r>
+            <a:r>
+              <a:rPr lang="en-US" altLang="ko-KR" b="0" i="0" dirty="0">
+                <a:solidFill>
+                  <a:srgbClr val="000000"/>
+                </a:solidFill>
+                <a:effectLst/>
+                <a:latin typeface="-apple-system"/>
+              </a:rPr>
+              <a:t>LAN</a:t>
+            </a:r>
+            <a:r>
+              <a:rPr lang="ko-KR" altLang="en-US" b="0" i="0" dirty="0">
+                <a:solidFill>
+                  <a:srgbClr val="000000"/>
+                </a:solidFill>
+                <a:effectLst/>
+                <a:latin typeface="-apple-system"/>
+              </a:rPr>
+              <a:t> 드라이버는 </a:t>
+            </a:r>
+            <a:r>
+              <a:rPr lang="en-US" altLang="ko-KR" b="0" i="0" dirty="0">
+                <a:solidFill>
+                  <a:srgbClr val="000000"/>
+                </a:solidFill>
+                <a:effectLst/>
+                <a:latin typeface="-apple-system"/>
+              </a:rPr>
+              <a:t>LAN</a:t>
+            </a:r>
+            <a:r>
+              <a:rPr lang="ko-KR" altLang="en-US" b="0" i="0" dirty="0">
+                <a:solidFill>
+                  <a:srgbClr val="000000"/>
+                </a:solidFill>
+                <a:effectLst/>
+                <a:latin typeface="-apple-system"/>
+              </a:rPr>
+              <a:t>어댑터를 제어하는 소프트웨어입니다</a:t>
+            </a:r>
+            <a:r>
+              <a:rPr lang="en-US" altLang="ko-KR" b="0" i="0" dirty="0">
+                <a:solidFill>
+                  <a:srgbClr val="000000"/>
+                </a:solidFill>
+                <a:effectLst/>
+                <a:latin typeface="-apple-system"/>
+              </a:rPr>
+              <a:t>.</a:t>
+            </a:r>
+            <a:endParaRPr lang="ko-KR" altLang="en-US" b="0" i="0" dirty="0">
+              <a:solidFill>
+                <a:srgbClr val="000000"/>
+              </a:solidFill>
+              <a:effectLst/>
+              <a:latin typeface="-apple-system"/>
+            </a:endParaRPr>
           </a:p>
           <a:p>
             <a:pPr algn="l">
@@ -1208,6 +1198,168 @@
               <a:buNone/>
             </a:pPr>
             <a:endParaRPr lang="en-US" altLang="ko-KR" b="0" i="0" dirty="0">
+              <a:solidFill>
+                <a:srgbClr val="000000"/>
+              </a:solidFill>
+              <a:effectLst/>
+              <a:latin typeface="-apple-system"/>
+            </a:endParaRPr>
+          </a:p>
+          <a:p>
+            <a:pPr algn="l">
+              <a:buFont typeface="+mj-lt"/>
+              <a:buNone/>
+            </a:pPr>
+            <a:r>
+              <a:rPr lang="en-US" altLang="ko-KR" b="0" i="0" dirty="0">
+                <a:solidFill>
+                  <a:srgbClr val="000000"/>
+                </a:solidFill>
+                <a:effectLst/>
+                <a:latin typeface="-apple-system"/>
+              </a:rPr>
+              <a:t>LAN</a:t>
+            </a:r>
+            <a:r>
+              <a:rPr lang="ko-KR" altLang="en-US" b="0" i="0" dirty="0">
+                <a:solidFill>
+                  <a:srgbClr val="000000"/>
+                </a:solidFill>
+                <a:effectLst/>
+                <a:latin typeface="-apple-system"/>
+              </a:rPr>
+              <a:t>드라이버는 </a:t>
+            </a:r>
+            <a:r>
+              <a:rPr lang="en-US" altLang="ko-KR" b="0" i="0" dirty="0">
+                <a:solidFill>
+                  <a:srgbClr val="000000"/>
+                </a:solidFill>
+                <a:effectLst/>
+                <a:latin typeface="-apple-system"/>
+              </a:rPr>
+              <a:t>IP </a:t>
+            </a:r>
+            <a:r>
+              <a:rPr lang="ko-KR" altLang="en-US" b="0" i="0" dirty="0">
+                <a:solidFill>
+                  <a:srgbClr val="000000"/>
+                </a:solidFill>
+                <a:effectLst/>
+                <a:latin typeface="-apple-system"/>
+              </a:rPr>
+              <a:t>담당부분에서 패킷을 받으면 그것을 </a:t>
+            </a:r>
+            <a:r>
+              <a:rPr lang="en-US" altLang="ko-KR" b="0" i="0" dirty="0">
+                <a:solidFill>
+                  <a:srgbClr val="000000"/>
+                </a:solidFill>
+                <a:effectLst/>
+                <a:latin typeface="-apple-system"/>
+              </a:rPr>
+              <a:t>LAN</a:t>
+            </a:r>
+            <a:r>
+              <a:rPr lang="ko-KR" altLang="en-US" b="0" i="0" dirty="0">
+                <a:solidFill>
+                  <a:srgbClr val="000000"/>
+                </a:solidFill>
+                <a:effectLst/>
+                <a:latin typeface="-apple-system"/>
+              </a:rPr>
+              <a:t>어댑터의 버퍼 메모리로 복사합니다</a:t>
+            </a:r>
+            <a:r>
+              <a:rPr lang="en-US" altLang="ko-KR" b="0" i="0" dirty="0">
+                <a:solidFill>
+                  <a:srgbClr val="000000"/>
+                </a:solidFill>
+                <a:effectLst/>
+                <a:latin typeface="-apple-system"/>
+              </a:rPr>
+              <a:t>.</a:t>
+            </a:r>
+          </a:p>
+          <a:p>
+            <a:pPr algn="l">
+              <a:buFont typeface="+mj-lt"/>
+              <a:buNone/>
+            </a:pPr>
+            <a:r>
+              <a:rPr lang="ko-KR" altLang="en-US" b="0" i="0" dirty="0">
+                <a:solidFill>
+                  <a:srgbClr val="000000"/>
+                </a:solidFill>
+                <a:effectLst/>
+                <a:latin typeface="-apple-system"/>
+              </a:rPr>
+              <a:t>복사를 마친 후 패킷을 송신하도록 </a:t>
+            </a:r>
+            <a:r>
+              <a:rPr lang="en-US" altLang="ko-KR" b="0" i="0" dirty="0">
+                <a:solidFill>
+                  <a:srgbClr val="000000"/>
+                </a:solidFill>
+                <a:effectLst/>
+                <a:latin typeface="-apple-system"/>
+              </a:rPr>
+              <a:t>MAC</a:t>
+            </a:r>
+            <a:r>
+              <a:rPr lang="ko-KR" altLang="en-US" b="0" i="0" dirty="0">
+                <a:solidFill>
+                  <a:srgbClr val="000000"/>
+                </a:solidFill>
+                <a:effectLst/>
+                <a:latin typeface="-apple-system"/>
+              </a:rPr>
+              <a:t>회로에 명령을 보내면 </a:t>
+            </a:r>
+            <a:r>
+              <a:rPr lang="en-US" altLang="ko-KR" b="0" i="0" dirty="0">
+                <a:solidFill>
+                  <a:srgbClr val="000000"/>
+                </a:solidFill>
+                <a:effectLst/>
+                <a:latin typeface="-apple-system"/>
+              </a:rPr>
+              <a:t>MAC</a:t>
+            </a:r>
+            <a:r>
+              <a:rPr lang="ko-KR" altLang="en-US" b="0" i="0" dirty="0">
+                <a:solidFill>
+                  <a:srgbClr val="000000"/>
+                </a:solidFill>
+                <a:effectLst/>
+                <a:latin typeface="-apple-system"/>
+              </a:rPr>
+              <a:t>회로의 작업이 시작됩니다</a:t>
+            </a:r>
+            <a:r>
+              <a:rPr lang="en-US" altLang="ko-KR" b="0" i="0" dirty="0">
+                <a:solidFill>
+                  <a:srgbClr val="000000"/>
+                </a:solidFill>
+                <a:effectLst/>
+                <a:latin typeface="-apple-system"/>
+              </a:rPr>
+              <a:t>.</a:t>
+            </a:r>
+            <a:endParaRPr lang="ko-KR" altLang="en-US" b="0" i="0" dirty="0">
+              <a:solidFill>
+                <a:srgbClr val="000000"/>
+              </a:solidFill>
+              <a:effectLst/>
+              <a:latin typeface="-apple-system"/>
+            </a:endParaRPr>
+          </a:p>
+          <a:p>
+            <a:pPr algn="l">
+              <a:buFont typeface="+mj-lt"/>
+              <a:buNone/>
+            </a:pPr>
+            <a:endParaRPr lang="ko-KR" altLang="en-US" b="0" i="0" dirty="0">
               <a:solidFill>
                 <a:srgbClr val="000000"/>
               </a:solidFill>
@@ -1234,7 +1386,7 @@
           <a:p>
             <a:fld id="{75152752-F12A-4471-982A-FC6C9CE39BBC}" type="slidenum">
               <a:rPr lang="ko-KR" altLang="en-US" smtClean="0"/>
-              <a:t>15</a:t>
+              <a:t>14</a:t>
             </a:fld>
             <a:endParaRPr lang="ko-KR" altLang="en-US"/>
           </a:p>
@@ -1243,7 +1395,7 @@
     </p:spTree>
     <p:extLst>
       <p:ext uri="{BB962C8B-B14F-4D97-AF65-F5344CB8AC3E}">
-        <p14:creationId xmlns:p14="http://schemas.microsoft.com/office/powerpoint/2010/main" val="338675546"/>
+        <p14:creationId xmlns:p14="http://schemas.microsoft.com/office/powerpoint/2010/main" val="1432556893"/>
       </p:ext>
     </p:extLst>
   </p:cSld>
@@ -1302,6 +1454,26 @@
               <a:buNone/>
             </a:pPr>
             <a:r>
+              <a:rPr lang="en-US" altLang="ko-KR" b="0" i="0" dirty="0">
+                <a:solidFill>
+                  <a:srgbClr val="000000"/>
+                </a:solidFill>
+                <a:effectLst/>
+                <a:latin typeface="-apple-system"/>
+              </a:rPr>
+              <a:t>MAC</a:t>
+            </a:r>
+            <a:r>
+              <a:rPr lang="ko-KR" altLang="en-US" b="0" i="0" dirty="0">
+                <a:solidFill>
+                  <a:srgbClr val="000000"/>
+                </a:solidFill>
+                <a:effectLst/>
+                <a:latin typeface="-apple-system"/>
+              </a:rPr>
+              <a:t>회로는 먼저 송신 패킷을 버퍼 메모리에서 추출해서 맨 앞에는 </a:t>
+            </a:r>
+            <a:r>
               <a:rPr lang="ko-KR" altLang="en-US" b="0" i="0" dirty="0" err="1">
                 <a:solidFill>
                   <a:srgbClr val="000000"/>
@@ -1309,7 +1481,17 @@
                 <a:effectLst/>
                 <a:latin typeface="-apple-system"/>
               </a:rPr>
-              <a:t>반이중</a:t>
+              <a:t>프레앰블과</a:t>
+            </a:r>
+            <a:r>
+              <a:rPr lang="en-US" altLang="ko-KR" b="0" i="0" dirty="0">
+                <a:solidFill>
+                  <a:srgbClr val="000000"/>
+                </a:solidFill>
+                <a:effectLst/>
+                <a:latin typeface="-apple-system"/>
+              </a:rPr>
+              <a:t>, </a:t>
             </a:r>
             <a:r>
               <a:rPr lang="ko-KR" altLang="en-US" b="0" i="0" dirty="0">
@@ -1319,7 +1501,27 @@
                 <a:effectLst/>
                 <a:latin typeface="-apple-system"/>
               </a:rPr>
-              <a:t> 모드는</a:t>
+              <a:t>스타트 프레임 </a:t>
+            </a:r>
+            <a:r>
+              <a:rPr lang="ko-KR" altLang="en-US" b="0" i="0" dirty="0" err="1">
+                <a:solidFill>
+                  <a:srgbClr val="000000"/>
+                </a:solidFill>
+                <a:effectLst/>
+                <a:latin typeface="-apple-system"/>
+              </a:rPr>
+              <a:t>딜리미터라는</a:t>
+            </a:r>
+            <a:r>
+              <a:rPr lang="ko-KR" altLang="en-US" b="0" i="0" dirty="0">
+                <a:solidFill>
+                  <a:srgbClr val="000000"/>
+                </a:solidFill>
+                <a:effectLst/>
+                <a:latin typeface="-apple-system"/>
+              </a:rPr>
+              <a:t> 두개의 데이터를 </a:t>
             </a:r>
             <a:r>
               <a:rPr lang="en-US" altLang="ko-KR" b="0" i="0" dirty="0">
@@ -1329,7 +1531,7 @@
                 <a:effectLst/>
                 <a:latin typeface="-apple-system"/>
               </a:rPr>
-              <a:t> </a:t>
+              <a:t>, </a:t>
             </a:r>
             <a:r>
               <a:rPr lang="ko-KR" altLang="en-US" b="0" i="0" dirty="0">
@@ -1339,7 +1541,7 @@
                 <a:effectLst/>
                 <a:latin typeface="-apple-system"/>
               </a:rPr>
-              <a:t>우선</a:t>
+              <a:t>맨 끝에는 프레임 체크 시퀀스</a:t>
             </a:r>
             <a:r>
               <a:rPr lang="en-US" altLang="ko-KR" b="0" i="0" dirty="0">
@@ -1349,7 +1551,7 @@
                 <a:effectLst/>
                 <a:latin typeface="-apple-system"/>
               </a:rPr>
-              <a:t> </a:t>
+              <a:t>(FCS)</a:t>
             </a:r>
             <a:r>
               <a:rPr lang="ko-KR" altLang="en-US" b="0" i="0" dirty="0">
@@ -1359,7 +1561,7 @@
                 <a:effectLst/>
                 <a:latin typeface="-apple-system"/>
               </a:rPr>
-              <a:t>송신을 하기 전에 수신 기기에 다른 기기의 신호가 흐르는지 조사하고 있다면 대기한다</a:t>
+              <a:t>라는 오류 검출용 데이터를 부가합니다</a:t>
             </a:r>
             <a:r>
               <a:rPr lang="en-US" altLang="ko-KR" b="0" i="0" dirty="0">
@@ -1378,6 +1580,86 @@
               <a:buNone/>
             </a:pPr>
             <a:r>
+              <a:rPr lang="ko-KR" altLang="en-US" b="0" i="0" dirty="0" err="1">
+                <a:solidFill>
+                  <a:srgbClr val="000000"/>
+                </a:solidFill>
+                <a:effectLst/>
+                <a:latin typeface="-apple-system"/>
+              </a:rPr>
+              <a:t>프리엠블은</a:t>
+            </a:r>
+            <a:r>
+              <a:rPr lang="ko-KR" altLang="en-US" b="0" i="0" dirty="0">
+                <a:solidFill>
+                  <a:srgbClr val="000000"/>
+                </a:solidFill>
+                <a:effectLst/>
+                <a:latin typeface="-apple-system"/>
+              </a:rPr>
+              <a:t> 비트로 구성하였으며 </a:t>
+            </a:r>
+            <a:r>
+              <a:rPr lang="ko-KR" altLang="en-US" b="0" i="0" dirty="0" err="1">
+                <a:solidFill>
+                  <a:srgbClr val="000000"/>
+                </a:solidFill>
+                <a:effectLst/>
+                <a:latin typeface="-apple-system"/>
+              </a:rPr>
+              <a:t>클록와</a:t>
+            </a:r>
+            <a:r>
+              <a:rPr lang="ko-KR" altLang="en-US" b="0" i="0" dirty="0">
+                <a:solidFill>
+                  <a:srgbClr val="000000"/>
+                </a:solidFill>
+                <a:effectLst/>
+                <a:latin typeface="-apple-system"/>
+              </a:rPr>
+              <a:t> </a:t>
+            </a:r>
+            <a:r>
+              <a:rPr lang="ko-KR" altLang="en-US" b="0" i="0" dirty="0" err="1">
+                <a:solidFill>
+                  <a:srgbClr val="000000"/>
+                </a:solidFill>
+                <a:effectLst/>
+                <a:latin typeface="-apple-system"/>
+              </a:rPr>
+              <a:t>합처져</a:t>
+            </a:r>
+            <a:r>
+              <a:rPr lang="ko-KR" altLang="en-US" b="0" i="0" dirty="0">
+                <a:solidFill>
+                  <a:srgbClr val="000000"/>
+                </a:solidFill>
+                <a:effectLst/>
+                <a:latin typeface="-apple-system"/>
+              </a:rPr>
+              <a:t> 전기 신호를 형성하는 역할을 스타트 프레임 </a:t>
+            </a:r>
+            <a:r>
+              <a:rPr lang="ko-KR" altLang="en-US" b="0" i="0" dirty="0" err="1">
+                <a:solidFill>
+                  <a:srgbClr val="000000"/>
+                </a:solidFill>
+                <a:effectLst/>
+                <a:latin typeface="-apple-system"/>
+              </a:rPr>
+              <a:t>딜리미터는</a:t>
+            </a:r>
+            <a:r>
+              <a:rPr lang="ko-KR" altLang="en-US" b="0" i="0" dirty="0">
+                <a:solidFill>
+                  <a:srgbClr val="000000"/>
+                </a:solidFill>
+                <a:effectLst/>
+                <a:latin typeface="-apple-system"/>
+              </a:rPr>
+              <a:t> 프레임의 개시 위치를 의미합니다</a:t>
+            </a:r>
+            <a:r>
               <a:rPr lang="en-US" altLang="ko-KR" b="0" i="0" dirty="0">
                 <a:solidFill>
                   <a:srgbClr val="000000"/>
@@ -1385,7 +1667,7 @@
                 <a:effectLst/>
                 <a:latin typeface="-apple-system"/>
               </a:rPr>
-              <a:t>/</a:t>
+              <a:t>.</a:t>
             </a:r>
           </a:p>
           <a:p>
@@ -1401,7 +1683,27 @@
                 <a:effectLst/>
                 <a:latin typeface="-apple-system"/>
               </a:rPr>
-              <a:t>흐르지 않는다면 동작을 실행합니다</a:t>
+              <a:t>프레임 체크 시퀀스는 패킷 </a:t>
+            </a:r>
+            <a:r>
+              <a:rPr lang="ko-KR" altLang="en-US" b="0" i="0" dirty="0" err="1">
+                <a:solidFill>
+                  <a:srgbClr val="000000"/>
+                </a:solidFill>
+                <a:effectLst/>
+                <a:latin typeface="-apple-system"/>
+              </a:rPr>
+              <a:t>운반중</a:t>
+            </a:r>
+            <a:r>
+              <a:rPr lang="ko-KR" altLang="en-US" b="0" i="0" dirty="0">
+                <a:solidFill>
+                  <a:srgbClr val="000000"/>
+                </a:solidFill>
+                <a:effectLst/>
+                <a:latin typeface="-apple-system"/>
+              </a:rPr>
+              <a:t> 잡음 등의 영향으로 변한 경우 검출하기위한 데이터 입니다</a:t>
             </a:r>
             <a:r>
               <a:rPr lang="en-US" altLang="ko-KR" b="0" i="0" dirty="0">
@@ -1413,483 +1715,6 @@
               </a:rPr>
               <a:t>.</a:t>
             </a:r>
-          </a:p>
-          <a:p>
-            <a:pPr algn="l">
-              <a:buFont typeface="+mj-lt"/>
-              <a:buNone/>
-            </a:pPr>
-            <a:r>
-              <a:rPr lang="en-US" altLang="ko-KR" b="0" i="0" dirty="0">
-                <a:solidFill>
-                  <a:srgbClr val="000000"/>
-                </a:solidFill>
-                <a:effectLst/>
-                <a:latin typeface="-apple-system"/>
-              </a:rPr>
-              <a:t>/</a:t>
-            </a:r>
-          </a:p>
-          <a:p>
-            <a:pPr algn="l">
-              <a:buFont typeface="+mj-lt"/>
-              <a:buNone/>
-            </a:pPr>
-            <a:r>
-              <a:rPr lang="en-US" altLang="ko-KR" b="0" i="0" dirty="0">
-                <a:solidFill>
-                  <a:srgbClr val="000000"/>
-                </a:solidFill>
-                <a:effectLst/>
-                <a:latin typeface="-apple-system"/>
-              </a:rPr>
-              <a:t>MAC</a:t>
-            </a:r>
-            <a:r>
-              <a:rPr lang="ko-KR" altLang="en-US" b="0" i="0" dirty="0">
-                <a:solidFill>
-                  <a:srgbClr val="000000"/>
-                </a:solidFill>
-                <a:effectLst/>
-                <a:latin typeface="-apple-system"/>
-              </a:rPr>
-              <a:t>회로가 </a:t>
-            </a:r>
-            <a:r>
-              <a:rPr lang="ko-KR" altLang="en-US" b="0" i="0" dirty="0" err="1">
-                <a:solidFill>
-                  <a:srgbClr val="000000"/>
-                </a:solidFill>
-                <a:effectLst/>
-                <a:latin typeface="-apple-system"/>
-              </a:rPr>
-              <a:t>프리앰플의</a:t>
-            </a:r>
-            <a:r>
-              <a:rPr lang="ko-KR" altLang="en-US" b="0" i="0" dirty="0">
-                <a:solidFill>
-                  <a:srgbClr val="000000"/>
-                </a:solidFill>
-                <a:effectLst/>
-                <a:latin typeface="-apple-system"/>
-              </a:rPr>
-              <a:t> 맨 앞부터 </a:t>
-            </a:r>
-            <a:r>
-              <a:rPr lang="en-US" altLang="ko-KR" b="0" i="0" dirty="0">
-                <a:solidFill>
-                  <a:srgbClr val="000000"/>
-                </a:solidFill>
-                <a:effectLst/>
-                <a:latin typeface="-apple-system"/>
-              </a:rPr>
-              <a:t>1</a:t>
-            </a:r>
-            <a:r>
-              <a:rPr lang="ko-KR" altLang="en-US" b="0" i="0" dirty="0" err="1">
-                <a:solidFill>
-                  <a:srgbClr val="000000"/>
-                </a:solidFill>
-                <a:effectLst/>
-                <a:latin typeface="-apple-system"/>
-              </a:rPr>
-              <a:t>비트씩</a:t>
-            </a:r>
-            <a:r>
-              <a:rPr lang="ko-KR" altLang="en-US" b="0" i="0" dirty="0">
-                <a:solidFill>
-                  <a:srgbClr val="000000"/>
-                </a:solidFill>
-                <a:effectLst/>
-                <a:latin typeface="-apple-system"/>
-              </a:rPr>
-              <a:t> 데이터 신호를 전기 신호로 변환합니다</a:t>
-            </a:r>
-            <a:r>
-              <a:rPr lang="en-US" altLang="ko-KR" b="0" i="0" dirty="0">
-                <a:solidFill>
-                  <a:srgbClr val="000000"/>
-                </a:solidFill>
-                <a:effectLst/>
-                <a:latin typeface="-apple-system"/>
-              </a:rPr>
-              <a:t>.</a:t>
-            </a:r>
-          </a:p>
-          <a:p>
-            <a:pPr algn="l">
-              <a:buFont typeface="+mj-lt"/>
-              <a:buNone/>
-            </a:pPr>
-            <a:r>
-              <a:rPr lang="ko-KR" altLang="en-US" b="0" i="0" dirty="0">
-                <a:solidFill>
-                  <a:srgbClr val="000000"/>
-                </a:solidFill>
-                <a:effectLst/>
-                <a:latin typeface="-apple-system"/>
-              </a:rPr>
-              <a:t>이것을 </a:t>
-            </a:r>
-            <a:r>
-              <a:rPr lang="en-US" altLang="ko-KR" b="0" i="0" dirty="0">
-                <a:solidFill>
-                  <a:srgbClr val="000000"/>
-                </a:solidFill>
-                <a:effectLst/>
-                <a:latin typeface="-apple-system"/>
-              </a:rPr>
-              <a:t>LAN</a:t>
-            </a:r>
-            <a:r>
-              <a:rPr lang="ko-KR" altLang="en-US" b="0" i="0" dirty="0">
-                <a:solidFill>
-                  <a:srgbClr val="000000"/>
-                </a:solidFill>
-                <a:effectLst/>
-                <a:latin typeface="-apple-system"/>
-              </a:rPr>
-              <a:t>어댑터의 </a:t>
-            </a:r>
-            <a:r>
-              <a:rPr lang="en-US" altLang="ko-KR" b="0" i="0" dirty="0">
-                <a:solidFill>
-                  <a:srgbClr val="000000"/>
-                </a:solidFill>
-                <a:effectLst/>
-                <a:latin typeface="-apple-system"/>
-              </a:rPr>
-              <a:t>PHY</a:t>
-            </a:r>
-            <a:r>
-              <a:rPr lang="ko-KR" altLang="en-US" b="0" i="0" dirty="0">
-                <a:solidFill>
-                  <a:srgbClr val="000000"/>
-                </a:solidFill>
-                <a:effectLst/>
-                <a:latin typeface="-apple-system"/>
-              </a:rPr>
-              <a:t>또는 </a:t>
-            </a:r>
-            <a:r>
-              <a:rPr lang="en-US" altLang="ko-KR" b="0" i="0" dirty="0">
-                <a:solidFill>
-                  <a:srgbClr val="000000"/>
-                </a:solidFill>
-                <a:effectLst/>
-                <a:latin typeface="-apple-system"/>
-              </a:rPr>
-              <a:t>MAU</a:t>
-            </a:r>
-            <a:r>
-              <a:rPr lang="ko-KR" altLang="en-US" b="0" i="0" dirty="0">
-                <a:solidFill>
-                  <a:srgbClr val="000000"/>
-                </a:solidFill>
-                <a:effectLst/>
-                <a:latin typeface="-apple-system"/>
-              </a:rPr>
-              <a:t>라는 송</a:t>
-            </a:r>
-            <a:r>
-              <a:rPr lang="en-US" altLang="ko-KR" b="0" i="0" dirty="0">
-                <a:solidFill>
-                  <a:srgbClr val="000000"/>
-                </a:solidFill>
-                <a:effectLst/>
-                <a:latin typeface="-apple-system"/>
-              </a:rPr>
-              <a:t>,</a:t>
-            </a:r>
-            <a:r>
-              <a:rPr lang="ko-KR" altLang="en-US" b="0" i="0" dirty="0">
-                <a:solidFill>
-                  <a:srgbClr val="000000"/>
-                </a:solidFill>
-                <a:effectLst/>
-                <a:latin typeface="-apple-system"/>
-              </a:rPr>
-              <a:t>수신 신호 부분으로 전달합니다</a:t>
-            </a:r>
-            <a:r>
-              <a:rPr lang="en-US" altLang="ko-KR" b="0" i="0" dirty="0">
-                <a:solidFill>
-                  <a:srgbClr val="000000"/>
-                </a:solidFill>
-                <a:effectLst/>
-                <a:latin typeface="-apple-system"/>
-              </a:rPr>
-              <a:t>.</a:t>
-            </a:r>
-          </a:p>
-          <a:p>
-            <a:pPr algn="l">
-              <a:buFont typeface="+mj-lt"/>
-              <a:buNone/>
-            </a:pPr>
-            <a:r>
-              <a:rPr lang="en-US" altLang="ko-KR" b="0" i="0" dirty="0">
-                <a:solidFill>
-                  <a:srgbClr val="000000"/>
-                </a:solidFill>
-                <a:effectLst/>
-                <a:latin typeface="-apple-system"/>
-              </a:rPr>
-              <a:t>/</a:t>
-            </a:r>
-          </a:p>
-          <a:p>
-            <a:pPr algn="l">
-              <a:buFont typeface="+mj-lt"/>
-              <a:buNone/>
-            </a:pPr>
-            <a:r>
-              <a:rPr lang="en-US" altLang="ko-KR" b="0" i="0" dirty="0">
-                <a:solidFill>
-                  <a:srgbClr val="000000"/>
-                </a:solidFill>
-                <a:effectLst/>
-                <a:latin typeface="-apple-system"/>
-              </a:rPr>
-              <a:t>PHY</a:t>
-            </a:r>
-            <a:r>
-              <a:rPr lang="ko-KR" altLang="en-US" b="0" i="0" dirty="0">
-                <a:solidFill>
-                  <a:srgbClr val="000000"/>
-                </a:solidFill>
-                <a:effectLst/>
-                <a:latin typeface="-apple-system"/>
-              </a:rPr>
-              <a:t>회로는 받은 전기신호를 케이블에 송출되는 형식으로 변환합니다</a:t>
-            </a:r>
-            <a:r>
-              <a:rPr lang="en-US" altLang="ko-KR" b="0" i="0" dirty="0">
-                <a:solidFill>
-                  <a:srgbClr val="000000"/>
-                </a:solidFill>
-                <a:effectLst/>
-                <a:latin typeface="-apple-system"/>
-              </a:rPr>
-              <a:t>.</a:t>
-            </a:r>
-          </a:p>
-          <a:p>
-            <a:pPr algn="l">
-              <a:buFont typeface="+mj-lt"/>
-              <a:buNone/>
-            </a:pPr>
-            <a:r>
-              <a:rPr lang="en-US" altLang="ko-KR" b="0" i="0" dirty="0">
-                <a:solidFill>
-                  <a:srgbClr val="000000"/>
-                </a:solidFill>
-                <a:effectLst/>
-                <a:latin typeface="-apple-system"/>
-              </a:rPr>
-              <a:t>/</a:t>
-            </a:r>
-          </a:p>
-          <a:p>
-            <a:pPr algn="l">
-              <a:buFont typeface="+mj-lt"/>
-              <a:buNone/>
-            </a:pPr>
-            <a:r>
-              <a:rPr lang="ko-KR" altLang="en-US" b="0" i="0" dirty="0">
-                <a:solidFill>
-                  <a:srgbClr val="000000"/>
-                </a:solidFill>
-                <a:effectLst/>
-                <a:latin typeface="-apple-system"/>
-              </a:rPr>
-              <a:t>그 후 송신 신호선으로 보냅니다</a:t>
-            </a:r>
-            <a:r>
-              <a:rPr lang="en-US" altLang="ko-KR" b="0" i="0" dirty="0">
-                <a:solidFill>
-                  <a:srgbClr val="000000"/>
-                </a:solidFill>
-                <a:effectLst/>
-                <a:latin typeface="-apple-system"/>
-              </a:rPr>
-              <a:t>. </a:t>
-            </a:r>
-            <a:r>
-              <a:rPr lang="ko-KR" altLang="en-US" b="0" i="0" dirty="0">
-                <a:solidFill>
-                  <a:srgbClr val="000000"/>
-                </a:solidFill>
-                <a:effectLst/>
-                <a:latin typeface="-apple-system"/>
-              </a:rPr>
-              <a:t>여기서 송신 신호선을 하는 동안에서는 수신 신호선에는 신호가 </a:t>
-            </a:r>
-            <a:r>
-              <a:rPr lang="ko-KR" altLang="en-US" b="0" i="0" dirty="0" err="1">
-                <a:solidFill>
-                  <a:srgbClr val="000000"/>
-                </a:solidFill>
-                <a:effectLst/>
-                <a:latin typeface="-apple-system"/>
-              </a:rPr>
-              <a:t>흘러들어오면</a:t>
-            </a:r>
-            <a:r>
-              <a:rPr lang="ko-KR" altLang="en-US" b="0" i="0" dirty="0">
-                <a:solidFill>
-                  <a:srgbClr val="000000"/>
-                </a:solidFill>
-                <a:effectLst/>
-                <a:latin typeface="-apple-system"/>
-              </a:rPr>
-              <a:t> 안되는데 만약 동시에 송</a:t>
-            </a:r>
-            <a:r>
-              <a:rPr lang="en-US" altLang="ko-KR" b="0" i="0" dirty="0">
-                <a:solidFill>
-                  <a:srgbClr val="000000"/>
-                </a:solidFill>
-                <a:effectLst/>
-                <a:latin typeface="-apple-system"/>
-              </a:rPr>
-              <a:t>,</a:t>
-            </a:r>
-            <a:r>
-              <a:rPr lang="ko-KR" altLang="en-US" b="0" i="0" dirty="0">
-                <a:solidFill>
-                  <a:srgbClr val="000000"/>
-                </a:solidFill>
-                <a:effectLst/>
-                <a:latin typeface="-apple-system"/>
-              </a:rPr>
-              <a:t>수신 동작이 일어나면 보낸 신호가 수신 신호선으로 돌아온다</a:t>
-            </a:r>
-            <a:r>
-              <a:rPr lang="en-US" altLang="ko-KR" b="0" i="0" dirty="0">
-                <a:solidFill>
-                  <a:srgbClr val="000000"/>
-                </a:solidFill>
-                <a:effectLst/>
-                <a:latin typeface="-apple-system"/>
-              </a:rPr>
-              <a:t>. </a:t>
-            </a:r>
-            <a:r>
-              <a:rPr lang="ko-KR" altLang="en-US" b="0" i="0" dirty="0">
-                <a:solidFill>
-                  <a:srgbClr val="000000"/>
-                </a:solidFill>
-                <a:effectLst/>
-                <a:latin typeface="-apple-system"/>
-              </a:rPr>
-              <a:t>이를 </a:t>
-            </a:r>
-            <a:r>
-              <a:rPr lang="ko-KR" altLang="en-US" dirty="0"/>
-              <a:t>충돌</a:t>
-            </a:r>
-            <a:r>
-              <a:rPr lang="ko-KR" altLang="en-US" b="0" i="0" dirty="0">
-                <a:solidFill>
-                  <a:srgbClr val="000000"/>
-                </a:solidFill>
-                <a:effectLst/>
-                <a:latin typeface="-apple-system"/>
-              </a:rPr>
-              <a:t>이라고 합니다</a:t>
-            </a:r>
-            <a:r>
-              <a:rPr lang="en-US" altLang="ko-KR" b="0" i="0" dirty="0">
-                <a:solidFill>
-                  <a:srgbClr val="000000"/>
-                </a:solidFill>
-                <a:effectLst/>
-                <a:latin typeface="-apple-system"/>
-              </a:rPr>
-              <a:t>.</a:t>
-            </a:r>
-          </a:p>
-          <a:p>
-            <a:pPr algn="l">
-              <a:buFont typeface="+mj-lt"/>
-              <a:buNone/>
-            </a:pPr>
-            <a:r>
-              <a:rPr lang="en-US" altLang="ko-KR" b="0" i="0" dirty="0">
-                <a:solidFill>
-                  <a:srgbClr val="000000"/>
-                </a:solidFill>
-                <a:effectLst/>
-                <a:latin typeface="-apple-system"/>
-              </a:rPr>
-              <a:t>/</a:t>
-            </a:r>
-          </a:p>
-          <a:p>
-            <a:pPr marL="0" marR="0" lvl="0" indent="0" algn="l" defTabSz="914400" rtl="0" eaLnBrk="1" fontAlgn="auto" latinLnBrk="1" hangingPunct="1">
-              <a:lnSpc>
-                <a:spcPct val="100000"/>
-              </a:lnSpc>
-              <a:spcBef>
-                <a:spcPts val="0"/>
-              </a:spcBef>
-              <a:spcAft>
-                <a:spcPts val="0"/>
-              </a:spcAft>
-              <a:buClrTx/>
-              <a:buSzTx/>
-              <a:buFont typeface="+mj-lt"/>
-              <a:buNone/>
-              <a:tabLst/>
-              <a:defRPr/>
-            </a:pPr>
-            <a:r>
-              <a:rPr lang="ko-KR" altLang="en-US" b="0" i="0" dirty="0">
-                <a:solidFill>
-                  <a:srgbClr val="000000"/>
-                </a:solidFill>
-                <a:effectLst/>
-                <a:latin typeface="-apple-system"/>
-              </a:rPr>
-              <a:t>충돌이 일어나면 송신을 중단했다가 좀 기다리고 다시 시작합니다</a:t>
-            </a:r>
-            <a:r>
-              <a:rPr lang="en-US" altLang="ko-KR" b="0" i="0" dirty="0">
-                <a:solidFill>
-                  <a:srgbClr val="000000"/>
-                </a:solidFill>
-                <a:effectLst/>
-                <a:latin typeface="-apple-system"/>
-              </a:rPr>
-              <a:t>.</a:t>
-            </a:r>
-          </a:p>
-          <a:p>
-            <a:pPr algn="l">
-              <a:buFont typeface="+mj-lt"/>
-              <a:buNone/>
-            </a:pPr>
-            <a:endParaRPr lang="en-US" altLang="ko-KR" b="0" i="0" dirty="0">
-              <a:solidFill>
-                <a:srgbClr val="000000"/>
-              </a:solidFill>
-              <a:effectLst/>
-              <a:latin typeface="-apple-system"/>
-            </a:endParaRPr>
-          </a:p>
-          <a:p>
-            <a:pPr algn="l">
-              <a:buFont typeface="+mj-lt"/>
-              <a:buNone/>
-            </a:pPr>
-            <a:endParaRPr lang="en-US" altLang="ko-KR" b="0" i="0" dirty="0">
-              <a:solidFill>
-                <a:srgbClr val="000000"/>
-              </a:solidFill>
-              <a:effectLst/>
-              <a:latin typeface="-apple-system"/>
-            </a:endParaRPr>
           </a:p>
           <a:p>
             <a:pPr algn="l">
@@ -1923,7 +1748,7 @@
           <a:p>
             <a:fld id="{75152752-F12A-4471-982A-FC6C9CE39BBC}" type="slidenum">
               <a:rPr lang="ko-KR" altLang="en-US" smtClean="0"/>
-              <a:t>16</a:t>
+              <a:t>15</a:t>
             </a:fld>
             <a:endParaRPr lang="ko-KR" altLang="en-US"/>
           </a:p>
@@ -2008,6 +1833,695 @@
                 <a:effectLst/>
                 <a:latin typeface="-apple-system"/>
               </a:rPr>
+              <a:t> 모드는</a:t>
+            </a:r>
+            <a:r>
+              <a:rPr lang="en-US" altLang="ko-KR" b="0" i="0" dirty="0">
+                <a:solidFill>
+                  <a:srgbClr val="000000"/>
+                </a:solidFill>
+                <a:effectLst/>
+                <a:latin typeface="-apple-system"/>
+              </a:rPr>
+              <a:t> </a:t>
+            </a:r>
+            <a:r>
+              <a:rPr lang="ko-KR" altLang="en-US" b="0" i="0" dirty="0">
+                <a:solidFill>
+                  <a:srgbClr val="000000"/>
+                </a:solidFill>
+                <a:effectLst/>
+                <a:latin typeface="-apple-system"/>
+              </a:rPr>
+              <a:t>우선</a:t>
+            </a:r>
+            <a:r>
+              <a:rPr lang="en-US" altLang="ko-KR" b="0" i="0" dirty="0">
+                <a:solidFill>
+                  <a:srgbClr val="000000"/>
+                </a:solidFill>
+                <a:effectLst/>
+                <a:latin typeface="-apple-system"/>
+              </a:rPr>
+              <a:t> </a:t>
+            </a:r>
+            <a:r>
+              <a:rPr lang="ko-KR" altLang="en-US" b="0" i="0" dirty="0">
+                <a:solidFill>
+                  <a:srgbClr val="000000"/>
+                </a:solidFill>
+                <a:effectLst/>
+                <a:latin typeface="-apple-system"/>
+              </a:rPr>
+              <a:t>송신을 하기 전에 수신 기기에 다른 기기의 신호가 흐르는지 조사하고 있다면 대기한다</a:t>
+            </a:r>
+            <a:r>
+              <a:rPr lang="en-US" altLang="ko-KR" b="0" i="0" dirty="0">
+                <a:solidFill>
+                  <a:srgbClr val="000000"/>
+                </a:solidFill>
+                <a:effectLst/>
+                <a:latin typeface="-apple-system"/>
+              </a:rPr>
+              <a:t>.</a:t>
+            </a:r>
+          </a:p>
+          <a:p>
+            <a:pPr algn="l">
+              <a:buFont typeface="+mj-lt"/>
+              <a:buNone/>
+            </a:pPr>
+            <a:r>
+              <a:rPr lang="en-US" altLang="ko-KR" b="0" i="0" dirty="0">
+                <a:solidFill>
+                  <a:srgbClr val="000000"/>
+                </a:solidFill>
+                <a:effectLst/>
+                <a:latin typeface="-apple-system"/>
+              </a:rPr>
+              <a:t>/</a:t>
+            </a:r>
+          </a:p>
+          <a:p>
+            <a:pPr algn="l">
+              <a:buFont typeface="+mj-lt"/>
+              <a:buNone/>
+            </a:pPr>
+            <a:r>
+              <a:rPr lang="ko-KR" altLang="en-US" b="0" i="0" dirty="0">
+                <a:solidFill>
+                  <a:srgbClr val="000000"/>
+                </a:solidFill>
+                <a:effectLst/>
+                <a:latin typeface="-apple-system"/>
+              </a:rPr>
+              <a:t>흐르지 않는다면 동작을 실행합니다</a:t>
+            </a:r>
+            <a:r>
+              <a:rPr lang="en-US" altLang="ko-KR" b="0" i="0" dirty="0">
+                <a:solidFill>
+                  <a:srgbClr val="000000"/>
+                </a:solidFill>
+                <a:effectLst/>
+                <a:latin typeface="-apple-system"/>
+              </a:rPr>
+              <a:t>.</a:t>
+            </a:r>
+          </a:p>
+          <a:p>
+            <a:pPr algn="l">
+              <a:buFont typeface="+mj-lt"/>
+              <a:buNone/>
+            </a:pPr>
+            <a:r>
+              <a:rPr lang="en-US" altLang="ko-KR" b="0" i="0" dirty="0">
+                <a:solidFill>
+                  <a:srgbClr val="000000"/>
+                </a:solidFill>
+                <a:effectLst/>
+                <a:latin typeface="-apple-system"/>
+              </a:rPr>
+              <a:t>/</a:t>
+            </a:r>
+          </a:p>
+          <a:p>
+            <a:pPr algn="l">
+              <a:buFont typeface="+mj-lt"/>
+              <a:buNone/>
+            </a:pPr>
+            <a:r>
+              <a:rPr lang="en-US" altLang="ko-KR" b="0" i="0" dirty="0">
+                <a:solidFill>
+                  <a:srgbClr val="000000"/>
+                </a:solidFill>
+                <a:effectLst/>
+                <a:latin typeface="-apple-system"/>
+              </a:rPr>
+              <a:t>MAC</a:t>
+            </a:r>
+            <a:r>
+              <a:rPr lang="ko-KR" altLang="en-US" b="0" i="0" dirty="0">
+                <a:solidFill>
+                  <a:srgbClr val="000000"/>
+                </a:solidFill>
+                <a:effectLst/>
+                <a:latin typeface="-apple-system"/>
+              </a:rPr>
+              <a:t>회로가 </a:t>
+            </a:r>
+            <a:r>
+              <a:rPr lang="ko-KR" altLang="en-US" b="0" i="0" dirty="0" err="1">
+                <a:solidFill>
+                  <a:srgbClr val="000000"/>
+                </a:solidFill>
+                <a:effectLst/>
+                <a:latin typeface="-apple-system"/>
+              </a:rPr>
+              <a:t>프리앰플의</a:t>
+            </a:r>
+            <a:r>
+              <a:rPr lang="ko-KR" altLang="en-US" b="0" i="0" dirty="0">
+                <a:solidFill>
+                  <a:srgbClr val="000000"/>
+                </a:solidFill>
+                <a:effectLst/>
+                <a:latin typeface="-apple-system"/>
+              </a:rPr>
+              <a:t> 맨 앞부터 </a:t>
+            </a:r>
+            <a:r>
+              <a:rPr lang="en-US" altLang="ko-KR" b="0" i="0" dirty="0">
+                <a:solidFill>
+                  <a:srgbClr val="000000"/>
+                </a:solidFill>
+                <a:effectLst/>
+                <a:latin typeface="-apple-system"/>
+              </a:rPr>
+              <a:t>1</a:t>
+            </a:r>
+            <a:r>
+              <a:rPr lang="ko-KR" altLang="en-US" b="0" i="0" dirty="0" err="1">
+                <a:solidFill>
+                  <a:srgbClr val="000000"/>
+                </a:solidFill>
+                <a:effectLst/>
+                <a:latin typeface="-apple-system"/>
+              </a:rPr>
+              <a:t>비트씩</a:t>
+            </a:r>
+            <a:r>
+              <a:rPr lang="ko-KR" altLang="en-US" b="0" i="0" dirty="0">
+                <a:solidFill>
+                  <a:srgbClr val="000000"/>
+                </a:solidFill>
+                <a:effectLst/>
+                <a:latin typeface="-apple-system"/>
+              </a:rPr>
+              <a:t> 데이터 신호를 전기 신호로 변환합니다</a:t>
+            </a:r>
+            <a:r>
+              <a:rPr lang="en-US" altLang="ko-KR" b="0" i="0" dirty="0">
+                <a:solidFill>
+                  <a:srgbClr val="000000"/>
+                </a:solidFill>
+                <a:effectLst/>
+                <a:latin typeface="-apple-system"/>
+              </a:rPr>
+              <a:t>.</a:t>
+            </a:r>
+          </a:p>
+          <a:p>
+            <a:pPr algn="l">
+              <a:buFont typeface="+mj-lt"/>
+              <a:buNone/>
+            </a:pPr>
+            <a:r>
+              <a:rPr lang="ko-KR" altLang="en-US" b="0" i="0" dirty="0">
+                <a:solidFill>
+                  <a:srgbClr val="000000"/>
+                </a:solidFill>
+                <a:effectLst/>
+                <a:latin typeface="-apple-system"/>
+              </a:rPr>
+              <a:t>이것을 </a:t>
+            </a:r>
+            <a:r>
+              <a:rPr lang="en-US" altLang="ko-KR" b="0" i="0" dirty="0">
+                <a:solidFill>
+                  <a:srgbClr val="000000"/>
+                </a:solidFill>
+                <a:effectLst/>
+                <a:latin typeface="-apple-system"/>
+              </a:rPr>
+              <a:t>LAN</a:t>
+            </a:r>
+            <a:r>
+              <a:rPr lang="ko-KR" altLang="en-US" b="0" i="0" dirty="0">
+                <a:solidFill>
+                  <a:srgbClr val="000000"/>
+                </a:solidFill>
+                <a:effectLst/>
+                <a:latin typeface="-apple-system"/>
+              </a:rPr>
+              <a:t>어댑터의 </a:t>
+            </a:r>
+            <a:r>
+              <a:rPr lang="en-US" altLang="ko-KR" b="0" i="0" dirty="0">
+                <a:solidFill>
+                  <a:srgbClr val="000000"/>
+                </a:solidFill>
+                <a:effectLst/>
+                <a:latin typeface="-apple-system"/>
+              </a:rPr>
+              <a:t>PHY</a:t>
+            </a:r>
+            <a:r>
+              <a:rPr lang="ko-KR" altLang="en-US" b="0" i="0" dirty="0">
+                <a:solidFill>
+                  <a:srgbClr val="000000"/>
+                </a:solidFill>
+                <a:effectLst/>
+                <a:latin typeface="-apple-system"/>
+              </a:rPr>
+              <a:t>또는 </a:t>
+            </a:r>
+            <a:r>
+              <a:rPr lang="en-US" altLang="ko-KR" b="0" i="0" dirty="0">
+                <a:solidFill>
+                  <a:srgbClr val="000000"/>
+                </a:solidFill>
+                <a:effectLst/>
+                <a:latin typeface="-apple-system"/>
+              </a:rPr>
+              <a:t>MAU</a:t>
+            </a:r>
+            <a:r>
+              <a:rPr lang="ko-KR" altLang="en-US" b="0" i="0" dirty="0">
+                <a:solidFill>
+                  <a:srgbClr val="000000"/>
+                </a:solidFill>
+                <a:effectLst/>
+                <a:latin typeface="-apple-system"/>
+              </a:rPr>
+              <a:t>라는 송</a:t>
+            </a:r>
+            <a:r>
+              <a:rPr lang="en-US" altLang="ko-KR" b="0" i="0" dirty="0">
+                <a:solidFill>
+                  <a:srgbClr val="000000"/>
+                </a:solidFill>
+                <a:effectLst/>
+                <a:latin typeface="-apple-system"/>
+              </a:rPr>
+              <a:t>,</a:t>
+            </a:r>
+            <a:r>
+              <a:rPr lang="ko-KR" altLang="en-US" b="0" i="0" dirty="0">
+                <a:solidFill>
+                  <a:srgbClr val="000000"/>
+                </a:solidFill>
+                <a:effectLst/>
+                <a:latin typeface="-apple-system"/>
+              </a:rPr>
+              <a:t>수신 신호 부분으로 전달합니다</a:t>
+            </a:r>
+            <a:r>
+              <a:rPr lang="en-US" altLang="ko-KR" b="0" i="0" dirty="0">
+                <a:solidFill>
+                  <a:srgbClr val="000000"/>
+                </a:solidFill>
+                <a:effectLst/>
+                <a:latin typeface="-apple-system"/>
+              </a:rPr>
+              <a:t>.</a:t>
+            </a:r>
+          </a:p>
+          <a:p>
+            <a:pPr algn="l">
+              <a:buFont typeface="+mj-lt"/>
+              <a:buNone/>
+            </a:pPr>
+            <a:r>
+              <a:rPr lang="en-US" altLang="ko-KR" b="0" i="0" dirty="0">
+                <a:solidFill>
+                  <a:srgbClr val="000000"/>
+                </a:solidFill>
+                <a:effectLst/>
+                <a:latin typeface="-apple-system"/>
+              </a:rPr>
+              <a:t>/</a:t>
+            </a:r>
+          </a:p>
+          <a:p>
+            <a:pPr algn="l">
+              <a:buFont typeface="+mj-lt"/>
+              <a:buNone/>
+            </a:pPr>
+            <a:r>
+              <a:rPr lang="en-US" altLang="ko-KR" b="0" i="0" dirty="0">
+                <a:solidFill>
+                  <a:srgbClr val="000000"/>
+                </a:solidFill>
+                <a:effectLst/>
+                <a:latin typeface="-apple-system"/>
+              </a:rPr>
+              <a:t>PHY</a:t>
+            </a:r>
+            <a:r>
+              <a:rPr lang="ko-KR" altLang="en-US" b="0" i="0" dirty="0">
+                <a:solidFill>
+                  <a:srgbClr val="000000"/>
+                </a:solidFill>
+                <a:effectLst/>
+                <a:latin typeface="-apple-system"/>
+              </a:rPr>
+              <a:t>회로는 받은 전기신호를 케이블에 송출되는 형식으로 변환합니다</a:t>
+            </a:r>
+            <a:r>
+              <a:rPr lang="en-US" altLang="ko-KR" b="0" i="0" dirty="0">
+                <a:solidFill>
+                  <a:srgbClr val="000000"/>
+                </a:solidFill>
+                <a:effectLst/>
+                <a:latin typeface="-apple-system"/>
+              </a:rPr>
+              <a:t>.</a:t>
+            </a:r>
+          </a:p>
+          <a:p>
+            <a:pPr algn="l">
+              <a:buFont typeface="+mj-lt"/>
+              <a:buNone/>
+            </a:pPr>
+            <a:r>
+              <a:rPr lang="en-US" altLang="ko-KR" b="0" i="0" dirty="0">
+                <a:solidFill>
+                  <a:srgbClr val="000000"/>
+                </a:solidFill>
+                <a:effectLst/>
+                <a:latin typeface="-apple-system"/>
+              </a:rPr>
+              <a:t>/</a:t>
+            </a:r>
+          </a:p>
+          <a:p>
+            <a:pPr algn="l">
+              <a:buFont typeface="+mj-lt"/>
+              <a:buNone/>
+            </a:pPr>
+            <a:r>
+              <a:rPr lang="ko-KR" altLang="en-US" b="0" i="0" dirty="0">
+                <a:solidFill>
+                  <a:srgbClr val="000000"/>
+                </a:solidFill>
+                <a:effectLst/>
+                <a:latin typeface="-apple-system"/>
+              </a:rPr>
+              <a:t>그 후 송신 신호선으로 보냅니다</a:t>
+            </a:r>
+            <a:r>
+              <a:rPr lang="en-US" altLang="ko-KR" b="0" i="0" dirty="0">
+                <a:solidFill>
+                  <a:srgbClr val="000000"/>
+                </a:solidFill>
+                <a:effectLst/>
+                <a:latin typeface="-apple-system"/>
+              </a:rPr>
+              <a:t>. </a:t>
+            </a:r>
+            <a:r>
+              <a:rPr lang="ko-KR" altLang="en-US" b="0" i="0" dirty="0">
+                <a:solidFill>
+                  <a:srgbClr val="000000"/>
+                </a:solidFill>
+                <a:effectLst/>
+                <a:latin typeface="-apple-system"/>
+              </a:rPr>
+              <a:t>여기서 송신 신호선을 하는 동안에서는 수신 신호선에는 신호가 </a:t>
+            </a:r>
+            <a:r>
+              <a:rPr lang="ko-KR" altLang="en-US" b="0" i="0" dirty="0" err="1">
+                <a:solidFill>
+                  <a:srgbClr val="000000"/>
+                </a:solidFill>
+                <a:effectLst/>
+                <a:latin typeface="-apple-system"/>
+              </a:rPr>
+              <a:t>흘러들어오면</a:t>
+            </a:r>
+            <a:r>
+              <a:rPr lang="ko-KR" altLang="en-US" b="0" i="0" dirty="0">
+                <a:solidFill>
+                  <a:srgbClr val="000000"/>
+                </a:solidFill>
+                <a:effectLst/>
+                <a:latin typeface="-apple-system"/>
+              </a:rPr>
+              <a:t> 안되는데 만약 동시에 송</a:t>
+            </a:r>
+            <a:r>
+              <a:rPr lang="en-US" altLang="ko-KR" b="0" i="0" dirty="0">
+                <a:solidFill>
+                  <a:srgbClr val="000000"/>
+                </a:solidFill>
+                <a:effectLst/>
+                <a:latin typeface="-apple-system"/>
+              </a:rPr>
+              <a:t>,</a:t>
+            </a:r>
+            <a:r>
+              <a:rPr lang="ko-KR" altLang="en-US" b="0" i="0" dirty="0">
+                <a:solidFill>
+                  <a:srgbClr val="000000"/>
+                </a:solidFill>
+                <a:effectLst/>
+                <a:latin typeface="-apple-system"/>
+              </a:rPr>
+              <a:t>수신 동작이 일어나면 보낸 신호가 수신 신호선으로 돌아온다</a:t>
+            </a:r>
+            <a:r>
+              <a:rPr lang="en-US" altLang="ko-KR" b="0" i="0" dirty="0">
+                <a:solidFill>
+                  <a:srgbClr val="000000"/>
+                </a:solidFill>
+                <a:effectLst/>
+                <a:latin typeface="-apple-system"/>
+              </a:rPr>
+              <a:t>. </a:t>
+            </a:r>
+            <a:r>
+              <a:rPr lang="ko-KR" altLang="en-US" b="0" i="0" dirty="0">
+                <a:solidFill>
+                  <a:srgbClr val="000000"/>
+                </a:solidFill>
+                <a:effectLst/>
+                <a:latin typeface="-apple-system"/>
+              </a:rPr>
+              <a:t>이를 </a:t>
+            </a:r>
+            <a:r>
+              <a:rPr lang="ko-KR" altLang="en-US" dirty="0"/>
+              <a:t>충돌</a:t>
+            </a:r>
+            <a:r>
+              <a:rPr lang="ko-KR" altLang="en-US" b="0" i="0" dirty="0">
+                <a:solidFill>
+                  <a:srgbClr val="000000"/>
+                </a:solidFill>
+                <a:effectLst/>
+                <a:latin typeface="-apple-system"/>
+              </a:rPr>
+              <a:t>이라고 합니다</a:t>
+            </a:r>
+            <a:r>
+              <a:rPr lang="en-US" altLang="ko-KR" b="0" i="0" dirty="0">
+                <a:solidFill>
+                  <a:srgbClr val="000000"/>
+                </a:solidFill>
+                <a:effectLst/>
+                <a:latin typeface="-apple-system"/>
+              </a:rPr>
+              <a:t>.</a:t>
+            </a:r>
+          </a:p>
+          <a:p>
+            <a:pPr algn="l">
+              <a:buFont typeface="+mj-lt"/>
+              <a:buNone/>
+            </a:pPr>
+            <a:r>
+              <a:rPr lang="en-US" altLang="ko-KR" b="0" i="0" dirty="0">
+                <a:solidFill>
+                  <a:srgbClr val="000000"/>
+                </a:solidFill>
+                <a:effectLst/>
+                <a:latin typeface="-apple-system"/>
+              </a:rPr>
+              <a:t>/</a:t>
+            </a:r>
+          </a:p>
+          <a:p>
+            <a:pPr marL="0" marR="0" lvl="0" indent="0" algn="l" defTabSz="914400" rtl="0" eaLnBrk="1" fontAlgn="auto" latinLnBrk="1" hangingPunct="1">
+              <a:lnSpc>
+                <a:spcPct val="100000"/>
+              </a:lnSpc>
+              <a:spcBef>
+                <a:spcPts val="0"/>
+              </a:spcBef>
+              <a:spcAft>
+                <a:spcPts val="0"/>
+              </a:spcAft>
+              <a:buClrTx/>
+              <a:buSzTx/>
+              <a:buFont typeface="+mj-lt"/>
+              <a:buNone/>
+              <a:tabLst/>
+              <a:defRPr/>
+            </a:pPr>
+            <a:r>
+              <a:rPr lang="ko-KR" altLang="en-US" b="0" i="0" dirty="0">
+                <a:solidFill>
+                  <a:srgbClr val="000000"/>
+                </a:solidFill>
+                <a:effectLst/>
+                <a:latin typeface="-apple-system"/>
+              </a:rPr>
+              <a:t>충돌이 일어나면 송신을 중단했다가 좀 기다리고 다시 시작합니다</a:t>
+            </a:r>
+            <a:r>
+              <a:rPr lang="en-US" altLang="ko-KR" b="0" i="0" dirty="0">
+                <a:solidFill>
+                  <a:srgbClr val="000000"/>
+                </a:solidFill>
+                <a:effectLst/>
+                <a:latin typeface="-apple-system"/>
+              </a:rPr>
+              <a:t>.</a:t>
+            </a:r>
+          </a:p>
+          <a:p>
+            <a:pPr algn="l">
+              <a:buFont typeface="+mj-lt"/>
+              <a:buNone/>
+            </a:pPr>
+            <a:endParaRPr lang="en-US" altLang="ko-KR" b="0" i="0" dirty="0">
+              <a:solidFill>
+                <a:srgbClr val="000000"/>
+              </a:solidFill>
+              <a:effectLst/>
+              <a:latin typeface="-apple-system"/>
+            </a:endParaRPr>
+          </a:p>
+          <a:p>
+            <a:pPr algn="l">
+              <a:buFont typeface="+mj-lt"/>
+              <a:buNone/>
+            </a:pPr>
+            <a:endParaRPr lang="en-US" altLang="ko-KR" b="0" i="0" dirty="0">
+              <a:solidFill>
+                <a:srgbClr val="000000"/>
+              </a:solidFill>
+              <a:effectLst/>
+              <a:latin typeface="-apple-system"/>
+            </a:endParaRPr>
+          </a:p>
+          <a:p>
+            <a:pPr algn="l">
+              <a:buFont typeface="+mj-lt"/>
+              <a:buNone/>
+            </a:pPr>
+            <a:endParaRPr lang="en-US" altLang="ko-KR" b="0" i="0" dirty="0">
+              <a:solidFill>
+                <a:srgbClr val="000000"/>
+              </a:solidFill>
+              <a:effectLst/>
+              <a:latin typeface="-apple-system"/>
+            </a:endParaRPr>
+          </a:p>
+        </p:txBody>
+      </p:sp>
+      <p:sp>
+        <p:nvSpPr>
+          <p:cNvPr id="4" name="슬라이드 번호 개체 틀 3"/>
+          <p:cNvSpPr>
+            <a:spLocks noGrp="1"/>
+          </p:cNvSpPr>
+          <p:nvPr>
+            <p:ph type="sldNum" sz="quarter" idx="5"/>
+          </p:nvPr>
+        </p:nvSpPr>
+        <p:spPr/>
+        <p:txBody>
+          <a:bodyPr/>
+          <a:lstStyle/>
+          <a:p>
+            <a:fld id="{75152752-F12A-4471-982A-FC6C9CE39BBC}" type="slidenum">
+              <a:rPr lang="ko-KR" altLang="en-US" smtClean="0"/>
+              <a:t>16</a:t>
+            </a:fld>
+            <a:endParaRPr lang="ko-KR" altLang="en-US"/>
+          </a:p>
+        </p:txBody>
+      </p:sp>
+    </p:spTree>
+    <p:extLst>
+      <p:ext uri="{BB962C8B-B14F-4D97-AF65-F5344CB8AC3E}">
+        <p14:creationId xmlns:p14="http://schemas.microsoft.com/office/powerpoint/2010/main" val="338675546"/>
+      </p:ext>
+    </p:extLst>
+  </p:cSld>
+  <p:clrMapOvr>
+    <a:masterClrMapping/>
+  </p:clrMapOvr>
+</p:notes>
+</file>
+
+<file path=ppt/notesSlides/notesSlide13.xml><?xml version="1.0" encoding="utf-8"?>
+<p:notes xmlns:a="http://schemas.openxmlformats.org/drawingml/2006/main" xmlns:r="http://schemas.openxmlformats.org/officeDocument/2006/relationships" xmlns:p="http://schemas.openxmlformats.org/presentationml/2006/main">
+  <p:cSld>
+    <p:spTree>
+      <p:nvGrpSpPr>
+        <p:cNvPr id="1" name=""/>
+        <p:cNvGrpSpPr/>
+        <p:nvPr/>
+      </p:nvGrpSpPr>
+      <p:grpSpPr>
+        <a:xfrm>
+          <a:off x="0" y="0"/>
+          <a:ext cx="0" cy="0"/>
+          <a:chOff x="0" y="0"/>
+          <a:chExt cx="0" cy="0"/>
+        </a:xfrm>
+      </p:grpSpPr>
+      <p:sp>
+        <p:nvSpPr>
+          <p:cNvPr id="2" name="슬라이드 이미지 개체 틀 1"/>
+          <p:cNvSpPr>
+            <a:spLocks noGrp="1" noRot="1" noChangeAspect="1"/>
+          </p:cNvSpPr>
+          <p:nvPr>
+            <p:ph type="sldImg"/>
+          </p:nvPr>
+        </p:nvSpPr>
+        <p:spPr/>
+      </p:sp>
+      <p:sp>
+        <p:nvSpPr>
+          <p:cNvPr id="3" name="슬라이드 노트 개체 틀 2"/>
+          <p:cNvSpPr>
+            <a:spLocks noGrp="1"/>
+          </p:cNvSpPr>
+          <p:nvPr>
+            <p:ph type="body" idx="1"/>
+          </p:nvPr>
+        </p:nvSpPr>
+        <p:spPr/>
+        <p:txBody>
+          <a:bodyPr/>
+          <a:lstStyle/>
+          <a:p>
+            <a:pPr algn="l">
+              <a:buFont typeface="+mj-lt"/>
+              <a:buNone/>
+            </a:pPr>
+            <a:r>
+              <a:rPr lang="ko-KR" altLang="en-US" b="0" i="0" dirty="0" err="1">
+                <a:solidFill>
+                  <a:srgbClr val="000000"/>
+                </a:solidFill>
+                <a:effectLst/>
+                <a:latin typeface="-apple-system"/>
+              </a:rPr>
+              <a:t>반이중</a:t>
+            </a:r>
+            <a:r>
+              <a:rPr lang="ko-KR" altLang="en-US" b="0" i="0" dirty="0">
+                <a:solidFill>
+                  <a:srgbClr val="000000"/>
+                </a:solidFill>
+                <a:effectLst/>
+                <a:latin typeface="-apple-system"/>
+              </a:rPr>
               <a:t> 모드에서 패킷을 보내는 동작을 했으니 돌아오는 동작을 하겠습니다</a:t>
             </a:r>
             <a:r>
@@ -2345,7 +2859,218 @@
           <a:bodyPr/>
           <a:lstStyle/>
           <a:p>
-            <a:endParaRPr lang="ko-KR" altLang="en-US" dirty="0"/>
+            <a:r>
+              <a:rPr lang="en-US" altLang="ko-KR" dirty="0"/>
+              <a:t>TCP</a:t>
+            </a:r>
+            <a:r>
+              <a:rPr lang="ko-KR" altLang="en-US" dirty="0"/>
+              <a:t>는 </a:t>
+            </a:r>
+            <a:r>
+              <a:rPr lang="en-US" altLang="ko-KR" dirty="0"/>
+              <a:t>3-way handshaking</a:t>
+            </a:r>
+            <a:r>
+              <a:rPr lang="ko-KR" altLang="en-US" dirty="0"/>
+              <a:t>과정을 통해 연결을 설정하고 </a:t>
+            </a:r>
+            <a:r>
+              <a:rPr lang="en-US" altLang="ko-KR" dirty="0"/>
+              <a:t>4-way handshaking</a:t>
+            </a:r>
+            <a:r>
+              <a:rPr lang="ko-KR" altLang="en-US" dirty="0"/>
+              <a:t>을 통해 해제하는 연결형 서비스를 지원하고 </a:t>
+            </a:r>
+            <a:r>
+              <a:rPr lang="en-US" altLang="ko-KR" dirty="0"/>
+              <a:t>UDP</a:t>
+            </a:r>
+            <a:r>
+              <a:rPr lang="ko-KR" altLang="en-US" dirty="0"/>
+              <a:t>는 정보를 주고 받을 때 연결이 없는 비연결형 서비스를 지원한다</a:t>
+            </a:r>
+            <a:r>
+              <a:rPr lang="en-US" altLang="ko-KR" dirty="0"/>
+              <a:t>.</a:t>
+            </a:r>
+          </a:p>
+          <a:p>
+            <a:r>
+              <a:rPr lang="en-US" altLang="ko-KR" dirty="0"/>
+              <a:t>TCP</a:t>
+            </a:r>
+            <a:r>
+              <a:rPr lang="ko-KR" altLang="en-US" dirty="0"/>
+              <a:t>는 가상 회선 방식을 사용하고</a:t>
+            </a:r>
+            <a:r>
+              <a:rPr lang="en-US" altLang="ko-KR" dirty="0"/>
+              <a:t>, UDP</a:t>
+            </a:r>
+            <a:r>
+              <a:rPr lang="ko-KR" altLang="en-US" dirty="0"/>
+              <a:t>는 </a:t>
+            </a:r>
+            <a:r>
+              <a:rPr lang="ko-KR" altLang="en-US" dirty="0" err="1"/>
+              <a:t>데이터그램</a:t>
+            </a:r>
+            <a:r>
+              <a:rPr lang="ko-KR" altLang="en-US" dirty="0"/>
+              <a:t> 방식을 사용한다</a:t>
+            </a:r>
+            <a:r>
+              <a:rPr lang="en-US" altLang="ko-KR" dirty="0"/>
+              <a:t>.</a:t>
+            </a:r>
+          </a:p>
+          <a:p>
+            <a:r>
+              <a:rPr lang="en-US" altLang="ko-KR" dirty="0"/>
+              <a:t>TCP</a:t>
+            </a:r>
+            <a:r>
+              <a:rPr lang="ko-KR" altLang="en-US" dirty="0"/>
+              <a:t>는 전송 순서를 보장하고 </a:t>
+            </a:r>
+            <a:r>
+              <a:rPr lang="en-US" altLang="ko-KR" dirty="0"/>
+              <a:t>UDP</a:t>
+            </a:r>
+            <a:r>
+              <a:rPr lang="ko-KR" altLang="en-US" dirty="0"/>
+              <a:t>는 전송 순서가 바뀔 수 있다</a:t>
+            </a:r>
+            <a:r>
+              <a:rPr lang="en-US" altLang="ko-KR" dirty="0"/>
+              <a:t>.</a:t>
+            </a:r>
+          </a:p>
+          <a:p>
+            <a:r>
+              <a:rPr lang="en-US" altLang="ko-KR" dirty="0"/>
+              <a:t>TCP</a:t>
+            </a:r>
+            <a:r>
+              <a:rPr lang="ko-KR" altLang="en-US" dirty="0"/>
+              <a:t>는 서버와 </a:t>
+            </a:r>
+            <a:r>
+              <a:rPr lang="ko-KR" altLang="en-US" dirty="0" err="1"/>
+              <a:t>클라리언트가</a:t>
+            </a:r>
+            <a:r>
+              <a:rPr lang="ko-KR" altLang="en-US" dirty="0"/>
+              <a:t> </a:t>
+            </a:r>
+            <a:r>
+              <a:rPr lang="en-US" altLang="ko-KR" dirty="0"/>
+              <a:t>1</a:t>
+            </a:r>
+            <a:r>
+              <a:rPr lang="ko-KR" altLang="en-US" dirty="0"/>
+              <a:t>대</a:t>
+            </a:r>
+            <a:r>
+              <a:rPr lang="en-US" altLang="ko-KR" dirty="0"/>
+              <a:t>1</a:t>
+            </a:r>
+            <a:r>
+              <a:rPr lang="ko-KR" altLang="en-US" dirty="0"/>
+              <a:t>로 통신하고 </a:t>
+            </a:r>
+            <a:r>
+              <a:rPr lang="en-US" altLang="ko-KR" dirty="0"/>
+              <a:t>UDP</a:t>
+            </a:r>
+            <a:r>
+              <a:rPr lang="ko-KR" altLang="en-US" dirty="0"/>
+              <a:t>는 </a:t>
+            </a:r>
+            <a:r>
+              <a:rPr lang="en-US" altLang="ko-KR" b="0" i="0" dirty="0">
+                <a:solidFill>
+                  <a:srgbClr val="000000"/>
+                </a:solidFill>
+                <a:effectLst/>
+                <a:latin typeface="-apple-system"/>
+              </a:rPr>
+              <a:t>1:1 or 1:N or N:N </a:t>
+            </a:r>
+            <a:r>
+              <a:rPr lang="ko-KR" altLang="en-US" b="0" i="0" dirty="0">
+                <a:solidFill>
+                  <a:srgbClr val="000000"/>
+                </a:solidFill>
+                <a:effectLst/>
+                <a:latin typeface="-apple-system"/>
+              </a:rPr>
+              <a:t>통신을 한다</a:t>
+            </a:r>
+            <a:r>
+              <a:rPr lang="en-US" altLang="ko-KR" b="0" i="0" dirty="0">
+                <a:solidFill>
+                  <a:srgbClr val="000000"/>
+                </a:solidFill>
+                <a:effectLst/>
+                <a:latin typeface="-apple-system"/>
+              </a:rPr>
+              <a:t>.</a:t>
+            </a:r>
+          </a:p>
+          <a:p>
+            <a:r>
+              <a:rPr lang="en-US" altLang="ko-KR" dirty="0"/>
+              <a:t>TCP</a:t>
+            </a:r>
+            <a:r>
+              <a:rPr lang="ko-KR" altLang="en-US" dirty="0"/>
+              <a:t>는 수신여부를 확인하고 응답하여 신뢰성이 높지만 </a:t>
+            </a:r>
+            <a:r>
+              <a:rPr lang="en-US" altLang="ko-KR" dirty="0"/>
+              <a:t>UDP</a:t>
+            </a:r>
+            <a:r>
+              <a:rPr lang="ko-KR" altLang="en-US" dirty="0"/>
+              <a:t>는 수신여부를 확인하지 않아 신뢰성이 낮다</a:t>
+            </a:r>
+            <a:r>
+              <a:rPr lang="en-US" altLang="ko-KR" dirty="0"/>
+              <a:t>.</a:t>
+            </a:r>
+          </a:p>
+          <a:p>
+            <a:r>
+              <a:rPr lang="en-US" altLang="ko-KR" dirty="0"/>
+              <a:t>TCP</a:t>
+            </a:r>
+            <a:r>
+              <a:rPr lang="ko-KR" altLang="en-US" dirty="0"/>
+              <a:t>는 흐름제어나 혼잡제어와 같은 기능이 </a:t>
+            </a:r>
+            <a:r>
+              <a:rPr lang="en-US" altLang="ko-KR" dirty="0"/>
+              <a:t>CPU</a:t>
+            </a:r>
+            <a:r>
+              <a:rPr lang="ko-KR" altLang="en-US" dirty="0"/>
+              <a:t>를 사용하기 때문에 </a:t>
+            </a:r>
+            <a:r>
+              <a:rPr lang="en-US" altLang="ko-KR" dirty="0"/>
+              <a:t>UDP</a:t>
+            </a:r>
+            <a:r>
+              <a:rPr lang="ko-KR" altLang="en-US" dirty="0"/>
+              <a:t>보다 속도가 느리다</a:t>
+            </a:r>
+            <a:r>
+              <a:rPr lang="en-US" altLang="ko-KR" dirty="0"/>
+              <a:t>.</a:t>
+            </a:r>
           </a:p>
         </p:txBody>
       </p:sp>
@@ -2366,7 +3091,7 @@
           <a:p>
             <a:fld id="{75152752-F12A-4471-982A-FC6C9CE39BBC}" type="slidenum">
               <a:rPr lang="ko-KR" altLang="en-US" smtClean="0"/>
-              <a:t>6</a:t>
+              <a:t>4</a:t>
             </a:fld>
             <a:endParaRPr lang="ko-KR" altLang="en-US"/>
           </a:p>
@@ -2375,7 +3100,7 @@
     </p:spTree>
     <p:extLst>
       <p:ext uri="{BB962C8B-B14F-4D97-AF65-F5344CB8AC3E}">
-        <p14:creationId xmlns:p14="http://schemas.microsoft.com/office/powerpoint/2010/main" val="1922333926"/>
+        <p14:creationId xmlns:p14="http://schemas.microsoft.com/office/powerpoint/2010/main" val="2132665898"/>
       </p:ext>
     </p:extLst>
   </p:cSld>
@@ -2429,37 +3154,6 @@
           <a:bodyPr/>
           <a:lstStyle/>
           <a:p>
-            <a:r>
-              <a:rPr lang="ko-KR" altLang="en-US" dirty="0"/>
-              <a:t>바로 소켓을 말소하지 않고 잠시 기다린 후 소켓을 말소하는 이유</a:t>
-            </a:r>
-            <a:endParaRPr lang="en-US" altLang="ko-KR" dirty="0"/>
-          </a:p>
-          <a:p>
-            <a:pPr marL="228600" indent="-228600">
-              <a:buAutoNum type="arabicPeriod"/>
-            </a:pPr>
-            <a:r>
-              <a:rPr lang="ko-KR" altLang="en-US" dirty="0"/>
-              <a:t>소켓이 새로 생긴 다른 소켓으로 전송되는 것을 막는다</a:t>
-            </a:r>
-            <a:r>
-              <a:rPr lang="en-US" altLang="ko-KR" dirty="0"/>
-              <a:t>.</a:t>
-            </a:r>
-          </a:p>
-          <a:p>
-            <a:pPr marL="228600" indent="-228600">
-              <a:buAutoNum type="arabicPeriod"/>
-            </a:pPr>
-            <a:r>
-              <a:rPr lang="ko-KR" altLang="en-US" dirty="0"/>
-              <a:t>재전송된 패킷이 네트워크에 존재할 가능성이 있기 때문이다</a:t>
-            </a:r>
-            <a:r>
-              <a:rPr lang="en-US" altLang="ko-KR" dirty="0"/>
-              <a:t>.</a:t>
-            </a:r>
             <a:endParaRPr lang="ko-KR" altLang="en-US" dirty="0"/>
           </a:p>
         </p:txBody>
@@ -2479,9 +3173,9 @@
           <a:bodyPr/>
           <a:lstStyle/>
           <a:p>
-            <a:fld id="{04559954-6172-4D26-A6CD-E6D23B855E43}" type="slidenum">
+            <a:fld id="{75152752-F12A-4471-982A-FC6C9CE39BBC}" type="slidenum">
               <a:rPr lang="ko-KR" altLang="en-US" smtClean="0"/>
-              <a:t>8</a:t>
+              <a:t>6</a:t>
             </a:fld>
             <a:endParaRPr lang="ko-KR" altLang="en-US"/>
           </a:p>
@@ -2490,7 +3184,7 @@
     </p:spTree>
     <p:extLst>
       <p:ext uri="{BB962C8B-B14F-4D97-AF65-F5344CB8AC3E}">
-        <p14:creationId xmlns:p14="http://schemas.microsoft.com/office/powerpoint/2010/main" val="668459790"/>
+        <p14:creationId xmlns:p14="http://schemas.microsoft.com/office/powerpoint/2010/main" val="1922333926"/>
       </p:ext>
     </p:extLst>
   </p:cSld>
@@ -2545,36 +3239,18 @@
           <a:lstStyle/>
           <a:p>
             <a:r>
-              <a:rPr lang="en-US" altLang="ko-KR" dirty="0"/>
-              <a:t>TCP</a:t>
-            </a:r>
-            <a:r>
               <a:rPr lang="ko-KR" altLang="en-US" dirty="0"/>
-              <a:t>는 </a:t>
-            </a:r>
-            <a:r>
-              <a:rPr lang="en-US" altLang="ko-KR" dirty="0"/>
-              <a:t>3-way handshaking</a:t>
-            </a:r>
+              <a:t>바로 소켓을 말소하지 않고 잠시 기다린 후 소켓을 말소하는 이유</a:t>
+            </a:r>
+            <a:endParaRPr lang="en-US" altLang="ko-KR" dirty="0"/>
+          </a:p>
+          <a:p>
+            <a:pPr marL="228600" indent="-228600">
+              <a:buAutoNum type="arabicPeriod"/>
+            </a:pPr>
             <a:r>
               <a:rPr lang="ko-KR" altLang="en-US" dirty="0"/>
-              <a:t>과정을 통해 연결을 설정하고 </a:t>
-            </a:r>
-            <a:r>
-              <a:rPr lang="en-US" altLang="ko-KR" dirty="0"/>
-              <a:t>4-way handshaking</a:t>
-            </a:r>
-            <a:r>
-              <a:rPr lang="ko-KR" altLang="en-US" dirty="0"/>
-              <a:t>을 통해 해제하는 연결형 서비스를 지원하고 </a:t>
-            </a:r>
-            <a:r>
-              <a:rPr lang="en-US" altLang="ko-KR" dirty="0"/>
-              <a:t>UDP</a:t>
-            </a:r>
-            <a:r>
-              <a:rPr lang="ko-KR" altLang="en-US" dirty="0"/>
-              <a:t>는 정보를 주고 받을 때 연결이 없는 비연결형 서비스를 지원한다</a:t>
+              <a:t>소켓이 새로 생긴 다른 소켓으로 전송되는 것을 막는다</a:t>
             </a:r>
             <a:r>
               <a:rPr lang="en-US" altLang="ko-KR" dirty="0"/>
@@ -2582,180 +3258,18 @@
             </a:r>
           </a:p>
           <a:p>
-            <a:r>
-              <a:rPr lang="en-US" altLang="ko-KR" dirty="0"/>
-              <a:t>TCP</a:t>
-            </a:r>
+            <a:pPr marL="228600" indent="-228600">
+              <a:buAutoNum type="arabicPeriod"/>
+            </a:pPr>
             <a:r>
               <a:rPr lang="ko-KR" altLang="en-US" dirty="0"/>
-              <a:t>는 가상 회선 방식을 사용하고</a:t>
-            </a:r>
-            <a:r>
-              <a:rPr lang="en-US" altLang="ko-KR" dirty="0"/>
-              <a:t>, UDP</a:t>
-            </a:r>
-            <a:r>
-              <a:rPr lang="ko-KR" altLang="en-US" dirty="0"/>
-              <a:t>는 </a:t>
-            </a:r>
-            <a:r>
-              <a:rPr lang="ko-KR" altLang="en-US" dirty="0" err="1"/>
-              <a:t>데이터그램</a:t>
-            </a:r>
-            <a:r>
-              <a:rPr lang="ko-KR" altLang="en-US" dirty="0"/>
-              <a:t> 방식을 사용한다</a:t>
+              <a:t>재전송된 패킷이 네트워크에 존재할 가능성이 있기 때문이다</a:t>
             </a:r>
             <a:r>
               <a:rPr lang="en-US" altLang="ko-KR" dirty="0"/>
               <a:t>.</a:t>
             </a:r>
-          </a:p>
-          <a:p>
-            <a:r>
-              <a:rPr lang="en-US" altLang="ko-KR" dirty="0"/>
-              <a:t>TCP</a:t>
-            </a:r>
-            <a:r>
-              <a:rPr lang="ko-KR" altLang="en-US" dirty="0"/>
-              <a:t>는 전송 순서를 보장하고 </a:t>
-            </a:r>
-            <a:r>
-              <a:rPr lang="en-US" altLang="ko-KR" dirty="0"/>
-              <a:t>UDP</a:t>
-            </a:r>
-            <a:r>
-              <a:rPr lang="ko-KR" altLang="en-US" dirty="0"/>
-              <a:t>는 전송 순서가 바뀔 수 있다</a:t>
-            </a:r>
-            <a:r>
-              <a:rPr lang="en-US" altLang="ko-KR" dirty="0"/>
-              <a:t>.</a:t>
-            </a:r>
-          </a:p>
-          <a:p>
-            <a:r>
-              <a:rPr lang="en-US" altLang="ko-KR" dirty="0"/>
-              <a:t>TCP</a:t>
-            </a:r>
-            <a:r>
-              <a:rPr lang="ko-KR" altLang="en-US" dirty="0"/>
-              <a:t>는 서버와 </a:t>
-            </a:r>
-            <a:r>
-              <a:rPr lang="ko-KR" altLang="en-US" dirty="0" err="1"/>
-              <a:t>클라리언트가</a:t>
-            </a:r>
-            <a:r>
-              <a:rPr lang="ko-KR" altLang="en-US" dirty="0"/>
-              <a:t> </a:t>
-            </a:r>
-            <a:r>
-              <a:rPr lang="en-US" altLang="ko-KR" dirty="0"/>
-              <a:t>1</a:t>
-            </a:r>
-            <a:r>
-              <a:rPr lang="ko-KR" altLang="en-US" dirty="0"/>
-              <a:t>대</a:t>
-            </a:r>
-            <a:r>
-              <a:rPr lang="en-US" altLang="ko-KR" dirty="0"/>
-              <a:t>1</a:t>
-            </a:r>
-            <a:r>
-              <a:rPr lang="ko-KR" altLang="en-US" dirty="0"/>
-              <a:t>로 통신하고 </a:t>
-            </a:r>
-            <a:r>
-              <a:rPr lang="en-US" altLang="ko-KR" dirty="0"/>
-              <a:t>UDP</a:t>
-            </a:r>
-            <a:r>
-              <a:rPr lang="ko-KR" altLang="en-US" dirty="0"/>
-              <a:t>는 </a:t>
-            </a:r>
-            <a:r>
-              <a:rPr lang="en-US" altLang="ko-KR" b="0" i="0" dirty="0">
-                <a:solidFill>
-                  <a:srgbClr val="000000"/>
-                </a:solidFill>
-                <a:effectLst/>
-                <a:latin typeface="-apple-system"/>
-              </a:rPr>
-              <a:t>1:1 or 1:N or N:N </a:t>
-            </a:r>
-            <a:r>
-              <a:rPr lang="ko-KR" altLang="en-US" b="0" i="0" dirty="0">
-                <a:solidFill>
-                  <a:srgbClr val="000000"/>
-                </a:solidFill>
-                <a:effectLst/>
-                <a:latin typeface="-apple-system"/>
-              </a:rPr>
-              <a:t>통신을 한다</a:t>
-            </a:r>
-            <a:r>
-              <a:rPr lang="en-US" altLang="ko-KR" b="0" i="0" dirty="0">
-                <a:solidFill>
-                  <a:srgbClr val="000000"/>
-                </a:solidFill>
-                <a:effectLst/>
-                <a:latin typeface="-apple-system"/>
-              </a:rPr>
-              <a:t>.</a:t>
-            </a:r>
-          </a:p>
-          <a:p>
-            <a:r>
-              <a:rPr lang="en-US" altLang="ko-KR" dirty="0"/>
-              <a:t>TCP</a:t>
-            </a:r>
-            <a:r>
-              <a:rPr lang="ko-KR" altLang="en-US" dirty="0"/>
-              <a:t>는 수신여부를 확인하고 응답하여 신뢰성이 높지만 </a:t>
-            </a:r>
-            <a:r>
-              <a:rPr lang="en-US" altLang="ko-KR" dirty="0"/>
-              <a:t>UDP</a:t>
-            </a:r>
-            <a:r>
-              <a:rPr lang="ko-KR" altLang="en-US" dirty="0"/>
-              <a:t>는 수신여부를 확인하지 않아 신뢰성이 낮다</a:t>
-            </a:r>
-            <a:r>
-              <a:rPr lang="en-US" altLang="ko-KR" dirty="0"/>
-              <a:t>.</a:t>
-            </a:r>
-          </a:p>
-          <a:p>
-            <a:r>
-              <a:rPr lang="en-US" altLang="ko-KR" dirty="0"/>
-              <a:t>TCP</a:t>
-            </a:r>
-            <a:r>
-              <a:rPr lang="ko-KR" altLang="en-US" dirty="0"/>
-              <a:t>는 흐름제어나 혼잡제어와 같은 기능이 </a:t>
-            </a:r>
-            <a:r>
-              <a:rPr lang="en-US" altLang="ko-KR" dirty="0"/>
-              <a:t>CPU</a:t>
-            </a:r>
-            <a:r>
-              <a:rPr lang="ko-KR" altLang="en-US" dirty="0"/>
-              <a:t>를 사용하기 때문에 </a:t>
-            </a:r>
-            <a:r>
-              <a:rPr lang="en-US" altLang="ko-KR" dirty="0"/>
-              <a:t>UDP</a:t>
-            </a:r>
-            <a:r>
-              <a:rPr lang="ko-KR" altLang="en-US" dirty="0"/>
-              <a:t>보다 속도가 느리다</a:t>
-            </a:r>
-            <a:r>
-              <a:rPr lang="en-US" altLang="ko-KR" dirty="0"/>
-              <a:t>.</a:t>
-            </a:r>
+            <a:endParaRPr lang="ko-KR" altLang="en-US" dirty="0"/>
           </a:p>
         </p:txBody>
       </p:sp>
@@ -2774,9 +3288,9 @@
           <a:bodyPr/>
           <a:lstStyle/>
           <a:p>
-            <a:fld id="{75152752-F12A-4471-982A-FC6C9CE39BBC}" type="slidenum">
+            <a:fld id="{04559954-6172-4D26-A6CD-E6D23B855E43}" type="slidenum">
               <a:rPr lang="ko-KR" altLang="en-US" smtClean="0"/>
-              <a:t>9</a:t>
+              <a:t>8</a:t>
             </a:fld>
             <a:endParaRPr lang="ko-KR" altLang="en-US"/>
           </a:p>
@@ -2785,7 +3299,7 @@
     </p:spTree>
     <p:extLst>
       <p:ext uri="{BB962C8B-B14F-4D97-AF65-F5344CB8AC3E}">
-        <p14:creationId xmlns:p14="http://schemas.microsoft.com/office/powerpoint/2010/main" val="2640062999"/>
+        <p14:creationId xmlns:p14="http://schemas.microsoft.com/office/powerpoint/2010/main" val="668459790"/>
       </p:ext>
     </p:extLst>
   </p:cSld>
@@ -2839,26 +3353,107 @@
           <a:bodyPr/>
           <a:lstStyle/>
           <a:p>
-            <a:pPr marL="0" marR="0" lvl="0" indent="0" algn="l" defTabSz="914400" rtl="0" eaLnBrk="1" fontAlgn="auto" latinLnBrk="1" hangingPunct="1">
-              <a:lnSpc>
-                <a:spcPct val="100000"/>
-              </a:lnSpc>
-              <a:spcBef>
-                <a:spcPts val="0"/>
-              </a:spcBef>
-              <a:spcAft>
-                <a:spcPts val="0"/>
-              </a:spcAft>
-              <a:buClrTx/>
-              <a:buSzTx/>
-              <a:buFontTx/>
-              <a:buNone/>
-              <a:tabLst/>
-              <a:defRPr/>
-            </a:pPr>
             <a:r>
               <a:rPr lang="en-US" altLang="ko-KR" dirty="0"/>
-              <a:t>MTU</a:t>
+              <a:t>TCP</a:t>
+            </a:r>
+            <a:r>
+              <a:rPr lang="ko-KR" altLang="en-US" dirty="0"/>
+              <a:t>는 </a:t>
+            </a:r>
+            <a:r>
+              <a:rPr lang="en-US" altLang="ko-KR" dirty="0"/>
+              <a:t>3-way handshaking</a:t>
+            </a:r>
+            <a:r>
+              <a:rPr lang="ko-KR" altLang="en-US" dirty="0"/>
+              <a:t>과정을 통해 연결을 설정하고 </a:t>
+            </a:r>
+            <a:r>
+              <a:rPr lang="en-US" altLang="ko-KR" dirty="0"/>
+              <a:t>4-way handshaking</a:t>
+            </a:r>
+            <a:r>
+              <a:rPr lang="ko-KR" altLang="en-US" dirty="0"/>
+              <a:t>을 통해 해제하는 연결형 서비스를 지원하고 </a:t>
+            </a:r>
+            <a:r>
+              <a:rPr lang="en-US" altLang="ko-KR" dirty="0"/>
+              <a:t>UDP</a:t>
+            </a:r>
+            <a:r>
+              <a:rPr lang="ko-KR" altLang="en-US" dirty="0"/>
+              <a:t>는 정보를 주고 받을 때 연결이 없는 비연결형 서비스를 지원한다</a:t>
+            </a:r>
+            <a:r>
+              <a:rPr lang="en-US" altLang="ko-KR" dirty="0"/>
+              <a:t>.</a:t>
+            </a:r>
+          </a:p>
+          <a:p>
+            <a:r>
+              <a:rPr lang="en-US" altLang="ko-KR" dirty="0"/>
+              <a:t>TCP</a:t>
+            </a:r>
+            <a:r>
+              <a:rPr lang="ko-KR" altLang="en-US" dirty="0"/>
+              <a:t>는 가상 회선 방식을 사용하고</a:t>
+            </a:r>
+            <a:r>
+              <a:rPr lang="en-US" altLang="ko-KR" dirty="0"/>
+              <a:t>, UDP</a:t>
+            </a:r>
+            <a:r>
+              <a:rPr lang="ko-KR" altLang="en-US" dirty="0"/>
+              <a:t>는 </a:t>
+            </a:r>
+            <a:r>
+              <a:rPr lang="ko-KR" altLang="en-US" dirty="0" err="1"/>
+              <a:t>데이터그램</a:t>
+            </a:r>
+            <a:r>
+              <a:rPr lang="ko-KR" altLang="en-US" dirty="0"/>
+              <a:t> 방식을 사용한다</a:t>
+            </a:r>
+            <a:r>
+              <a:rPr lang="en-US" altLang="ko-KR" dirty="0"/>
+              <a:t>.</a:t>
+            </a:r>
+          </a:p>
+          <a:p>
+            <a:r>
+              <a:rPr lang="en-US" altLang="ko-KR" dirty="0"/>
+              <a:t>TCP</a:t>
+            </a:r>
+            <a:r>
+              <a:rPr lang="ko-KR" altLang="en-US" dirty="0"/>
+              <a:t>는 전송 순서를 보장하고 </a:t>
+            </a:r>
+            <a:r>
+              <a:rPr lang="en-US" altLang="ko-KR" dirty="0"/>
+              <a:t>UDP</a:t>
+            </a:r>
+            <a:r>
+              <a:rPr lang="ko-KR" altLang="en-US" dirty="0"/>
+              <a:t>는 전송 순서가 바뀔 수 있다</a:t>
+            </a:r>
+            <a:r>
+              <a:rPr lang="en-US" altLang="ko-KR" dirty="0"/>
+              <a:t>.</a:t>
+            </a:r>
+          </a:p>
+          <a:p>
+            <a:r>
+              <a:rPr lang="en-US" altLang="ko-KR" dirty="0"/>
+              <a:t>TCP</a:t>
+            </a:r>
+            <a:r>
+              <a:rPr lang="ko-KR" altLang="en-US" dirty="0"/>
+              <a:t>는 서버와 </a:t>
+            </a:r>
+            <a:r>
+              <a:rPr lang="ko-KR" altLang="en-US" dirty="0" err="1"/>
+              <a:t>클라리언트가</a:t>
             </a:r>
             <a:r>
               <a:rPr lang="ko-KR" altLang="en-US" dirty="0"/>
@@ -2866,369 +3461,110 @@
             </a:r>
             <a:r>
               <a:rPr lang="en-US" altLang="ko-KR" dirty="0"/>
-              <a:t>: </a:t>
+              <a:t>1</a:t>
             </a:r>
             <a:r>
               <a:rPr lang="ko-KR" altLang="en-US" dirty="0"/>
-              <a:t>패킷 한 개로 운반할 수 있는 디지털 데이터의 최대 길이</a:t>
+              <a:t>대</a:t>
             </a:r>
             <a:r>
               <a:rPr lang="en-US" altLang="ko-KR" dirty="0"/>
-              <a:t>(</a:t>
+              <a:t>1</a:t>
             </a:r>
             <a:r>
               <a:rPr lang="ko-KR" altLang="en-US" dirty="0"/>
-              <a:t>이더넷에서는 </a:t>
+              <a:t>로 통신하고 </a:t>
             </a:r>
             <a:r>
               <a:rPr lang="en-US" altLang="ko-KR" dirty="0"/>
-              <a:t>1,500Byte)</a:t>
-            </a:r>
-            <a:endParaRPr lang="ko-KR" altLang="en-US" dirty="0"/>
-          </a:p>
-          <a:p>
-            <a:pPr marL="0" marR="0" lvl="0" indent="0" algn="l" defTabSz="914400" rtl="0" eaLnBrk="1" fontAlgn="auto" latinLnBrk="1" hangingPunct="1">
-              <a:lnSpc>
-                <a:spcPct val="100000"/>
-              </a:lnSpc>
-              <a:spcBef>
-                <a:spcPts val="0"/>
-              </a:spcBef>
-              <a:spcAft>
-                <a:spcPts val="0"/>
-              </a:spcAft>
-              <a:buClrTx/>
-              <a:buSzTx/>
-              <a:buFontTx/>
-              <a:buNone/>
-              <a:tabLst/>
-              <a:defRPr/>
-            </a:pPr>
-            <a:r>
-              <a:rPr lang="en-US" altLang="ko-KR" dirty="0"/>
-              <a:t>MSS</a:t>
+              <a:t>UDP</a:t>
             </a:r>
             <a:r>
               <a:rPr lang="ko-KR" altLang="en-US" dirty="0"/>
-              <a:t> </a:t>
-            </a:r>
-            <a:r>
-              <a:rPr lang="en-US" altLang="ko-KR" dirty="0"/>
-              <a:t>: </a:t>
-            </a:r>
-            <a:r>
-              <a:rPr lang="ko-KR" altLang="en-US" dirty="0"/>
-              <a:t>헤더를 제외하고 한 개의 패킷으로 운반할 수 있는 </a:t>
-            </a:r>
+              <a:t>는 </a:t>
+            </a:r>
+            <a:r>
+              <a:rPr lang="en-US" altLang="ko-KR" b="0" i="0" dirty="0">
+                <a:solidFill>
+                  <a:srgbClr val="000000"/>
+                </a:solidFill>
+                <a:effectLst/>
+                <a:latin typeface="-apple-system"/>
+              </a:rPr>
+              <a:t>1:1 or 1:N or N:N </a:t>
+            </a:r>
+            <a:r>
+              <a:rPr lang="ko-KR" altLang="en-US" b="0" i="0" dirty="0">
+                <a:solidFill>
+                  <a:srgbClr val="000000"/>
+                </a:solidFill>
+                <a:effectLst/>
+                <a:latin typeface="-apple-system"/>
+              </a:rPr>
+              <a:t>통신을 한다</a:t>
+            </a:r>
+            <a:r>
+              <a:rPr lang="en-US" altLang="ko-KR" b="0" i="0" dirty="0">
+                <a:solidFill>
+                  <a:srgbClr val="000000"/>
+                </a:solidFill>
+                <a:effectLst/>
+                <a:latin typeface="-apple-system"/>
+              </a:rPr>
+              <a:t>.</a:t>
+            </a:r>
+          </a:p>
+          <a:p>
             <a:r>
               <a:rPr lang="en-US" altLang="ko-KR" dirty="0"/>
               <a:t>TCP</a:t>
             </a:r>
             <a:r>
               <a:rPr lang="ko-KR" altLang="en-US" dirty="0"/>
-              <a:t>의 데이터의 최대 길이</a:t>
-            </a:r>
-            <a:endParaRPr lang="en-US" altLang="ko-KR" dirty="0"/>
-          </a:p>
-          <a:p>
-            <a:pPr marL="0" marR="0" lvl="0" indent="0" algn="l" defTabSz="914400" rtl="0" eaLnBrk="1" fontAlgn="auto" latinLnBrk="1" hangingPunct="1">
-              <a:lnSpc>
-                <a:spcPct val="100000"/>
-              </a:lnSpc>
-              <a:spcBef>
-                <a:spcPts val="0"/>
-              </a:spcBef>
-              <a:spcAft>
-                <a:spcPts val="0"/>
-              </a:spcAft>
-              <a:buClrTx/>
-              <a:buSzTx/>
-              <a:buFontTx/>
-              <a:buNone/>
-              <a:tabLst/>
-              <a:defRPr/>
-            </a:pPr>
+              <a:t>는 수신여부를 확인하고 응답하여 신뢰성이 높지만 </a:t>
+            </a:r>
+            <a:r>
+              <a:rPr lang="en-US" altLang="ko-KR" dirty="0"/>
+              <a:t>UDP</a:t>
+            </a:r>
             <a:r>
               <a:rPr lang="ko-KR" altLang="en-US" dirty="0"/>
-              <a:t>우리가 지금까지 배운 패킷이다</a:t>
+              <a:t>는 수신여부를 확인하지 않아 신뢰성이 낮다</a:t>
             </a:r>
             <a:r>
               <a:rPr lang="en-US" altLang="ko-KR" dirty="0"/>
-              <a:t>. </a:t>
-            </a:r>
-            <a:r>
-              <a:rPr lang="ko-KR" altLang="en-US" dirty="0"/>
-              <a:t>데이터는 이전에 본 </a:t>
-            </a:r>
-            <a:r>
-              <a:rPr lang="en-US" altLang="ko-KR" dirty="0"/>
-              <a:t>TCP/IP </a:t>
-            </a:r>
-            <a:r>
-              <a:rPr lang="ko-KR" altLang="en-US" dirty="0"/>
-              <a:t>모델에서 응용 계층이 </a:t>
-            </a:r>
+              <a:t>.</a:t>
+            </a:r>
+          </a:p>
+          <a:p>
             <a:r>
               <a:rPr lang="en-US" altLang="ko-KR" dirty="0"/>
               <a:t>TCP</a:t>
             </a:r>
             <a:r>
               <a:rPr lang="ko-KR" altLang="en-US" dirty="0"/>
-              <a:t>헤더는 전송계층이</a:t>
+              <a:t>는 흐름제어나 혼잡제어와 같은 기능이 </a:t>
             </a:r>
             <a:r>
               <a:rPr lang="en-US" altLang="ko-KR" dirty="0"/>
-              <a:t> IP</a:t>
+              <a:t>CPU</a:t>
             </a:r>
             <a:r>
               <a:rPr lang="ko-KR" altLang="en-US" dirty="0"/>
-              <a:t>헤더는 인터넷 계층이 만든다고 배웠다</a:t>
+              <a:t>를 사용하기 때문에 </a:t>
+            </a:r>
+            <a:r>
+              <a:rPr lang="en-US" altLang="ko-KR" dirty="0"/>
+              <a:t>UDP</a:t>
+            </a:r>
+            <a:r>
+              <a:rPr lang="ko-KR" altLang="en-US" dirty="0"/>
+              <a:t>보다 속도가 느리다</a:t>
             </a:r>
             <a:r>
               <a:rPr lang="en-US" altLang="ko-KR" dirty="0"/>
               <a:t>.</a:t>
             </a:r>
-          </a:p>
-          <a:p>
-            <a:pPr marL="0" marR="0" lvl="0" indent="0" algn="l" defTabSz="914400" rtl="0" eaLnBrk="1" fontAlgn="auto" latinLnBrk="1" hangingPunct="1">
-              <a:lnSpc>
-                <a:spcPct val="100000"/>
-              </a:lnSpc>
-              <a:spcBef>
-                <a:spcPts val="0"/>
-              </a:spcBef>
-              <a:spcAft>
-                <a:spcPts val="0"/>
-              </a:spcAft>
-              <a:buClrTx/>
-              <a:buSzTx/>
-              <a:buFontTx/>
-              <a:buNone/>
-              <a:tabLst/>
-              <a:defRPr/>
-            </a:pPr>
-            <a:r>
-              <a:rPr lang="ko-KR" altLang="en-US" dirty="0"/>
-              <a:t>그리고 </a:t>
-            </a:r>
-            <a:r>
-              <a:rPr lang="en-US" altLang="ko-KR" dirty="0"/>
-              <a:t>IP</a:t>
-            </a:r>
-            <a:r>
-              <a:rPr lang="ko-KR" altLang="en-US" dirty="0"/>
-              <a:t>헤더</a:t>
-            </a:r>
-            <a:r>
-              <a:rPr lang="en-US" altLang="ko-KR" dirty="0"/>
-              <a:t>, TCP</a:t>
-            </a:r>
-            <a:r>
-              <a:rPr lang="ko-KR" altLang="en-US" dirty="0"/>
-              <a:t>헤더</a:t>
-            </a:r>
-            <a:r>
-              <a:rPr lang="en-US" altLang="ko-KR" dirty="0"/>
-              <a:t>, </a:t>
-            </a:r>
-            <a:r>
-              <a:rPr lang="ko-KR" altLang="en-US" dirty="0"/>
-              <a:t>데이터를 합친 최대길이를 </a:t>
-            </a:r>
-            <a:r>
-              <a:rPr lang="en-US" altLang="ko-KR" dirty="0"/>
-              <a:t>MTU</a:t>
-            </a:r>
-            <a:r>
-              <a:rPr lang="ko-KR" altLang="en-US" dirty="0"/>
-              <a:t>라고 부르기로 했다</a:t>
-            </a:r>
-            <a:r>
-              <a:rPr lang="en-US" altLang="ko-KR" dirty="0"/>
-              <a:t>. MTU</a:t>
-            </a:r>
-            <a:r>
-              <a:rPr lang="ko-KR" altLang="en-US" dirty="0"/>
-              <a:t>는 패킷 한 개로 운반할 수 있는 디지털 데이터의 최대 길이</a:t>
-            </a:r>
-            <a:r>
-              <a:rPr lang="en-US" altLang="ko-KR" dirty="0"/>
-              <a:t>(</a:t>
-            </a:r>
-            <a:r>
-              <a:rPr lang="ko-KR" altLang="en-US" dirty="0"/>
-              <a:t>이더넷에서는 </a:t>
-            </a:r>
-            <a:r>
-              <a:rPr lang="en-US" altLang="ko-KR" dirty="0"/>
-              <a:t>1,500Byte)</a:t>
-            </a:r>
-            <a:r>
-              <a:rPr lang="ko-KR" altLang="en-US" dirty="0"/>
-              <a:t>이다</a:t>
-            </a:r>
-            <a:r>
-              <a:rPr lang="en-US" altLang="ko-KR" dirty="0"/>
-              <a:t>. </a:t>
-            </a:r>
-            <a:r>
-              <a:rPr lang="ko-KR" altLang="en-US" dirty="0"/>
-              <a:t>그리고 데이터의 최대 길이를 </a:t>
-            </a:r>
-            <a:r>
-              <a:rPr lang="en-US" altLang="ko-KR" dirty="0"/>
-              <a:t>MSS</a:t>
-            </a:r>
-            <a:r>
-              <a:rPr lang="ko-KR" altLang="en-US" dirty="0"/>
-              <a:t>라고 부르기로 했다</a:t>
-            </a:r>
-            <a:r>
-              <a:rPr lang="en-US" altLang="ko-KR" dirty="0"/>
-              <a:t>. MSS</a:t>
-            </a:r>
-            <a:r>
-              <a:rPr lang="ko-KR" altLang="en-US" dirty="0"/>
-              <a:t>는 헤더를 제외하고 한 개의 패킷으로 운반할 수 있는 </a:t>
-            </a:r>
-            <a:r>
-              <a:rPr lang="en-US" altLang="ko-KR" dirty="0"/>
-              <a:t>TCP</a:t>
-            </a:r>
-            <a:r>
-              <a:rPr lang="ko-KR" altLang="en-US" dirty="0"/>
-              <a:t>의 데이터의 최대 길이 이다</a:t>
-            </a:r>
-            <a:r>
-              <a:rPr lang="en-US" altLang="ko-KR" dirty="0"/>
-              <a:t>.</a:t>
-            </a:r>
-          </a:p>
-          <a:p>
-            <a:pPr marL="0" marR="0" lvl="0" indent="0" algn="l" defTabSz="914400" rtl="0" eaLnBrk="1" fontAlgn="auto" latinLnBrk="1" hangingPunct="1">
-              <a:lnSpc>
-                <a:spcPct val="100000"/>
-              </a:lnSpc>
-              <a:spcBef>
-                <a:spcPts val="0"/>
-              </a:spcBef>
-              <a:spcAft>
-                <a:spcPts val="0"/>
-              </a:spcAft>
-              <a:buClrTx/>
-              <a:buSzTx/>
-              <a:buFontTx/>
-              <a:buNone/>
-              <a:tabLst/>
-              <a:defRPr/>
-            </a:pPr>
-            <a:r>
-              <a:rPr lang="ko-KR" altLang="en-US" dirty="0"/>
-              <a:t>근데 인터넷 계층 </a:t>
-            </a:r>
-            <a:r>
-              <a:rPr lang="en-US" altLang="ko-KR" dirty="0"/>
-              <a:t>= IP</a:t>
-            </a:r>
-            <a:r>
-              <a:rPr lang="ko-KR" altLang="en-US" dirty="0"/>
-              <a:t>담당 부분에서는 </a:t>
-            </a:r>
-            <a:r>
-              <a:rPr lang="en-US" altLang="ko-KR" dirty="0"/>
-              <a:t>IP</a:t>
-            </a:r>
-            <a:r>
-              <a:rPr lang="ko-KR" altLang="en-US" dirty="0"/>
-              <a:t>헤더 말고도 또 다른 헤더를 만든다</a:t>
-            </a:r>
-            <a:r>
-              <a:rPr lang="en-US" altLang="ko-KR" dirty="0"/>
-              <a:t>. </a:t>
-            </a:r>
-            <a:r>
-              <a:rPr lang="ko-KR" altLang="en-US" dirty="0"/>
-              <a:t>바로 </a:t>
-            </a:r>
-            <a:r>
-              <a:rPr lang="en-US" altLang="ko-KR" dirty="0"/>
-              <a:t>MAC</a:t>
-            </a:r>
-            <a:r>
-              <a:rPr lang="ko-KR" altLang="en-US" dirty="0"/>
-              <a:t>헤더이다</a:t>
-            </a:r>
-            <a:r>
-              <a:rPr lang="en-US" altLang="ko-KR" dirty="0"/>
-              <a:t>. </a:t>
-            </a:r>
-            <a:r>
-              <a:rPr lang="ko-KR" altLang="en-US" dirty="0"/>
-              <a:t>지금부터 </a:t>
-            </a:r>
-            <a:r>
-              <a:rPr lang="en-US" altLang="ko-KR" dirty="0"/>
-              <a:t>IP</a:t>
-            </a:r>
-            <a:r>
-              <a:rPr lang="ko-KR" altLang="en-US" dirty="0"/>
-              <a:t>헤더에는 무엇이 있고 </a:t>
-            </a:r>
-            <a:r>
-              <a:rPr lang="en-US" altLang="ko-KR" dirty="0"/>
-              <a:t>MAC</a:t>
-            </a:r>
-            <a:r>
-              <a:rPr lang="ko-KR" altLang="en-US" dirty="0"/>
-              <a:t>헤더에는 무엇이 있으며 어떤 역할을 하는지 알아볼 것이다</a:t>
-            </a:r>
-            <a:r>
-              <a:rPr lang="en-US" altLang="ko-KR" dirty="0"/>
-              <a:t>.</a:t>
-            </a:r>
-          </a:p>
-          <a:p>
-            <a:pPr marL="0" marR="0" lvl="0" indent="0" algn="l" defTabSz="914400" rtl="0" eaLnBrk="1" fontAlgn="auto" latinLnBrk="1" hangingPunct="1">
-              <a:lnSpc>
-                <a:spcPct val="100000"/>
-              </a:lnSpc>
-              <a:spcBef>
-                <a:spcPts val="0"/>
-              </a:spcBef>
-              <a:spcAft>
-                <a:spcPts val="0"/>
-              </a:spcAft>
-              <a:buClrTx/>
-              <a:buSzTx/>
-              <a:buFontTx/>
-              <a:buNone/>
-              <a:tabLst/>
-              <a:defRPr/>
-            </a:pPr>
-            <a:endParaRPr lang="ko-KR" altLang="en-US" dirty="0"/>
-          </a:p>
-          <a:p>
-            <a:pPr marL="0" marR="0" lvl="0" indent="0" algn="l" defTabSz="914400" rtl="0" eaLnBrk="1" fontAlgn="auto" latinLnBrk="1" hangingPunct="1">
-              <a:lnSpc>
-                <a:spcPct val="100000"/>
-              </a:lnSpc>
-              <a:spcBef>
-                <a:spcPts val="0"/>
-              </a:spcBef>
-              <a:spcAft>
-                <a:spcPts val="0"/>
-              </a:spcAft>
-              <a:buClrTx/>
-              <a:buSzTx/>
-              <a:buFontTx/>
-              <a:buNone/>
-              <a:tabLst/>
-              <a:defRPr/>
-            </a:pPr>
-            <a:endParaRPr lang="ko-KR" altLang="en-US" dirty="0"/>
-          </a:p>
-          <a:p>
-            <a:endParaRPr lang="en-US" altLang="ko-KR" dirty="0"/>
           </a:p>
         </p:txBody>
       </p:sp>
@@ -3249,7 +3585,7 @@
           <a:p>
             <a:fld id="{75152752-F12A-4471-982A-FC6C9CE39BBC}" type="slidenum">
               <a:rPr lang="ko-KR" altLang="en-US" smtClean="0"/>
-              <a:t>10</a:t>
+              <a:t>9</a:t>
             </a:fld>
             <a:endParaRPr lang="ko-KR" altLang="en-US"/>
           </a:p>
@@ -3258,7 +3594,7 @@
     </p:spTree>
     <p:extLst>
       <p:ext uri="{BB962C8B-B14F-4D97-AF65-F5344CB8AC3E}">
-        <p14:creationId xmlns:p14="http://schemas.microsoft.com/office/powerpoint/2010/main" val="3660358238"/>
+        <p14:creationId xmlns:p14="http://schemas.microsoft.com/office/powerpoint/2010/main" val="2640062999"/>
       </p:ext>
     </p:extLst>
   </p:cSld>
@@ -3331,11 +3667,67 @@
             </a:pPr>
             <a:r>
               <a:rPr lang="en-US" altLang="ko-KR" dirty="0"/>
-              <a:t>IP </a:t>
+              <a:t>MTU</a:t>
             </a:r>
             <a:r>
               <a:rPr lang="ko-KR" altLang="en-US" dirty="0"/>
-              <a:t>담당부분에서는 </a:t>
+              <a:t> </a:t>
+            </a:r>
+            <a:r>
+              <a:rPr lang="en-US" altLang="ko-KR" dirty="0"/>
+              <a:t>: </a:t>
+            </a:r>
+            <a:r>
+              <a:rPr lang="ko-KR" altLang="en-US" dirty="0"/>
+              <a:t>패킷 한 개로 운반할 수 있는 디지털 데이터의 최대 길이</a:t>
+            </a:r>
+            <a:r>
+              <a:rPr lang="en-US" altLang="ko-KR" dirty="0"/>
+              <a:t>(</a:t>
+            </a:r>
+            <a:r>
+              <a:rPr lang="ko-KR" altLang="en-US" dirty="0"/>
+              <a:t>이더넷에서는 </a:t>
+            </a:r>
+            <a:r>
+              <a:rPr lang="en-US" altLang="ko-KR" dirty="0"/>
+              <a:t>1,500Byte)</a:t>
+            </a:r>
+            <a:endParaRPr lang="ko-KR" altLang="en-US" dirty="0"/>
+          </a:p>
+          <a:p>
+            <a:pPr marL="0" marR="0" lvl="0" indent="0" algn="l" defTabSz="914400" rtl="0" eaLnBrk="1" fontAlgn="auto" latinLnBrk="1" hangingPunct="1">
+              <a:lnSpc>
+                <a:spcPct val="100000"/>
+              </a:lnSpc>
+              <a:spcBef>
+                <a:spcPts val="0"/>
+              </a:spcBef>
+              <a:spcAft>
+                <a:spcPts val="0"/>
+              </a:spcAft>
+              <a:buClrTx/>
+              <a:buSzTx/>
+              <a:buFontTx/>
+              <a:buNone/>
+              <a:tabLst/>
+              <a:defRPr/>
+            </a:pPr>
+            <a:r>
+              <a:rPr lang="en-US" altLang="ko-KR" dirty="0"/>
+              <a:t>MSS</a:t>
+            </a:r>
+            <a:r>
+              <a:rPr lang="ko-KR" altLang="en-US" dirty="0"/>
+              <a:t> </a:t>
+            </a:r>
+            <a:r>
+              <a:rPr lang="en-US" altLang="ko-KR" dirty="0"/>
+              <a:t>: </a:t>
+            </a:r>
+            <a:r>
+              <a:rPr lang="ko-KR" altLang="en-US" dirty="0"/>
+              <a:t>헤더를 제외하고 한 개의 패킷으로 운반할 수 있는 </a:t>
             </a:r>
             <a:r>
               <a:rPr lang="en-US" altLang="ko-KR" dirty="0"/>
@@ -3343,13 +3735,266 @@
             </a:r>
             <a:r>
               <a:rPr lang="ko-KR" altLang="en-US" dirty="0"/>
-              <a:t>헤더와 데이터를 하나의 데이터라고 본다</a:t>
+              <a:t>의 데이터의 최대 길이</a:t>
+            </a:r>
+            <a:endParaRPr lang="en-US" altLang="ko-KR" dirty="0"/>
+          </a:p>
+          <a:p>
+            <a:pPr marL="0" marR="0" lvl="0" indent="0" algn="l" defTabSz="914400" rtl="0" eaLnBrk="1" fontAlgn="auto" latinLnBrk="1" hangingPunct="1">
+              <a:lnSpc>
+                <a:spcPct val="100000"/>
+              </a:lnSpc>
+              <a:spcBef>
+                <a:spcPts val="0"/>
+              </a:spcBef>
+              <a:spcAft>
+                <a:spcPts val="0"/>
+              </a:spcAft>
+              <a:buClrTx/>
+              <a:buSzTx/>
+              <a:buFontTx/>
+              <a:buNone/>
+              <a:tabLst/>
+              <a:defRPr/>
+            </a:pPr>
+            <a:r>
+              <a:rPr lang="ko-KR" altLang="en-US" dirty="0"/>
+              <a:t>우리가 지금까지 배운 패킷이다</a:t>
+            </a:r>
+            <a:r>
+              <a:rPr lang="en-US" altLang="ko-KR" dirty="0"/>
+              <a:t>. </a:t>
+            </a:r>
+            <a:r>
+              <a:rPr lang="ko-KR" altLang="en-US" dirty="0"/>
+              <a:t>데이터는 이전에 본 </a:t>
+            </a:r>
+            <a:r>
+              <a:rPr lang="en-US" altLang="ko-KR" dirty="0"/>
+              <a:t>TCP/IP </a:t>
+            </a:r>
+            <a:r>
+              <a:rPr lang="ko-KR" altLang="en-US" dirty="0"/>
+              <a:t>모델에서 응용 계층이 </a:t>
+            </a:r>
+            <a:r>
+              <a:rPr lang="en-US" altLang="ko-KR" dirty="0"/>
+              <a:t>TCP</a:t>
+            </a:r>
+            <a:r>
+              <a:rPr lang="ko-KR" altLang="en-US" dirty="0"/>
+              <a:t>헤더는 전송계층이</a:t>
+            </a:r>
+            <a:r>
+              <a:rPr lang="en-US" altLang="ko-KR" dirty="0"/>
+              <a:t> IP</a:t>
+            </a:r>
+            <a:r>
+              <a:rPr lang="ko-KR" altLang="en-US" dirty="0"/>
+              <a:t>헤더는 인터넷 계층이 만든다고 배웠다</a:t>
             </a:r>
             <a:r>
               <a:rPr lang="en-US" altLang="ko-KR" dirty="0"/>
               <a:t>.</a:t>
             </a:r>
-            <a:endParaRPr lang="ko-KR" altLang="en-US" dirty="0"/>
+          </a:p>
+          <a:p>
+            <a:pPr marL="0" marR="0" lvl="0" indent="0" algn="l" defTabSz="914400" rtl="0" eaLnBrk="1" fontAlgn="auto" latinLnBrk="1" hangingPunct="1">
+              <a:lnSpc>
+                <a:spcPct val="100000"/>
+              </a:lnSpc>
+              <a:spcBef>
+                <a:spcPts val="0"/>
+              </a:spcBef>
+              <a:spcAft>
+                <a:spcPts val="0"/>
+              </a:spcAft>
+              <a:buClrTx/>
+              <a:buSzTx/>
+              <a:buFontTx/>
+              <a:buNone/>
+              <a:tabLst/>
+              <a:defRPr/>
+            </a:pPr>
+            <a:r>
+              <a:rPr lang="ko-KR" altLang="en-US" dirty="0"/>
+              <a:t>그리고 </a:t>
+            </a:r>
+            <a:r>
+              <a:rPr lang="en-US" altLang="ko-KR" dirty="0"/>
+              <a:t>IP</a:t>
+            </a:r>
+            <a:r>
+              <a:rPr lang="ko-KR" altLang="en-US" dirty="0"/>
+              <a:t>헤더</a:t>
+            </a:r>
+            <a:r>
+              <a:rPr lang="en-US" altLang="ko-KR" dirty="0"/>
+              <a:t>, TCP</a:t>
+            </a:r>
+            <a:r>
+              <a:rPr lang="ko-KR" altLang="en-US" dirty="0"/>
+              <a:t>헤더</a:t>
+            </a:r>
+            <a:r>
+              <a:rPr lang="en-US" altLang="ko-KR" dirty="0"/>
+              <a:t>, </a:t>
+            </a:r>
+            <a:r>
+              <a:rPr lang="ko-KR" altLang="en-US" dirty="0"/>
+              <a:t>데이터를 합친 최대길이를 </a:t>
+            </a:r>
+            <a:r>
+              <a:rPr lang="en-US" altLang="ko-KR" dirty="0"/>
+              <a:t>MTU</a:t>
+            </a:r>
+            <a:r>
+              <a:rPr lang="ko-KR" altLang="en-US" dirty="0"/>
+              <a:t>라고 부르기로 했다</a:t>
+            </a:r>
+            <a:r>
+              <a:rPr lang="en-US" altLang="ko-KR" dirty="0"/>
+              <a:t>. MTU</a:t>
+            </a:r>
+            <a:r>
+              <a:rPr lang="ko-KR" altLang="en-US" dirty="0"/>
+              <a:t>는 패킷 한 개로 운반할 수 있는 디지털 데이터의 최대 길이</a:t>
+            </a:r>
+            <a:r>
+              <a:rPr lang="en-US" altLang="ko-KR" dirty="0"/>
+              <a:t>(</a:t>
+            </a:r>
+            <a:r>
+              <a:rPr lang="ko-KR" altLang="en-US" dirty="0"/>
+              <a:t>이더넷에서는 </a:t>
+            </a:r>
+            <a:r>
+              <a:rPr lang="en-US" altLang="ko-KR" dirty="0"/>
+              <a:t>1,500Byte)</a:t>
+            </a:r>
+            <a:r>
+              <a:rPr lang="ko-KR" altLang="en-US" dirty="0"/>
+              <a:t>이다</a:t>
+            </a:r>
+            <a:r>
+              <a:rPr lang="en-US" altLang="ko-KR" dirty="0"/>
+              <a:t>. </a:t>
+            </a:r>
+            <a:r>
+              <a:rPr lang="ko-KR" altLang="en-US" dirty="0"/>
+              <a:t>그리고 데이터의 최대 길이를 </a:t>
+            </a:r>
+            <a:r>
+              <a:rPr lang="en-US" altLang="ko-KR" dirty="0"/>
+              <a:t>MSS</a:t>
+            </a:r>
+            <a:r>
+              <a:rPr lang="ko-KR" altLang="en-US" dirty="0"/>
+              <a:t>라고 부르기로 했다</a:t>
+            </a:r>
+            <a:r>
+              <a:rPr lang="en-US" altLang="ko-KR" dirty="0"/>
+              <a:t>. MSS</a:t>
+            </a:r>
+            <a:r>
+              <a:rPr lang="ko-KR" altLang="en-US" dirty="0"/>
+              <a:t>는 헤더를 제외하고 한 개의 패킷으로 운반할 수 있는 </a:t>
+            </a:r>
+            <a:r>
+              <a:rPr lang="en-US" altLang="ko-KR" dirty="0"/>
+              <a:t>TCP</a:t>
+            </a:r>
+            <a:r>
+              <a:rPr lang="ko-KR" altLang="en-US" dirty="0"/>
+              <a:t>의 데이터의 최대 길이 이다</a:t>
+            </a:r>
+            <a:r>
+              <a:rPr lang="en-US" altLang="ko-KR" dirty="0"/>
+              <a:t>.</a:t>
+            </a:r>
+          </a:p>
+          <a:p>
+            <a:pPr marL="0" marR="0" lvl="0" indent="0" algn="l" defTabSz="914400" rtl="0" eaLnBrk="1" fontAlgn="auto" latinLnBrk="1" hangingPunct="1">
+              <a:lnSpc>
+                <a:spcPct val="100000"/>
+              </a:lnSpc>
+              <a:spcBef>
+                <a:spcPts val="0"/>
+              </a:spcBef>
+              <a:spcAft>
+                <a:spcPts val="0"/>
+              </a:spcAft>
+              <a:buClrTx/>
+              <a:buSzTx/>
+              <a:buFontTx/>
+              <a:buNone/>
+              <a:tabLst/>
+              <a:defRPr/>
+            </a:pPr>
+            <a:r>
+              <a:rPr lang="ko-KR" altLang="en-US" dirty="0"/>
+              <a:t>근데 인터넷 계층 </a:t>
+            </a:r>
+            <a:r>
+              <a:rPr lang="en-US" altLang="ko-KR" dirty="0"/>
+              <a:t>= IP</a:t>
+            </a:r>
+            <a:r>
+              <a:rPr lang="ko-KR" altLang="en-US" dirty="0"/>
+              <a:t>담당 부분에서는 </a:t>
+            </a:r>
+            <a:r>
+              <a:rPr lang="en-US" altLang="ko-KR" dirty="0"/>
+              <a:t>IP</a:t>
+            </a:r>
+            <a:r>
+              <a:rPr lang="ko-KR" altLang="en-US" dirty="0"/>
+              <a:t>헤더 말고도 또 다른 헤더를 만든다</a:t>
+            </a:r>
+            <a:r>
+              <a:rPr lang="en-US" altLang="ko-KR" dirty="0"/>
+              <a:t>. </a:t>
+            </a:r>
+            <a:r>
+              <a:rPr lang="ko-KR" altLang="en-US" dirty="0"/>
+              <a:t>바로 </a:t>
+            </a:r>
+            <a:r>
+              <a:rPr lang="en-US" altLang="ko-KR" dirty="0"/>
+              <a:t>MAC</a:t>
+            </a:r>
+            <a:r>
+              <a:rPr lang="ko-KR" altLang="en-US" dirty="0"/>
+              <a:t>헤더이다</a:t>
+            </a:r>
+            <a:r>
+              <a:rPr lang="en-US" altLang="ko-KR" dirty="0"/>
+              <a:t>. </a:t>
+            </a:r>
+            <a:r>
+              <a:rPr lang="ko-KR" altLang="en-US" dirty="0"/>
+              <a:t>지금부터 </a:t>
+            </a:r>
+            <a:r>
+              <a:rPr lang="en-US" altLang="ko-KR" dirty="0"/>
+              <a:t>IP</a:t>
+            </a:r>
+            <a:r>
+              <a:rPr lang="ko-KR" altLang="en-US" dirty="0"/>
+              <a:t>헤더에는 무엇이 있고 </a:t>
+            </a:r>
+            <a:r>
+              <a:rPr lang="en-US" altLang="ko-KR" dirty="0"/>
+              <a:t>MAC</a:t>
+            </a:r>
+            <a:r>
+              <a:rPr lang="ko-KR" altLang="en-US" dirty="0"/>
+              <a:t>헤더에는 무엇이 있으며 어떤 역할을 하는지 알아볼 것이다</a:t>
+            </a:r>
+            <a:r>
+              <a:rPr lang="en-US" altLang="ko-KR" dirty="0"/>
+              <a:t>.</a:t>
+            </a:r>
           </a:p>
           <a:p>
             <a:pPr marL="0" marR="0" lvl="0" indent="0" algn="l" defTabSz="914400" rtl="0" eaLnBrk="1" fontAlgn="auto" latinLnBrk="1" hangingPunct="1">
@@ -3372,156 +4017,6 @@
             <a:endParaRPr lang="ko-KR" altLang="en-US" dirty="0"/>
           </a:p>
           <a:p>
-            <a:r>
-              <a:rPr lang="en-US" altLang="ko-KR" dirty="0"/>
-              <a:t>IP</a:t>
-            </a:r>
-            <a:r>
-              <a:rPr lang="ko-KR" altLang="en-US" dirty="0"/>
-              <a:t>헤더를 살펴보면 버전</a:t>
-            </a:r>
-            <a:r>
-              <a:rPr lang="en-US" altLang="ko-KR" dirty="0"/>
-              <a:t>, </a:t>
-            </a:r>
-            <a:r>
-              <a:rPr lang="ko-KR" altLang="en-US" dirty="0"/>
-              <a:t>헤더길이</a:t>
-            </a:r>
-            <a:r>
-              <a:rPr lang="en-US" altLang="ko-KR" dirty="0"/>
-              <a:t>, </a:t>
-            </a:r>
-            <a:r>
-              <a:rPr lang="ko-KR" altLang="en-US" dirty="0"/>
-              <a:t>서비스 유형</a:t>
-            </a:r>
-            <a:r>
-              <a:rPr lang="en-US" altLang="ko-KR" dirty="0"/>
-              <a:t>, </a:t>
-            </a:r>
-            <a:r>
-              <a:rPr lang="ko-KR" altLang="en-US" dirty="0"/>
-              <a:t>플래그</a:t>
-            </a:r>
-            <a:r>
-              <a:rPr lang="en-US" altLang="ko-KR" dirty="0"/>
-              <a:t>, </a:t>
-            </a:r>
-            <a:r>
-              <a:rPr lang="ko-KR" altLang="en-US" dirty="0"/>
-              <a:t>생존 기간</a:t>
-            </a:r>
-            <a:r>
-              <a:rPr lang="en-US" altLang="ko-KR" dirty="0"/>
-              <a:t>, </a:t>
-            </a:r>
-            <a:r>
-              <a:rPr lang="ko-KR" altLang="en-US" dirty="0"/>
-              <a:t>프로토콜번호</a:t>
-            </a:r>
-            <a:r>
-              <a:rPr lang="en-US" altLang="ko-KR" dirty="0"/>
-              <a:t>, </a:t>
-            </a:r>
-            <a:r>
-              <a:rPr lang="ko-KR" altLang="en-US" dirty="0" err="1"/>
-              <a:t>체크점</a:t>
-            </a:r>
-            <a:r>
-              <a:rPr lang="en-US" altLang="ko-KR" dirty="0"/>
-              <a:t>, </a:t>
-            </a:r>
-            <a:r>
-              <a:rPr lang="ko-KR" altLang="en-US" dirty="0" err="1"/>
-              <a:t>송신처</a:t>
-            </a:r>
-            <a:r>
-              <a:rPr lang="en-US" altLang="ko-KR" dirty="0"/>
-              <a:t>IP</a:t>
-            </a:r>
-            <a:r>
-              <a:rPr lang="ko-KR" altLang="en-US" dirty="0"/>
-              <a:t>주소</a:t>
-            </a:r>
-            <a:r>
-              <a:rPr lang="en-US" altLang="ko-KR" dirty="0"/>
-              <a:t>, </a:t>
-            </a:r>
-            <a:r>
-              <a:rPr lang="ko-KR" altLang="en-US" dirty="0"/>
-              <a:t>수신 </a:t>
-            </a:r>
-            <a:r>
-              <a:rPr lang="en-US" altLang="ko-KR" dirty="0"/>
-              <a:t>IP</a:t>
-            </a:r>
-            <a:r>
-              <a:rPr lang="ko-KR" altLang="en-US" dirty="0"/>
-              <a:t>주소 등 다양한 </a:t>
-            </a:r>
-            <a:r>
-              <a:rPr lang="en-US" altLang="ko-KR" dirty="0"/>
-              <a:t>IP</a:t>
-            </a:r>
-            <a:r>
-              <a:rPr lang="ko-KR" altLang="en-US" dirty="0"/>
-              <a:t>의 제어정보들이 있다</a:t>
-            </a:r>
-            <a:r>
-              <a:rPr lang="en-US" altLang="ko-KR" dirty="0"/>
-              <a:t>. </a:t>
-            </a:r>
-            <a:r>
-              <a:rPr lang="ko-KR" altLang="en-US" dirty="0"/>
-              <a:t>그 중 유심히 봐야할 것들은 </a:t>
-            </a:r>
-            <a:r>
-              <a:rPr lang="ko-KR" altLang="en-US" dirty="0" err="1"/>
-              <a:t>송선처</a:t>
-            </a:r>
-            <a:r>
-              <a:rPr lang="ko-KR" altLang="en-US" dirty="0"/>
-              <a:t> </a:t>
-            </a:r>
-            <a:r>
-              <a:rPr lang="en-US" altLang="ko-KR" dirty="0"/>
-              <a:t>IP</a:t>
-            </a:r>
-            <a:r>
-              <a:rPr lang="ko-KR" altLang="en-US" dirty="0"/>
-              <a:t>주소</a:t>
-            </a:r>
-            <a:r>
-              <a:rPr lang="en-US" altLang="ko-KR" dirty="0"/>
-              <a:t>, </a:t>
-            </a:r>
-            <a:r>
-              <a:rPr lang="ko-KR" altLang="en-US" dirty="0"/>
-              <a:t>수신처 </a:t>
-            </a:r>
-            <a:r>
-              <a:rPr lang="en-US" altLang="ko-KR" dirty="0"/>
-              <a:t>IP</a:t>
-            </a:r>
-            <a:r>
-              <a:rPr lang="ko-KR" altLang="en-US" dirty="0"/>
-              <a:t>주소</a:t>
-            </a:r>
-            <a:r>
-              <a:rPr lang="en-US" altLang="ko-KR" dirty="0"/>
-              <a:t>, </a:t>
-            </a:r>
-            <a:r>
-              <a:rPr lang="ko-KR" altLang="en-US" dirty="0"/>
-              <a:t>프로토콜 번호이다</a:t>
-            </a:r>
-            <a:r>
-              <a:rPr lang="en-US" altLang="ko-KR" dirty="0"/>
-              <a:t>.</a:t>
-            </a:r>
-          </a:p>
-          <a:p>
             <a:pPr marL="0" marR="0" lvl="0" indent="0" algn="l" defTabSz="914400" rtl="0" eaLnBrk="1" fontAlgn="auto" latinLnBrk="1" hangingPunct="1">
               <a:lnSpc>
                 <a:spcPct val="100000"/>
@@ -3539,1500 +4034,7 @@
               <a:tabLst/>
               <a:defRPr/>
             </a:pPr>
-            <a:r>
-              <a:rPr lang="ko-KR" altLang="en-US" dirty="0" err="1"/>
-              <a:t>송신처</a:t>
-            </a:r>
-            <a:r>
-              <a:rPr lang="ko-KR" altLang="en-US" dirty="0"/>
-              <a:t> </a:t>
-            </a:r>
-            <a:r>
-              <a:rPr lang="en-US" altLang="ko-KR" dirty="0"/>
-              <a:t>IP</a:t>
-            </a:r>
-            <a:r>
-              <a:rPr lang="ko-KR" altLang="en-US" dirty="0"/>
-              <a:t>주소는 </a:t>
-            </a:r>
-            <a:r>
-              <a:rPr lang="en-US" altLang="ko-KR" b="0" i="0" dirty="0">
-                <a:solidFill>
-                  <a:srgbClr val="000000"/>
-                </a:solidFill>
-                <a:effectLst/>
-                <a:latin typeface="-apple-system"/>
-              </a:rPr>
-              <a:t>LAN </a:t>
-            </a:r>
-            <a:r>
-              <a:rPr lang="ko-KR" altLang="en-US" b="0" i="0" dirty="0">
-                <a:solidFill>
-                  <a:srgbClr val="000000"/>
-                </a:solidFill>
-                <a:effectLst/>
-                <a:latin typeface="-apple-system"/>
-              </a:rPr>
-              <a:t>어댑터가 여러 개일 수 있는데 라우터가 결정되면 어느 </a:t>
-            </a:r>
-            <a:r>
-              <a:rPr lang="en-US" altLang="ko-KR" b="0" i="0" dirty="0">
-                <a:solidFill>
-                  <a:srgbClr val="000000"/>
-                </a:solidFill>
-                <a:effectLst/>
-                <a:latin typeface="-apple-system"/>
-              </a:rPr>
-              <a:t>LAN </a:t>
-            </a:r>
-            <a:r>
-              <a:rPr lang="ko-KR" altLang="en-US" b="0" i="0" dirty="0">
-                <a:solidFill>
-                  <a:srgbClr val="000000"/>
-                </a:solidFill>
-                <a:effectLst/>
-                <a:latin typeface="-apple-system"/>
-              </a:rPr>
-              <a:t>어댑터에서 송신할지 판단해여 그 </a:t>
-            </a:r>
-            <a:r>
-              <a:rPr lang="en-US" altLang="ko-KR" b="0" i="0" dirty="0">
-                <a:solidFill>
-                  <a:srgbClr val="000000"/>
-                </a:solidFill>
-                <a:effectLst/>
-                <a:latin typeface="-apple-system"/>
-              </a:rPr>
-              <a:t>LAN </a:t>
-            </a:r>
-            <a:r>
-              <a:rPr lang="ko-KR" altLang="en-US" b="0" i="0" dirty="0">
-                <a:solidFill>
-                  <a:srgbClr val="000000"/>
-                </a:solidFill>
-                <a:effectLst/>
-                <a:latin typeface="-apple-system"/>
-              </a:rPr>
-              <a:t>어댑터의 </a:t>
-            </a:r>
-            <a:r>
-              <a:rPr lang="en-US" altLang="ko-KR" b="0" i="0" dirty="0">
-                <a:solidFill>
-                  <a:srgbClr val="000000"/>
-                </a:solidFill>
-                <a:effectLst/>
-                <a:latin typeface="-apple-system"/>
-              </a:rPr>
-              <a:t>IP</a:t>
-            </a:r>
-            <a:r>
-              <a:rPr lang="ko-KR" altLang="en-US" b="0" i="0" dirty="0">
-                <a:solidFill>
-                  <a:srgbClr val="000000"/>
-                </a:solidFill>
-                <a:effectLst/>
-                <a:latin typeface="-apple-system"/>
-              </a:rPr>
-              <a:t>주소로 한다</a:t>
-            </a:r>
-            <a:r>
-              <a:rPr lang="en-US" altLang="ko-KR" b="0" i="0" dirty="0">
-                <a:solidFill>
-                  <a:srgbClr val="000000"/>
-                </a:solidFill>
-                <a:effectLst/>
-                <a:latin typeface="-apple-system"/>
-              </a:rPr>
-              <a:t>.</a:t>
-            </a:r>
-          </a:p>
-          <a:p>
-            <a:pPr marL="0" marR="0" lvl="0" indent="0" algn="l" defTabSz="914400" rtl="0" eaLnBrk="1" fontAlgn="auto" latinLnBrk="1" hangingPunct="1">
-              <a:lnSpc>
-                <a:spcPct val="100000"/>
-              </a:lnSpc>
-              <a:spcBef>
-                <a:spcPts val="0"/>
-              </a:spcBef>
-              <a:spcAft>
-                <a:spcPts val="0"/>
-              </a:spcAft>
-              <a:buClrTx/>
-              <a:buSzTx/>
-              <a:buFontTx/>
-              <a:buNone/>
-              <a:tabLst/>
-              <a:defRPr/>
-            </a:pPr>
-            <a:r>
-              <a:rPr lang="ko-KR" altLang="en-US" b="0" i="0" dirty="0">
-                <a:solidFill>
-                  <a:srgbClr val="000000"/>
-                </a:solidFill>
-                <a:effectLst/>
-                <a:latin typeface="-apple-system"/>
-              </a:rPr>
-              <a:t>수신처 </a:t>
-            </a:r>
-            <a:r>
-              <a:rPr lang="en-US" altLang="ko-KR" b="0" i="0" dirty="0">
-                <a:solidFill>
-                  <a:srgbClr val="000000"/>
-                </a:solidFill>
-                <a:effectLst/>
-                <a:latin typeface="-apple-system"/>
-              </a:rPr>
-              <a:t>IP</a:t>
-            </a:r>
-            <a:r>
-              <a:rPr lang="ko-KR" altLang="en-US" b="0" i="0" dirty="0">
-                <a:solidFill>
-                  <a:srgbClr val="000000"/>
-                </a:solidFill>
-                <a:effectLst/>
-                <a:latin typeface="-apple-system"/>
-              </a:rPr>
-              <a:t>주소는 </a:t>
-            </a:r>
-            <a:r>
-              <a:rPr lang="en-US" altLang="ko-KR" b="0" i="0" dirty="0">
-                <a:solidFill>
-                  <a:srgbClr val="000000"/>
-                </a:solidFill>
-                <a:effectLst/>
-                <a:latin typeface="-apple-system"/>
-              </a:rPr>
-              <a:t>TCP</a:t>
-            </a:r>
-            <a:r>
-              <a:rPr lang="ko-KR" altLang="en-US" b="0" i="0" dirty="0">
-                <a:solidFill>
-                  <a:srgbClr val="000000"/>
-                </a:solidFill>
-                <a:effectLst/>
-                <a:latin typeface="-apple-system"/>
-              </a:rPr>
-              <a:t>의 접속 동작을 실행할 때 애플리케이션에서 통지된 </a:t>
-            </a:r>
-            <a:r>
-              <a:rPr lang="en-US" altLang="ko-KR" b="0" i="0" dirty="0">
-                <a:solidFill>
-                  <a:srgbClr val="000000"/>
-                </a:solidFill>
-                <a:effectLst/>
-                <a:latin typeface="-apple-system"/>
-              </a:rPr>
-              <a:t>IP</a:t>
-            </a:r>
-            <a:r>
-              <a:rPr lang="ko-KR" altLang="en-US" b="0" i="0" dirty="0">
-                <a:solidFill>
-                  <a:srgbClr val="000000"/>
-                </a:solidFill>
-                <a:effectLst/>
-                <a:latin typeface="-apple-system"/>
-              </a:rPr>
-              <a:t>주소를 그대로 수신처 </a:t>
-            </a:r>
-            <a:r>
-              <a:rPr lang="en-US" altLang="ko-KR" b="0" i="0" dirty="0">
-                <a:solidFill>
-                  <a:srgbClr val="000000"/>
-                </a:solidFill>
-                <a:effectLst/>
-                <a:latin typeface="-apple-system"/>
-              </a:rPr>
-              <a:t>IP</a:t>
-            </a:r>
-            <a:r>
-              <a:rPr lang="ko-KR" altLang="en-US" b="0" i="0" dirty="0">
-                <a:solidFill>
-                  <a:srgbClr val="000000"/>
-                </a:solidFill>
-                <a:effectLst/>
-                <a:latin typeface="-apple-system"/>
-              </a:rPr>
-              <a:t>주소로 설정한다</a:t>
-            </a:r>
-            <a:r>
-              <a:rPr lang="en-US" altLang="ko-KR" b="0" i="0" dirty="0">
-                <a:solidFill>
-                  <a:srgbClr val="000000"/>
-                </a:solidFill>
-                <a:effectLst/>
-                <a:latin typeface="-apple-system"/>
-              </a:rPr>
-              <a:t>. </a:t>
-            </a:r>
-            <a:r>
-              <a:rPr lang="ko-KR" altLang="en-US" b="0" i="0" dirty="0">
-                <a:solidFill>
-                  <a:srgbClr val="000000"/>
-                </a:solidFill>
-                <a:effectLst/>
-                <a:latin typeface="-apple-system"/>
-              </a:rPr>
-              <a:t>수신처 </a:t>
-            </a:r>
-            <a:r>
-              <a:rPr lang="en-US" altLang="ko-KR" b="0" i="0" dirty="0">
-                <a:solidFill>
-                  <a:srgbClr val="000000"/>
-                </a:solidFill>
-                <a:effectLst/>
-                <a:latin typeface="-apple-system"/>
-              </a:rPr>
-              <a:t>IP</a:t>
-            </a:r>
-            <a:r>
-              <a:rPr lang="ko-KR" altLang="en-US" b="0" i="0" dirty="0">
-                <a:solidFill>
-                  <a:srgbClr val="000000"/>
-                </a:solidFill>
-                <a:effectLst/>
-                <a:latin typeface="-apple-system"/>
-              </a:rPr>
-              <a:t>주소는 </a:t>
-            </a:r>
-            <a:r>
-              <a:rPr lang="en-US" altLang="ko-KR" b="0" i="0" dirty="0">
-                <a:solidFill>
-                  <a:srgbClr val="000000"/>
-                </a:solidFill>
-                <a:effectLst/>
-                <a:latin typeface="-apple-system"/>
-              </a:rPr>
-              <a:t>IP</a:t>
-            </a:r>
-            <a:r>
-              <a:rPr lang="ko-KR" altLang="en-US" b="0" i="0" dirty="0">
-                <a:solidFill>
-                  <a:srgbClr val="000000"/>
-                </a:solidFill>
-                <a:effectLst/>
-                <a:latin typeface="-apple-system"/>
-              </a:rPr>
-              <a:t>에서 판단하는 </a:t>
-            </a:r>
-            <a:r>
-              <a:rPr lang="ko-KR" altLang="en-US" b="0" i="0" dirty="0" err="1">
-                <a:solidFill>
-                  <a:srgbClr val="000000"/>
-                </a:solidFill>
-                <a:effectLst/>
-                <a:latin typeface="-apple-system"/>
-              </a:rPr>
-              <a:t>것이라니라</a:t>
-            </a:r>
-            <a:r>
-              <a:rPr lang="ko-KR" altLang="en-US" b="0" i="0" dirty="0">
-                <a:solidFill>
-                  <a:srgbClr val="000000"/>
-                </a:solidFill>
-                <a:effectLst/>
-                <a:latin typeface="-apple-system"/>
-              </a:rPr>
-              <a:t> 어플리케이션에서 판단한다</a:t>
-            </a:r>
-            <a:r>
-              <a:rPr lang="en-US" altLang="ko-KR" b="0" i="0" dirty="0">
-                <a:solidFill>
-                  <a:srgbClr val="000000"/>
-                </a:solidFill>
-                <a:effectLst/>
-                <a:latin typeface="-apple-system"/>
-              </a:rPr>
-              <a:t>.</a:t>
-            </a:r>
-          </a:p>
-          <a:p>
-            <a:pPr marL="0" marR="0" lvl="0" indent="0" algn="l" defTabSz="914400" rtl="0" eaLnBrk="1" fontAlgn="auto" latinLnBrk="1" hangingPunct="1">
-              <a:lnSpc>
-                <a:spcPct val="100000"/>
-              </a:lnSpc>
-              <a:spcBef>
-                <a:spcPts val="0"/>
-              </a:spcBef>
-              <a:spcAft>
-                <a:spcPts val="0"/>
-              </a:spcAft>
-              <a:buClrTx/>
-              <a:buSzTx/>
-              <a:buFontTx/>
-              <a:buNone/>
-              <a:tabLst/>
-              <a:defRPr/>
-            </a:pPr>
-            <a:r>
-              <a:rPr lang="ko-KR" altLang="en-US" b="0" i="0" dirty="0">
-                <a:solidFill>
-                  <a:srgbClr val="000000"/>
-                </a:solidFill>
-                <a:effectLst/>
-                <a:latin typeface="-apple-system"/>
-              </a:rPr>
-              <a:t>프로토콜 번호는 어디에서 </a:t>
-            </a:r>
-            <a:r>
-              <a:rPr lang="ko-KR" altLang="en-US" b="0" i="0" dirty="0" err="1">
-                <a:solidFill>
-                  <a:srgbClr val="000000"/>
-                </a:solidFill>
-                <a:effectLst/>
-                <a:latin typeface="-apple-system"/>
-              </a:rPr>
-              <a:t>의뢰받은</a:t>
-            </a:r>
-            <a:r>
-              <a:rPr lang="ko-KR" altLang="en-US" b="0" i="0" dirty="0">
-                <a:solidFill>
-                  <a:srgbClr val="000000"/>
-                </a:solidFill>
-                <a:effectLst/>
-                <a:latin typeface="-apple-system"/>
-              </a:rPr>
-              <a:t> 것인지를 나타내는 값이다</a:t>
-            </a:r>
-            <a:r>
-              <a:rPr lang="en-US" altLang="ko-KR" b="0" i="0" dirty="0">
-                <a:solidFill>
-                  <a:srgbClr val="000000"/>
-                </a:solidFill>
-                <a:effectLst/>
-                <a:latin typeface="-apple-system"/>
-              </a:rPr>
-              <a:t>. </a:t>
-            </a:r>
-            <a:r>
-              <a:rPr lang="ko-KR" altLang="en-US" b="0" i="0" dirty="0">
-                <a:solidFill>
-                  <a:srgbClr val="000000"/>
-                </a:solidFill>
-                <a:effectLst/>
-                <a:latin typeface="-apple-system"/>
-              </a:rPr>
-              <a:t>예를 들면 </a:t>
-            </a:r>
-            <a:r>
-              <a:rPr lang="en-US" altLang="ko-KR" b="0" i="0" dirty="0">
-                <a:solidFill>
-                  <a:srgbClr val="000000"/>
-                </a:solidFill>
-                <a:effectLst/>
-                <a:latin typeface="-apple-system"/>
-              </a:rPr>
-              <a:t>TCP</a:t>
-            </a:r>
-            <a:r>
-              <a:rPr lang="ko-KR" altLang="en-US" b="0" i="0" dirty="0">
-                <a:solidFill>
-                  <a:srgbClr val="000000"/>
-                </a:solidFill>
-                <a:effectLst/>
-                <a:latin typeface="-apple-system"/>
-              </a:rPr>
-              <a:t>는 </a:t>
-            </a:r>
-            <a:r>
-              <a:rPr lang="en-US" altLang="ko-KR" b="0" i="0" dirty="0">
-                <a:solidFill>
-                  <a:srgbClr val="000000"/>
-                </a:solidFill>
-                <a:effectLst/>
-                <a:latin typeface="-apple-system"/>
-              </a:rPr>
-              <a:t>06, UDP</a:t>
-            </a:r>
-            <a:r>
-              <a:rPr lang="ko-KR" altLang="en-US" b="0" i="0" dirty="0">
-                <a:solidFill>
-                  <a:srgbClr val="000000"/>
-                </a:solidFill>
-                <a:effectLst/>
-                <a:latin typeface="-apple-system"/>
-              </a:rPr>
-              <a:t>는 </a:t>
-            </a:r>
-            <a:r>
-              <a:rPr lang="en-US" altLang="ko-KR" b="0" i="0" dirty="0">
-                <a:solidFill>
-                  <a:srgbClr val="000000"/>
-                </a:solidFill>
-                <a:effectLst/>
-                <a:latin typeface="-apple-system"/>
-              </a:rPr>
-              <a:t>17</a:t>
-            </a:r>
-            <a:r>
-              <a:rPr lang="ko-KR" altLang="en-US" b="0" i="0" dirty="0">
-                <a:solidFill>
-                  <a:srgbClr val="000000"/>
-                </a:solidFill>
-                <a:effectLst/>
-                <a:latin typeface="-apple-system"/>
-              </a:rPr>
-              <a:t>으로 적는다</a:t>
-            </a:r>
-            <a:r>
-              <a:rPr lang="en-US" altLang="ko-KR" b="0" i="0" dirty="0">
-                <a:solidFill>
-                  <a:srgbClr val="000000"/>
-                </a:solidFill>
-                <a:effectLst/>
-                <a:latin typeface="-apple-system"/>
-              </a:rPr>
-              <a:t>.</a:t>
-            </a:r>
-          </a:p>
-          <a:p>
-            <a:pPr marL="0" marR="0" lvl="0" indent="0" algn="l" defTabSz="914400" rtl="0" eaLnBrk="1" fontAlgn="auto" latinLnBrk="1" hangingPunct="1">
-              <a:lnSpc>
-                <a:spcPct val="100000"/>
-              </a:lnSpc>
-              <a:spcBef>
-                <a:spcPts val="0"/>
-              </a:spcBef>
-              <a:spcAft>
-                <a:spcPts val="0"/>
-              </a:spcAft>
-              <a:buClrTx/>
-              <a:buSzTx/>
-              <a:buFontTx/>
-              <a:buNone/>
-              <a:tabLst/>
-              <a:defRPr/>
-            </a:pPr>
-            <a:endParaRPr lang="en-US" altLang="ko-KR" b="0" i="0" dirty="0">
-              <a:solidFill>
-                <a:srgbClr val="000000"/>
-              </a:solidFill>
-              <a:effectLst/>
-              <a:latin typeface="-apple-system"/>
-            </a:endParaRPr>
-          </a:p>
-          <a:p>
-            <a:pPr marL="0" marR="0" lvl="0" indent="0" algn="l" defTabSz="914400" rtl="0" eaLnBrk="1" fontAlgn="auto" latinLnBrk="1" hangingPunct="1">
-              <a:lnSpc>
-                <a:spcPct val="100000"/>
-              </a:lnSpc>
-              <a:spcBef>
-                <a:spcPts val="0"/>
-              </a:spcBef>
-              <a:spcAft>
-                <a:spcPts val="0"/>
-              </a:spcAft>
-              <a:buClrTx/>
-              <a:buSzTx/>
-              <a:buFontTx/>
-              <a:buNone/>
-              <a:tabLst/>
-              <a:defRPr/>
-            </a:pPr>
-            <a:r>
-              <a:rPr lang="ko-KR" altLang="en-US" b="0" i="0" dirty="0" err="1">
-                <a:solidFill>
-                  <a:srgbClr val="000000"/>
-                </a:solidFill>
-                <a:effectLst/>
-                <a:latin typeface="-apple-system"/>
-              </a:rPr>
-              <a:t>다음로는</a:t>
-            </a:r>
-            <a:r>
-              <a:rPr lang="ko-KR" altLang="en-US" b="0" i="0" dirty="0">
-                <a:solidFill>
-                  <a:srgbClr val="000000"/>
-                </a:solidFill>
-                <a:effectLst/>
-                <a:latin typeface="-apple-system"/>
-              </a:rPr>
-              <a:t> </a:t>
-            </a:r>
-            <a:r>
-              <a:rPr lang="en-US" altLang="ko-KR" b="0" i="0" dirty="0">
-                <a:solidFill>
-                  <a:srgbClr val="000000"/>
-                </a:solidFill>
-                <a:effectLst/>
-                <a:latin typeface="-apple-system"/>
-              </a:rPr>
-              <a:t>MAC</a:t>
-            </a:r>
-            <a:r>
-              <a:rPr lang="ko-KR" altLang="en-US" b="0" i="0" dirty="0">
-                <a:solidFill>
-                  <a:srgbClr val="000000"/>
-                </a:solidFill>
-                <a:effectLst/>
-                <a:latin typeface="-apple-system"/>
-              </a:rPr>
-              <a:t>헤더이다</a:t>
-            </a:r>
-            <a:r>
-              <a:rPr lang="en-US" altLang="ko-KR" b="0" i="0" dirty="0">
-                <a:solidFill>
-                  <a:srgbClr val="000000"/>
-                </a:solidFill>
-                <a:effectLst/>
-                <a:latin typeface="-apple-system"/>
-              </a:rPr>
-              <a:t>. MAC</a:t>
-            </a:r>
-            <a:r>
-              <a:rPr lang="ko-KR" altLang="en-US" b="0" i="0" dirty="0">
-                <a:solidFill>
-                  <a:srgbClr val="000000"/>
-                </a:solidFill>
-                <a:effectLst/>
-                <a:latin typeface="-apple-system"/>
-              </a:rPr>
-              <a:t>헤더는 이더넷의 제어 정보를 가지고 있는 헤더로 수신처 </a:t>
-            </a:r>
-            <a:r>
-              <a:rPr lang="en-US" altLang="ko-KR" b="0" i="0" dirty="0">
-                <a:solidFill>
-                  <a:srgbClr val="000000"/>
-                </a:solidFill>
-                <a:effectLst/>
-                <a:latin typeface="-apple-system"/>
-              </a:rPr>
-              <a:t>MAC </a:t>
-            </a:r>
-            <a:r>
-              <a:rPr lang="ko-KR" altLang="en-US" b="0" i="0" dirty="0">
-                <a:solidFill>
-                  <a:srgbClr val="000000"/>
-                </a:solidFill>
-                <a:effectLst/>
-                <a:latin typeface="-apple-system"/>
-              </a:rPr>
-              <a:t>주소</a:t>
-            </a:r>
-            <a:r>
-              <a:rPr lang="en-US" altLang="ko-KR" b="0" i="0" dirty="0">
-                <a:solidFill>
-                  <a:srgbClr val="000000"/>
-                </a:solidFill>
-                <a:effectLst/>
-                <a:latin typeface="-apple-system"/>
-              </a:rPr>
-              <a:t>, </a:t>
-            </a:r>
-            <a:r>
-              <a:rPr lang="ko-KR" altLang="en-US" b="0" i="0" dirty="0" err="1">
-                <a:solidFill>
-                  <a:srgbClr val="000000"/>
-                </a:solidFill>
-                <a:effectLst/>
-                <a:latin typeface="-apple-system"/>
-              </a:rPr>
-              <a:t>송신처</a:t>
-            </a:r>
-            <a:r>
-              <a:rPr lang="ko-KR" altLang="en-US" b="0" i="0" dirty="0">
-                <a:solidFill>
-                  <a:srgbClr val="000000"/>
-                </a:solidFill>
-                <a:effectLst/>
-                <a:latin typeface="-apple-system"/>
-              </a:rPr>
-              <a:t> </a:t>
-            </a:r>
-            <a:r>
-              <a:rPr lang="en-US" altLang="ko-KR" b="0" i="0" dirty="0">
-                <a:solidFill>
-                  <a:srgbClr val="000000"/>
-                </a:solidFill>
-                <a:effectLst/>
-                <a:latin typeface="-apple-system"/>
-              </a:rPr>
-              <a:t>MAC </a:t>
-            </a:r>
-            <a:r>
-              <a:rPr lang="ko-KR" altLang="en-US" b="0" i="0" dirty="0">
-                <a:solidFill>
-                  <a:srgbClr val="000000"/>
-                </a:solidFill>
-                <a:effectLst/>
-                <a:latin typeface="-apple-system"/>
-              </a:rPr>
-              <a:t>주소</a:t>
-            </a:r>
-            <a:r>
-              <a:rPr lang="en-US" altLang="ko-KR" b="0" i="0" dirty="0">
-                <a:solidFill>
-                  <a:srgbClr val="000000"/>
-                </a:solidFill>
-                <a:effectLst/>
-                <a:latin typeface="-apple-system"/>
-              </a:rPr>
-              <a:t>, </a:t>
-            </a:r>
-            <a:r>
-              <a:rPr lang="ko-KR" altLang="en-US" b="0" i="0" dirty="0" err="1">
-                <a:solidFill>
-                  <a:srgbClr val="000000"/>
-                </a:solidFill>
-                <a:effectLst/>
-                <a:latin typeface="-apple-system"/>
-              </a:rPr>
-              <a:t>이더</a:t>
-            </a:r>
-            <a:r>
-              <a:rPr lang="ko-KR" altLang="en-US" b="0" i="0" dirty="0">
-                <a:solidFill>
-                  <a:srgbClr val="000000"/>
-                </a:solidFill>
-                <a:effectLst/>
-                <a:latin typeface="-apple-system"/>
-              </a:rPr>
-              <a:t> 타입으로 구성되어 있다</a:t>
-            </a:r>
-            <a:r>
-              <a:rPr lang="en-US" altLang="ko-KR" b="0" i="0" dirty="0">
-                <a:solidFill>
-                  <a:srgbClr val="000000"/>
-                </a:solidFill>
-                <a:effectLst/>
-                <a:latin typeface="-apple-system"/>
-              </a:rPr>
-              <a:t>.</a:t>
-            </a:r>
-          </a:p>
-          <a:p>
-            <a:pPr marL="0" marR="0" lvl="0" indent="0" algn="l" defTabSz="914400" rtl="0" eaLnBrk="1" fontAlgn="auto" latinLnBrk="1" hangingPunct="1">
-              <a:lnSpc>
-                <a:spcPct val="100000"/>
-              </a:lnSpc>
-              <a:spcBef>
-                <a:spcPts val="0"/>
-              </a:spcBef>
-              <a:spcAft>
-                <a:spcPts val="0"/>
-              </a:spcAft>
-              <a:buClrTx/>
-              <a:buSzTx/>
-              <a:buFontTx/>
-              <a:buNone/>
-              <a:tabLst/>
-              <a:defRPr/>
-            </a:pPr>
-            <a:r>
-              <a:rPr lang="ko-KR" altLang="en-US" b="0" i="0" dirty="0">
-                <a:solidFill>
-                  <a:srgbClr val="000000"/>
-                </a:solidFill>
-                <a:effectLst/>
-                <a:latin typeface="-apple-system"/>
-              </a:rPr>
-              <a:t>수신처 </a:t>
-            </a:r>
-            <a:r>
-              <a:rPr lang="en-US" altLang="ko-KR" b="0" i="0" dirty="0">
-                <a:solidFill>
-                  <a:srgbClr val="000000"/>
-                </a:solidFill>
-                <a:effectLst/>
-                <a:latin typeface="-apple-system"/>
-              </a:rPr>
-              <a:t>MAC</a:t>
-            </a:r>
-            <a:r>
-              <a:rPr lang="ko-KR" altLang="en-US" b="0" i="0" dirty="0">
-                <a:solidFill>
-                  <a:srgbClr val="000000"/>
-                </a:solidFill>
-                <a:effectLst/>
-                <a:latin typeface="-apple-system"/>
-              </a:rPr>
-              <a:t> 주소는 패킷을 </a:t>
-            </a:r>
-            <a:r>
-              <a:rPr lang="ko-KR" altLang="en-US" b="0" i="0" dirty="0" err="1">
-                <a:solidFill>
-                  <a:srgbClr val="000000"/>
-                </a:solidFill>
-                <a:effectLst/>
-                <a:latin typeface="-apple-system"/>
-              </a:rPr>
-              <a:t>건네주는</a:t>
-            </a:r>
-            <a:r>
-              <a:rPr lang="ko-KR" altLang="en-US" b="0" i="0" dirty="0">
-                <a:solidFill>
-                  <a:srgbClr val="000000"/>
-                </a:solidFill>
-                <a:effectLst/>
-                <a:latin typeface="-apple-system"/>
-              </a:rPr>
-              <a:t> 상대의 </a:t>
-            </a:r>
-            <a:r>
-              <a:rPr lang="en-US" altLang="ko-KR" b="0" i="0" dirty="0">
-                <a:solidFill>
-                  <a:srgbClr val="000000"/>
-                </a:solidFill>
-                <a:effectLst/>
-                <a:latin typeface="-apple-system"/>
-              </a:rPr>
-              <a:t>MAC</a:t>
-            </a:r>
-            <a:r>
-              <a:rPr lang="ko-KR" altLang="en-US" b="0" i="0" dirty="0">
-                <a:solidFill>
-                  <a:srgbClr val="000000"/>
-                </a:solidFill>
-                <a:effectLst/>
-                <a:latin typeface="-apple-system"/>
-              </a:rPr>
-              <a:t>주소이다</a:t>
-            </a:r>
-            <a:r>
-              <a:rPr lang="en-US" altLang="ko-KR" b="0" i="0" dirty="0">
-                <a:solidFill>
-                  <a:srgbClr val="000000"/>
-                </a:solidFill>
-                <a:effectLst/>
-                <a:latin typeface="-apple-system"/>
-              </a:rPr>
-              <a:t>. </a:t>
-            </a:r>
-            <a:r>
-              <a:rPr lang="ko-KR" altLang="en-US" b="0" i="0" dirty="0">
-                <a:solidFill>
-                  <a:srgbClr val="000000"/>
-                </a:solidFill>
-                <a:effectLst/>
-                <a:latin typeface="-apple-system"/>
-              </a:rPr>
-              <a:t>허나 </a:t>
-            </a:r>
-            <a:r>
-              <a:rPr lang="en-US" altLang="ko-KR" b="0" i="0" dirty="0">
-                <a:solidFill>
-                  <a:srgbClr val="000000"/>
-                </a:solidFill>
-                <a:effectLst/>
-                <a:latin typeface="-apple-system"/>
-              </a:rPr>
-              <a:t>MAC</a:t>
-            </a:r>
-            <a:r>
-              <a:rPr lang="ko-KR" altLang="en-US" b="0" i="0" dirty="0">
-                <a:solidFill>
-                  <a:srgbClr val="000000"/>
-                </a:solidFill>
-                <a:effectLst/>
-                <a:latin typeface="-apple-system"/>
-              </a:rPr>
-              <a:t>헤더를 작성하는 시점에서 주소를 모르기 때문에 </a:t>
-            </a:r>
-            <a:r>
-              <a:rPr lang="en-US" altLang="ko-KR" b="0" i="0" dirty="0">
-                <a:solidFill>
-                  <a:srgbClr val="000000"/>
-                </a:solidFill>
-                <a:effectLst/>
-                <a:latin typeface="-apple-system"/>
-              </a:rPr>
-              <a:t>IP</a:t>
-            </a:r>
-            <a:r>
-              <a:rPr lang="ko-KR" altLang="en-US" b="0" i="0" dirty="0">
-                <a:solidFill>
-                  <a:srgbClr val="000000"/>
-                </a:solidFill>
-                <a:effectLst/>
-                <a:latin typeface="-apple-system"/>
-              </a:rPr>
-              <a:t>용 경로표에 </a:t>
-            </a:r>
-            <a:r>
-              <a:rPr lang="en-US" altLang="ko-KR" b="0" i="0" dirty="0">
-                <a:solidFill>
-                  <a:srgbClr val="000000"/>
-                </a:solidFill>
-                <a:effectLst/>
-                <a:latin typeface="-apple-system"/>
-              </a:rPr>
-              <a:t>Gateway </a:t>
-            </a:r>
-            <a:r>
-              <a:rPr lang="ko-KR" altLang="en-US" b="0" i="0" dirty="0">
-                <a:solidFill>
-                  <a:srgbClr val="000000"/>
-                </a:solidFill>
-                <a:effectLst/>
-                <a:latin typeface="-apple-system"/>
-              </a:rPr>
-              <a:t>항목에 </a:t>
-            </a:r>
-            <a:r>
-              <a:rPr lang="ko-KR" altLang="en-US" b="0" i="0" dirty="0" err="1">
-                <a:solidFill>
-                  <a:srgbClr val="000000"/>
-                </a:solidFill>
-                <a:effectLst/>
-                <a:latin typeface="-apple-system"/>
-              </a:rPr>
-              <a:t>기록되어있는</a:t>
-            </a:r>
-            <a:r>
-              <a:rPr lang="ko-KR" altLang="en-US" b="0" i="0" dirty="0">
-                <a:solidFill>
-                  <a:srgbClr val="000000"/>
-                </a:solidFill>
-                <a:effectLst/>
-                <a:latin typeface="-apple-system"/>
-              </a:rPr>
-              <a:t> </a:t>
-            </a:r>
-            <a:r>
-              <a:rPr lang="en-US" altLang="ko-KR" b="0" i="0" dirty="0">
-                <a:solidFill>
-                  <a:srgbClr val="000000"/>
-                </a:solidFill>
-                <a:effectLst/>
-                <a:latin typeface="-apple-system"/>
-              </a:rPr>
-              <a:t>IP</a:t>
-            </a:r>
-            <a:r>
-              <a:rPr lang="ko-KR" altLang="en-US" b="0" i="0" dirty="0">
-                <a:solidFill>
-                  <a:srgbClr val="000000"/>
-                </a:solidFill>
-                <a:effectLst/>
-                <a:latin typeface="-apple-system"/>
-              </a:rPr>
-              <a:t>주소의 </a:t>
-            </a:r>
-            <a:r>
-              <a:rPr lang="en-US" altLang="ko-KR" b="0" i="0" dirty="0">
-                <a:solidFill>
-                  <a:srgbClr val="000000"/>
-                </a:solidFill>
-                <a:effectLst/>
-                <a:latin typeface="-apple-system"/>
-              </a:rPr>
-              <a:t>MAC</a:t>
-            </a:r>
-            <a:r>
-              <a:rPr lang="ko-KR" altLang="en-US" b="0" i="0" dirty="0">
-                <a:solidFill>
-                  <a:srgbClr val="000000"/>
-                </a:solidFill>
-                <a:effectLst/>
-                <a:latin typeface="-apple-system"/>
-              </a:rPr>
-              <a:t>주소가 됨</a:t>
-            </a:r>
-            <a:r>
-              <a:rPr lang="en-US" altLang="ko-KR" b="0" i="0" dirty="0">
-                <a:solidFill>
-                  <a:srgbClr val="000000"/>
-                </a:solidFill>
-                <a:effectLst/>
-                <a:latin typeface="-apple-system"/>
-              </a:rPr>
-              <a:t>. </a:t>
-            </a:r>
-            <a:r>
-              <a:rPr lang="ko-KR" altLang="en-US" b="0" i="0" dirty="0">
-                <a:solidFill>
-                  <a:srgbClr val="000000"/>
-                </a:solidFill>
-                <a:effectLst/>
-                <a:latin typeface="-apple-system"/>
-              </a:rPr>
-              <a:t>여기서 </a:t>
-            </a:r>
-            <a:r>
-              <a:rPr lang="en-US" altLang="ko-KR" b="0" i="0" dirty="0">
-                <a:solidFill>
-                  <a:srgbClr val="000000"/>
-                </a:solidFill>
-                <a:effectLst/>
-                <a:latin typeface="-apple-system"/>
-              </a:rPr>
-              <a:t>IP</a:t>
-            </a:r>
-            <a:r>
-              <a:rPr lang="ko-KR" altLang="en-US" b="0" i="0" dirty="0">
-                <a:solidFill>
-                  <a:srgbClr val="000000"/>
-                </a:solidFill>
-                <a:effectLst/>
-                <a:latin typeface="-apple-system"/>
-              </a:rPr>
-              <a:t>주소를 </a:t>
-            </a:r>
-            <a:r>
-              <a:rPr lang="en-US" altLang="ko-KR" b="0" i="0" dirty="0">
-                <a:solidFill>
-                  <a:srgbClr val="000000"/>
-                </a:solidFill>
-                <a:effectLst/>
-                <a:latin typeface="-apple-system"/>
-              </a:rPr>
-              <a:t>MAC</a:t>
-            </a:r>
-            <a:r>
-              <a:rPr lang="ko-KR" altLang="en-US" b="0" i="0" dirty="0">
-                <a:solidFill>
-                  <a:srgbClr val="000000"/>
-                </a:solidFill>
-                <a:effectLst/>
-                <a:latin typeface="-apple-system"/>
-              </a:rPr>
-              <a:t>주소로 </a:t>
-            </a:r>
-            <a:r>
-              <a:rPr lang="ko-KR" altLang="en-US" b="0" i="0" dirty="0" err="1">
-                <a:solidFill>
-                  <a:srgbClr val="000000"/>
-                </a:solidFill>
-                <a:effectLst/>
-                <a:latin typeface="-apple-system"/>
-              </a:rPr>
-              <a:t>바꿀때</a:t>
-            </a:r>
-            <a:r>
-              <a:rPr lang="ko-KR" altLang="en-US" b="0" i="0" dirty="0">
-                <a:solidFill>
-                  <a:srgbClr val="000000"/>
-                </a:solidFill>
-                <a:effectLst/>
-                <a:latin typeface="-apple-system"/>
-              </a:rPr>
-              <a:t> </a:t>
-            </a:r>
-            <a:r>
-              <a:rPr lang="en-US" altLang="ko-KR" b="0" i="0" dirty="0">
-                <a:solidFill>
-                  <a:srgbClr val="000000"/>
-                </a:solidFill>
-                <a:effectLst/>
-                <a:latin typeface="-apple-system"/>
-              </a:rPr>
-              <a:t>ARP</a:t>
-            </a:r>
-            <a:r>
-              <a:rPr lang="ko-KR" altLang="en-US" b="0" i="0" dirty="0">
-                <a:solidFill>
-                  <a:srgbClr val="000000"/>
-                </a:solidFill>
-                <a:effectLst/>
-                <a:latin typeface="-apple-system"/>
-              </a:rPr>
-              <a:t>기법이 사용되는데 이는 잠시 후 확인해보겠다</a:t>
-            </a:r>
-            <a:r>
-              <a:rPr lang="en-US" altLang="ko-KR" b="0" i="0" dirty="0">
-                <a:solidFill>
-                  <a:srgbClr val="000000"/>
-                </a:solidFill>
-                <a:effectLst/>
-                <a:latin typeface="-apple-system"/>
-              </a:rPr>
-              <a:t>.</a:t>
-            </a:r>
-          </a:p>
-          <a:p>
-            <a:pPr marL="0" marR="0" lvl="0" indent="0" algn="l" defTabSz="914400" rtl="0" eaLnBrk="1" fontAlgn="auto" latinLnBrk="1" hangingPunct="1">
-              <a:lnSpc>
-                <a:spcPct val="100000"/>
-              </a:lnSpc>
-              <a:spcBef>
-                <a:spcPts val="0"/>
-              </a:spcBef>
-              <a:spcAft>
-                <a:spcPts val="0"/>
-              </a:spcAft>
-              <a:buClrTx/>
-              <a:buSzTx/>
-              <a:buFontTx/>
-              <a:buNone/>
-              <a:tabLst/>
-              <a:defRPr/>
-            </a:pPr>
-            <a:r>
-              <a:rPr lang="ko-KR" altLang="en-US" b="0" i="0" dirty="0">
-                <a:solidFill>
-                  <a:srgbClr val="000000"/>
-                </a:solidFill>
-                <a:effectLst/>
-                <a:latin typeface="-apple-system"/>
-              </a:rPr>
-              <a:t>그리고 </a:t>
-            </a:r>
-            <a:r>
-              <a:rPr lang="ko-KR" altLang="en-US" b="0" i="0" dirty="0" err="1">
-                <a:solidFill>
-                  <a:srgbClr val="000000"/>
-                </a:solidFill>
-                <a:effectLst/>
-                <a:latin typeface="-apple-system"/>
-              </a:rPr>
-              <a:t>송신처</a:t>
-            </a:r>
-            <a:r>
-              <a:rPr lang="ko-KR" altLang="en-US" b="0" i="0" dirty="0">
-                <a:solidFill>
-                  <a:srgbClr val="000000"/>
-                </a:solidFill>
-                <a:effectLst/>
-                <a:latin typeface="-apple-system"/>
-              </a:rPr>
-              <a:t> </a:t>
-            </a:r>
-            <a:r>
-              <a:rPr lang="en-US" altLang="ko-KR" b="0" i="0" dirty="0">
-                <a:solidFill>
-                  <a:srgbClr val="000000"/>
-                </a:solidFill>
-                <a:effectLst/>
-                <a:latin typeface="-apple-system"/>
-              </a:rPr>
-              <a:t>MAC </a:t>
-            </a:r>
-            <a:r>
-              <a:rPr lang="ko-KR" altLang="en-US" b="0" i="0" dirty="0">
-                <a:solidFill>
-                  <a:srgbClr val="000000"/>
-                </a:solidFill>
-                <a:effectLst/>
-                <a:latin typeface="-apple-system"/>
-              </a:rPr>
-              <a:t>주소는 송신한 측의 </a:t>
-            </a:r>
-            <a:r>
-              <a:rPr lang="en-US" altLang="ko-KR" b="0" i="0" dirty="0">
-                <a:solidFill>
-                  <a:srgbClr val="000000"/>
-                </a:solidFill>
-                <a:effectLst/>
-                <a:latin typeface="-apple-system"/>
-              </a:rPr>
-              <a:t>MAC</a:t>
-            </a:r>
-            <a:r>
-              <a:rPr lang="ko-KR" altLang="en-US" b="0" i="0" dirty="0">
-                <a:solidFill>
-                  <a:srgbClr val="000000"/>
-                </a:solidFill>
-                <a:effectLst/>
-                <a:latin typeface="-apple-system"/>
-              </a:rPr>
-              <a:t>주소인데 </a:t>
-            </a:r>
-            <a:r>
-              <a:rPr lang="en-US" altLang="ko-KR" b="0" i="0" dirty="0">
-                <a:solidFill>
-                  <a:srgbClr val="000000"/>
-                </a:solidFill>
-                <a:effectLst/>
-                <a:latin typeface="-apple-system"/>
-              </a:rPr>
-              <a:t>LAN</a:t>
-            </a:r>
-            <a:r>
-              <a:rPr lang="ko-KR" altLang="en-US" b="0" i="0" dirty="0">
-                <a:solidFill>
-                  <a:srgbClr val="000000"/>
-                </a:solidFill>
-                <a:effectLst/>
-                <a:latin typeface="-apple-system"/>
-              </a:rPr>
-              <a:t>어댑터의 </a:t>
-            </a:r>
-            <a:r>
-              <a:rPr lang="en-US" altLang="ko-KR" b="0" i="0" dirty="0">
-                <a:solidFill>
-                  <a:srgbClr val="000000"/>
-                </a:solidFill>
-                <a:effectLst/>
-                <a:latin typeface="-apple-system"/>
-              </a:rPr>
-              <a:t>ROM</a:t>
-            </a:r>
-            <a:r>
-              <a:rPr lang="ko-KR" altLang="en-US" b="0" i="0" dirty="0">
-                <a:solidFill>
-                  <a:srgbClr val="000000"/>
-                </a:solidFill>
-                <a:effectLst/>
-                <a:latin typeface="-apple-system"/>
-              </a:rPr>
-              <a:t>의 유일한 </a:t>
-            </a:r>
-            <a:r>
-              <a:rPr lang="en-US" altLang="ko-KR" b="0" i="0" dirty="0">
-                <a:solidFill>
-                  <a:srgbClr val="000000"/>
-                </a:solidFill>
-                <a:effectLst/>
-                <a:latin typeface="-apple-system"/>
-              </a:rPr>
-              <a:t>MAC</a:t>
-            </a:r>
-            <a:r>
-              <a:rPr lang="ko-KR" altLang="en-US" b="0" i="0" dirty="0">
-                <a:solidFill>
-                  <a:srgbClr val="000000"/>
-                </a:solidFill>
-                <a:effectLst/>
-                <a:latin typeface="-apple-system"/>
-              </a:rPr>
-              <a:t>주소가 기록되어 있다</a:t>
-            </a:r>
-            <a:r>
-              <a:rPr lang="en-US" altLang="ko-KR" b="0" i="0" dirty="0">
-                <a:solidFill>
-                  <a:srgbClr val="000000"/>
-                </a:solidFill>
-                <a:effectLst/>
-                <a:latin typeface="-apple-system"/>
-              </a:rPr>
-              <a:t>.</a:t>
-            </a:r>
-          </a:p>
-          <a:p>
-            <a:pPr marL="0" marR="0" lvl="0" indent="0" algn="l" defTabSz="914400" rtl="0" eaLnBrk="1" fontAlgn="auto" latinLnBrk="1" hangingPunct="1">
-              <a:lnSpc>
-                <a:spcPct val="100000"/>
-              </a:lnSpc>
-              <a:spcBef>
-                <a:spcPts val="0"/>
-              </a:spcBef>
-              <a:spcAft>
-                <a:spcPts val="0"/>
-              </a:spcAft>
-              <a:buClrTx/>
-              <a:buSzTx/>
-              <a:buFontTx/>
-              <a:buNone/>
-              <a:tabLst/>
-              <a:defRPr/>
-            </a:pPr>
-            <a:r>
-              <a:rPr lang="ko-KR" altLang="en-US" b="0" i="0" dirty="0" err="1">
-                <a:solidFill>
-                  <a:srgbClr val="000000"/>
-                </a:solidFill>
-                <a:effectLst/>
-                <a:latin typeface="-apple-system"/>
-              </a:rPr>
-              <a:t>이더</a:t>
-            </a:r>
-            <a:r>
-              <a:rPr lang="ko-KR" altLang="en-US" b="0" i="0" dirty="0">
-                <a:solidFill>
-                  <a:srgbClr val="000000"/>
-                </a:solidFill>
-                <a:effectLst/>
-                <a:latin typeface="-apple-system"/>
-              </a:rPr>
-              <a:t> 타입은 사용하는 프로토콜의 종류이다</a:t>
-            </a:r>
-            <a:r>
-              <a:rPr lang="en-US" altLang="ko-KR" b="0" i="0" dirty="0">
-                <a:solidFill>
-                  <a:srgbClr val="000000"/>
-                </a:solidFill>
-                <a:effectLst/>
-                <a:latin typeface="-apple-system"/>
-              </a:rPr>
-              <a:t>. </a:t>
-            </a:r>
-            <a:r>
-              <a:rPr lang="ko-KR" altLang="en-US" b="0" i="0" dirty="0">
-                <a:solidFill>
-                  <a:srgbClr val="000000"/>
-                </a:solidFill>
-                <a:effectLst/>
-                <a:latin typeface="-apple-system"/>
-              </a:rPr>
-              <a:t>보통 </a:t>
-            </a:r>
-            <a:r>
-              <a:rPr lang="en-US" altLang="ko-KR" b="0" i="0" dirty="0">
-                <a:solidFill>
-                  <a:srgbClr val="000000"/>
-                </a:solidFill>
-                <a:effectLst/>
-                <a:latin typeface="-apple-system"/>
-              </a:rPr>
-              <a:t>TCP/IP</a:t>
-            </a:r>
-            <a:r>
-              <a:rPr lang="ko-KR" altLang="en-US" b="0" i="0" dirty="0">
-                <a:solidFill>
-                  <a:srgbClr val="000000"/>
-                </a:solidFill>
-                <a:effectLst/>
-                <a:latin typeface="-apple-system"/>
-              </a:rPr>
-              <a:t> 통신에서는 </a:t>
-            </a:r>
-            <a:r>
-              <a:rPr lang="en-US" altLang="ko-KR" b="0" i="0" dirty="0">
-                <a:solidFill>
-                  <a:srgbClr val="000000"/>
-                </a:solidFill>
-                <a:effectLst/>
-                <a:latin typeface="-apple-system"/>
-              </a:rPr>
-              <a:t>0800</a:t>
-            </a:r>
-            <a:r>
-              <a:rPr lang="ko-KR" altLang="en-US" b="0" i="0" dirty="0">
-                <a:solidFill>
-                  <a:srgbClr val="000000"/>
-                </a:solidFill>
-                <a:effectLst/>
-                <a:latin typeface="-apple-system"/>
-              </a:rPr>
-              <a:t>과</a:t>
-            </a:r>
-            <a:r>
-              <a:rPr lang="en-US" altLang="ko-KR" b="0" i="0" dirty="0">
-                <a:solidFill>
-                  <a:srgbClr val="000000"/>
-                </a:solidFill>
-                <a:effectLst/>
-                <a:latin typeface="-apple-system"/>
-              </a:rPr>
-              <a:t> 0806 </a:t>
-            </a:r>
-            <a:r>
-              <a:rPr lang="ko-KR" altLang="en-US" b="0" i="0" dirty="0">
-                <a:solidFill>
-                  <a:srgbClr val="000000"/>
-                </a:solidFill>
-                <a:effectLst/>
-                <a:latin typeface="-apple-system"/>
-              </a:rPr>
-              <a:t>두개만 사용된다</a:t>
-            </a:r>
-            <a:r>
-              <a:rPr lang="en-US" altLang="ko-KR" b="0" i="0" dirty="0">
-                <a:solidFill>
-                  <a:srgbClr val="000000"/>
-                </a:solidFill>
-                <a:effectLst/>
-                <a:latin typeface="-apple-system"/>
-              </a:rPr>
-              <a:t>.</a:t>
-            </a:r>
-          </a:p>
-          <a:p>
-            <a:pPr marL="0" marR="0" lvl="0" indent="0" algn="l" defTabSz="914400" rtl="0" eaLnBrk="1" fontAlgn="auto" latinLnBrk="1" hangingPunct="1">
-              <a:lnSpc>
-                <a:spcPct val="100000"/>
-              </a:lnSpc>
-              <a:spcBef>
-                <a:spcPts val="0"/>
-              </a:spcBef>
-              <a:spcAft>
-                <a:spcPts val="0"/>
-              </a:spcAft>
-              <a:buClrTx/>
-              <a:buSzTx/>
-              <a:buFontTx/>
-              <a:buNone/>
-              <a:tabLst/>
-              <a:defRPr/>
-            </a:pPr>
-            <a:endParaRPr lang="en-US" altLang="ko-KR" b="0" i="0" dirty="0">
-              <a:solidFill>
-                <a:srgbClr val="000000"/>
-              </a:solidFill>
-              <a:effectLst/>
-              <a:latin typeface="-apple-system"/>
-            </a:endParaRPr>
-          </a:p>
-          <a:p>
-            <a:pPr marL="0" marR="0" lvl="0" indent="0" algn="l" defTabSz="914400" rtl="0" eaLnBrk="1" fontAlgn="auto" latinLnBrk="1" hangingPunct="1">
-              <a:lnSpc>
-                <a:spcPct val="100000"/>
-              </a:lnSpc>
-              <a:spcBef>
-                <a:spcPts val="0"/>
-              </a:spcBef>
-              <a:spcAft>
-                <a:spcPts val="0"/>
-              </a:spcAft>
-              <a:buClrTx/>
-              <a:buSzTx/>
-              <a:buFontTx/>
-              <a:buNone/>
-              <a:tabLst/>
-              <a:defRPr/>
-            </a:pPr>
-            <a:endParaRPr lang="en-US" altLang="ko-KR" b="0" i="0" dirty="0">
-              <a:solidFill>
-                <a:srgbClr val="000000"/>
-              </a:solidFill>
-              <a:effectLst/>
-              <a:latin typeface="-apple-system"/>
-            </a:endParaRPr>
-          </a:p>
-          <a:p>
-            <a:pPr marL="0" marR="0" lvl="0" indent="0" algn="l" defTabSz="914400" rtl="0" eaLnBrk="1" fontAlgn="auto" latinLnBrk="1" hangingPunct="1">
-              <a:lnSpc>
-                <a:spcPct val="100000"/>
-              </a:lnSpc>
-              <a:spcBef>
-                <a:spcPts val="0"/>
-              </a:spcBef>
-              <a:spcAft>
-                <a:spcPts val="0"/>
-              </a:spcAft>
-              <a:buClrTx/>
-              <a:buSzTx/>
-              <a:buFontTx/>
-              <a:buNone/>
-              <a:tabLst/>
-              <a:defRPr/>
-            </a:pPr>
-            <a:endParaRPr lang="en-US" altLang="ko-KR" b="0" i="0" dirty="0">
-              <a:solidFill>
-                <a:srgbClr val="000000"/>
-              </a:solidFill>
-              <a:effectLst/>
-              <a:latin typeface="-apple-system"/>
-            </a:endParaRPr>
-          </a:p>
-          <a:p>
-            <a:pPr marL="0" marR="0" lvl="0" indent="0" algn="l" defTabSz="914400" rtl="0" eaLnBrk="1" fontAlgn="auto" latinLnBrk="1" hangingPunct="1">
-              <a:lnSpc>
-                <a:spcPct val="100000"/>
-              </a:lnSpc>
-              <a:spcBef>
-                <a:spcPts val="0"/>
-              </a:spcBef>
-              <a:spcAft>
-                <a:spcPts val="0"/>
-              </a:spcAft>
-              <a:buClrTx/>
-              <a:buSzTx/>
-              <a:buFontTx/>
-              <a:buNone/>
-              <a:tabLst/>
-              <a:defRPr/>
-            </a:pPr>
-            <a:endParaRPr lang="en-US" altLang="ko-KR" b="0" i="0" dirty="0">
-              <a:solidFill>
-                <a:srgbClr val="000000"/>
-              </a:solidFill>
-              <a:effectLst/>
-              <a:latin typeface="-apple-system"/>
-            </a:endParaRPr>
-          </a:p>
-          <a:p>
-            <a:pPr marL="0" marR="0" lvl="0" indent="0" algn="l" defTabSz="914400" rtl="0" eaLnBrk="1" fontAlgn="auto" latinLnBrk="1" hangingPunct="1">
-              <a:lnSpc>
-                <a:spcPct val="100000"/>
-              </a:lnSpc>
-              <a:spcBef>
-                <a:spcPts val="0"/>
-              </a:spcBef>
-              <a:spcAft>
-                <a:spcPts val="0"/>
-              </a:spcAft>
-              <a:buClrTx/>
-              <a:buSzTx/>
-              <a:buFontTx/>
-              <a:buNone/>
-              <a:tabLst/>
-              <a:defRPr/>
-            </a:pPr>
-            <a:endParaRPr lang="ko-KR" altLang="en-US" b="0" i="0" dirty="0">
-              <a:solidFill>
-                <a:srgbClr val="000000"/>
-              </a:solidFill>
-              <a:effectLst/>
-              <a:latin typeface="-apple-system"/>
-            </a:endParaRPr>
-          </a:p>
-          <a:p>
-            <a:pPr marL="0" marR="0" lvl="0" indent="0" algn="l" defTabSz="914400" rtl="0" eaLnBrk="1" fontAlgn="auto" latinLnBrk="1" hangingPunct="1">
-              <a:lnSpc>
-                <a:spcPct val="100000"/>
-              </a:lnSpc>
-              <a:spcBef>
-                <a:spcPts val="0"/>
-              </a:spcBef>
-              <a:spcAft>
-                <a:spcPts val="0"/>
-              </a:spcAft>
-              <a:buClrTx/>
-              <a:buSzTx/>
-              <a:buFontTx/>
-              <a:buNone/>
-              <a:tabLst/>
-              <a:defRPr/>
-            </a:pPr>
-            <a:endParaRPr lang="en-US" altLang="ko-KR" b="0" i="0" dirty="0">
-              <a:solidFill>
-                <a:srgbClr val="000000"/>
-              </a:solidFill>
-              <a:effectLst/>
-              <a:latin typeface="-apple-system"/>
-            </a:endParaRPr>
-          </a:p>
-          <a:p>
-            <a:pPr marL="0" marR="0" lvl="0" indent="0" algn="l" defTabSz="914400" rtl="0" eaLnBrk="1" fontAlgn="auto" latinLnBrk="1" hangingPunct="1">
-              <a:lnSpc>
-                <a:spcPct val="100000"/>
-              </a:lnSpc>
-              <a:spcBef>
-                <a:spcPts val="0"/>
-              </a:spcBef>
-              <a:spcAft>
-                <a:spcPts val="0"/>
-              </a:spcAft>
-              <a:buClrTx/>
-              <a:buSzTx/>
-              <a:buFontTx/>
-              <a:buNone/>
-              <a:tabLst/>
-              <a:defRPr/>
-            </a:pPr>
-            <a:endParaRPr lang="en-US" altLang="ko-KR" b="0" i="0" dirty="0">
-              <a:solidFill>
-                <a:srgbClr val="000000"/>
-              </a:solidFill>
-              <a:effectLst/>
-              <a:latin typeface="-apple-system"/>
-            </a:endParaRPr>
-          </a:p>
-          <a:p>
-            <a:pPr marL="0" marR="0" lvl="0" indent="0" algn="l" defTabSz="914400" rtl="0" eaLnBrk="1" fontAlgn="auto" latinLnBrk="1" hangingPunct="1">
-              <a:lnSpc>
-                <a:spcPct val="100000"/>
-              </a:lnSpc>
-              <a:spcBef>
-                <a:spcPts val="0"/>
-              </a:spcBef>
-              <a:spcAft>
-                <a:spcPts val="0"/>
-              </a:spcAft>
-              <a:buClrTx/>
-              <a:buSzTx/>
-              <a:buFontTx/>
-              <a:buNone/>
-              <a:tabLst/>
-              <a:defRPr/>
-            </a:pPr>
-            <a:endParaRPr lang="en-US" altLang="ko-KR" b="0" i="0" dirty="0">
-              <a:solidFill>
-                <a:srgbClr val="000000"/>
-              </a:solidFill>
-              <a:effectLst/>
-              <a:latin typeface="-apple-system"/>
-            </a:endParaRPr>
+            <a:endParaRPr lang="ko-KR" altLang="en-US" dirty="0"/>
           </a:p>
           <a:p>
             <a:endParaRPr lang="en-US" altLang="ko-KR" dirty="0"/>
@@ -5056,7 +4058,7 @@
           <a:p>
             <a:fld id="{75152752-F12A-4471-982A-FC6C9CE39BBC}" type="slidenum">
               <a:rPr lang="ko-KR" altLang="en-US" smtClean="0"/>
-              <a:t>11</a:t>
+              <a:t>10</a:t>
             </a:fld>
             <a:endParaRPr lang="ko-KR" altLang="en-US"/>
           </a:p>
@@ -5065,7 +4067,7 @@
     </p:spTree>
     <p:extLst>
       <p:ext uri="{BB962C8B-B14F-4D97-AF65-F5344CB8AC3E}">
-        <p14:creationId xmlns:p14="http://schemas.microsoft.com/office/powerpoint/2010/main" val="1054901248"/>
+        <p14:creationId xmlns:p14="http://schemas.microsoft.com/office/powerpoint/2010/main" val="3660358238"/>
       </p:ext>
     </p:extLst>
   </p:cSld>
@@ -5119,11 +4121,260 @@
           <a:bodyPr/>
           <a:lstStyle/>
           <a:p>
-            <a:pPr algn="l">
-              <a:buFont typeface="+mj-lt"/>
-              <a:buAutoNum type="arabicPeriod"/>
+            <a:pPr marL="0" marR="0" lvl="0" indent="0" algn="l" defTabSz="914400" rtl="0" eaLnBrk="1" fontAlgn="auto" latinLnBrk="1" hangingPunct="1">
+              <a:lnSpc>
+                <a:spcPct val="100000"/>
+              </a:lnSpc>
+              <a:spcBef>
+                <a:spcPts val="0"/>
+              </a:spcBef>
+              <a:spcAft>
+                <a:spcPts val="0"/>
+              </a:spcAft>
+              <a:buClrTx/>
+              <a:buSzTx/>
+              <a:buFontTx/>
+              <a:buNone/>
+              <a:tabLst/>
+              <a:defRPr/>
             </a:pPr>
             <a:r>
+              <a:rPr lang="en-US" altLang="ko-KR" dirty="0"/>
+              <a:t>IP </a:t>
+            </a:r>
+            <a:r>
+              <a:rPr lang="ko-KR" altLang="en-US" dirty="0"/>
+              <a:t>담당부분에서는 </a:t>
+            </a:r>
+            <a:r>
+              <a:rPr lang="en-US" altLang="ko-KR" dirty="0"/>
+              <a:t>TCP</a:t>
+            </a:r>
+            <a:r>
+              <a:rPr lang="ko-KR" altLang="en-US" dirty="0"/>
+              <a:t>헤더와 데이터를 하나의 데이터라고 본다</a:t>
+            </a:r>
+            <a:r>
+              <a:rPr lang="en-US" altLang="ko-KR" dirty="0"/>
+              <a:t>.</a:t>
+            </a:r>
+            <a:endParaRPr lang="ko-KR" altLang="en-US" dirty="0"/>
+          </a:p>
+          <a:p>
+            <a:pPr marL="0" marR="0" lvl="0" indent="0" algn="l" defTabSz="914400" rtl="0" eaLnBrk="1" fontAlgn="auto" latinLnBrk="1" hangingPunct="1">
+              <a:lnSpc>
+                <a:spcPct val="100000"/>
+              </a:lnSpc>
+              <a:spcBef>
+                <a:spcPts val="0"/>
+              </a:spcBef>
+              <a:spcAft>
+                <a:spcPts val="0"/>
+              </a:spcAft>
+              <a:buClrTx/>
+              <a:buSzTx/>
+              <a:buFontTx/>
+              <a:buNone/>
+              <a:tabLst/>
+              <a:defRPr/>
+            </a:pPr>
+            <a:endParaRPr lang="ko-KR" altLang="en-US" dirty="0"/>
+          </a:p>
+          <a:p>
+            <a:r>
+              <a:rPr lang="en-US" altLang="ko-KR" dirty="0"/>
+              <a:t>IP</a:t>
+            </a:r>
+            <a:r>
+              <a:rPr lang="ko-KR" altLang="en-US" dirty="0"/>
+              <a:t>헤더를 살펴보면 버전</a:t>
+            </a:r>
+            <a:r>
+              <a:rPr lang="en-US" altLang="ko-KR" dirty="0"/>
+              <a:t>, </a:t>
+            </a:r>
+            <a:r>
+              <a:rPr lang="ko-KR" altLang="en-US" dirty="0"/>
+              <a:t>헤더길이</a:t>
+            </a:r>
+            <a:r>
+              <a:rPr lang="en-US" altLang="ko-KR" dirty="0"/>
+              <a:t>, </a:t>
+            </a:r>
+            <a:r>
+              <a:rPr lang="ko-KR" altLang="en-US" dirty="0"/>
+              <a:t>서비스 유형</a:t>
+            </a:r>
+            <a:r>
+              <a:rPr lang="en-US" altLang="ko-KR" dirty="0"/>
+              <a:t>, </a:t>
+            </a:r>
+            <a:r>
+              <a:rPr lang="ko-KR" altLang="en-US" dirty="0"/>
+              <a:t>플래그</a:t>
+            </a:r>
+            <a:r>
+              <a:rPr lang="en-US" altLang="ko-KR" dirty="0"/>
+              <a:t>, </a:t>
+            </a:r>
+            <a:r>
+              <a:rPr lang="ko-KR" altLang="en-US" dirty="0"/>
+              <a:t>생존 기간</a:t>
+            </a:r>
+            <a:r>
+              <a:rPr lang="en-US" altLang="ko-KR" dirty="0"/>
+              <a:t>, </a:t>
+            </a:r>
+            <a:r>
+              <a:rPr lang="ko-KR" altLang="en-US" dirty="0"/>
+              <a:t>프로토콜번호</a:t>
+            </a:r>
+            <a:r>
+              <a:rPr lang="en-US" altLang="ko-KR" dirty="0"/>
+              <a:t>, </a:t>
+            </a:r>
+            <a:r>
+              <a:rPr lang="ko-KR" altLang="en-US" dirty="0" err="1"/>
+              <a:t>체크점</a:t>
+            </a:r>
+            <a:r>
+              <a:rPr lang="en-US" altLang="ko-KR" dirty="0"/>
+              <a:t>, </a:t>
+            </a:r>
+            <a:r>
+              <a:rPr lang="ko-KR" altLang="en-US" dirty="0" err="1"/>
+              <a:t>송신처</a:t>
+            </a:r>
+            <a:r>
+              <a:rPr lang="en-US" altLang="ko-KR" dirty="0"/>
+              <a:t>IP</a:t>
+            </a:r>
+            <a:r>
+              <a:rPr lang="ko-KR" altLang="en-US" dirty="0"/>
+              <a:t>주소</a:t>
+            </a:r>
+            <a:r>
+              <a:rPr lang="en-US" altLang="ko-KR" dirty="0"/>
+              <a:t>, </a:t>
+            </a:r>
+            <a:r>
+              <a:rPr lang="ko-KR" altLang="en-US" dirty="0"/>
+              <a:t>수신 </a:t>
+            </a:r>
+            <a:r>
+              <a:rPr lang="en-US" altLang="ko-KR" dirty="0"/>
+              <a:t>IP</a:t>
+            </a:r>
+            <a:r>
+              <a:rPr lang="ko-KR" altLang="en-US" dirty="0"/>
+              <a:t>주소 등 다양한 </a:t>
+            </a:r>
+            <a:r>
+              <a:rPr lang="en-US" altLang="ko-KR" dirty="0"/>
+              <a:t>IP</a:t>
+            </a:r>
+            <a:r>
+              <a:rPr lang="ko-KR" altLang="en-US" dirty="0"/>
+              <a:t>의 제어정보들이 있다</a:t>
+            </a:r>
+            <a:r>
+              <a:rPr lang="en-US" altLang="ko-KR" dirty="0"/>
+              <a:t>. </a:t>
+            </a:r>
+            <a:r>
+              <a:rPr lang="ko-KR" altLang="en-US" dirty="0"/>
+              <a:t>그 중 유심히 봐야할 것들은 </a:t>
+            </a:r>
+            <a:r>
+              <a:rPr lang="ko-KR" altLang="en-US" dirty="0" err="1"/>
+              <a:t>송선처</a:t>
+            </a:r>
+            <a:r>
+              <a:rPr lang="ko-KR" altLang="en-US" dirty="0"/>
+              <a:t> </a:t>
+            </a:r>
+            <a:r>
+              <a:rPr lang="en-US" altLang="ko-KR" dirty="0"/>
+              <a:t>IP</a:t>
+            </a:r>
+            <a:r>
+              <a:rPr lang="ko-KR" altLang="en-US" dirty="0"/>
+              <a:t>주소</a:t>
+            </a:r>
+            <a:r>
+              <a:rPr lang="en-US" altLang="ko-KR" dirty="0"/>
+              <a:t>, </a:t>
+            </a:r>
+            <a:r>
+              <a:rPr lang="ko-KR" altLang="en-US" dirty="0"/>
+              <a:t>수신처 </a:t>
+            </a:r>
+            <a:r>
+              <a:rPr lang="en-US" altLang="ko-KR" dirty="0"/>
+              <a:t>IP</a:t>
+            </a:r>
+            <a:r>
+              <a:rPr lang="ko-KR" altLang="en-US" dirty="0"/>
+              <a:t>주소</a:t>
+            </a:r>
+            <a:r>
+              <a:rPr lang="en-US" altLang="ko-KR" dirty="0"/>
+              <a:t>, </a:t>
+            </a:r>
+            <a:r>
+              <a:rPr lang="ko-KR" altLang="en-US" dirty="0"/>
+              <a:t>프로토콜 번호이다</a:t>
+            </a:r>
+            <a:r>
+              <a:rPr lang="en-US" altLang="ko-KR" dirty="0"/>
+              <a:t>.</a:t>
+            </a:r>
+          </a:p>
+          <a:p>
+            <a:pPr marL="0" marR="0" lvl="0" indent="0" algn="l" defTabSz="914400" rtl="0" eaLnBrk="1" fontAlgn="auto" latinLnBrk="1" hangingPunct="1">
+              <a:lnSpc>
+                <a:spcPct val="100000"/>
+              </a:lnSpc>
+              <a:spcBef>
+                <a:spcPts val="0"/>
+              </a:spcBef>
+              <a:spcAft>
+                <a:spcPts val="0"/>
+              </a:spcAft>
+              <a:buClrTx/>
+              <a:buSzTx/>
+              <a:buFontTx/>
+              <a:buNone/>
+              <a:tabLst/>
+              <a:defRPr/>
+            </a:pPr>
+            <a:r>
+              <a:rPr lang="ko-KR" altLang="en-US" dirty="0" err="1"/>
+              <a:t>송신처</a:t>
+            </a:r>
+            <a:r>
+              <a:rPr lang="ko-KR" altLang="en-US" dirty="0"/>
+              <a:t> </a:t>
+            </a:r>
+            <a:r>
+              <a:rPr lang="en-US" altLang="ko-KR" dirty="0"/>
+              <a:t>IP</a:t>
+            </a:r>
+            <a:r>
+              <a:rPr lang="ko-KR" altLang="en-US" dirty="0"/>
+              <a:t>주소는 </a:t>
+            </a:r>
+            <a:r>
+              <a:rPr lang="en-US" altLang="ko-KR" b="0" i="0" dirty="0">
+                <a:solidFill>
+                  <a:srgbClr val="000000"/>
+                </a:solidFill>
+                <a:effectLst/>
+                <a:latin typeface="-apple-system"/>
+              </a:rPr>
+              <a:t>LAN </a:t>
+            </a:r>
+            <a:r>
               <a:rPr lang="ko-KR" altLang="en-US" b="0" i="0" dirty="0">
                 <a:solidFill>
                   <a:srgbClr val="000000"/>
@@ -5131,7 +4382,7 @@
                 <a:effectLst/>
                 <a:latin typeface="-apple-system"/>
               </a:rPr>
-              <a:t>송신자는 목적지 물리주소가 필요하므로</a:t>
+              <a:t>어댑터가 여러 개일 수 있는데 라우터가 결정되면 어느 </a:t>
             </a:r>
             <a:r>
               <a:rPr lang="en-US" altLang="ko-KR" b="0" i="0" dirty="0">
@@ -5141,7 +4392,7 @@
                 <a:effectLst/>
                 <a:latin typeface="-apple-system"/>
               </a:rPr>
-              <a:t>, </a:t>
+              <a:t>LAN </a:t>
             </a:r>
             <a:r>
               <a:rPr lang="ko-KR" altLang="en-US" b="0" i="0" dirty="0">
@@ -5151,7 +4402,7 @@
                 <a:effectLst/>
                 <a:latin typeface="-apple-system"/>
               </a:rPr>
-              <a:t>물리주소 요청을 위한 </a:t>
+              <a:t>어댑터에서 송신할지 판단해여 그 </a:t>
             </a:r>
             <a:r>
               <a:rPr lang="en-US" altLang="ko-KR" b="0" i="0" dirty="0">
@@ -5161,7 +4412,7 @@
                 <a:effectLst/>
                 <a:latin typeface="-apple-system"/>
               </a:rPr>
-              <a:t>APR</a:t>
+              <a:t>LAN </a:t>
             </a:r>
             <a:r>
               <a:rPr lang="ko-KR" altLang="en-US" b="0" i="0" dirty="0">
@@ -5171,7 +4422,206 @@
                 <a:effectLst/>
                 <a:latin typeface="-apple-system"/>
               </a:rPr>
-              <a:t>요청 패킷을 </a:t>
+              <a:t>어댑터의 </a:t>
+            </a:r>
+            <a:r>
+              <a:rPr lang="en-US" altLang="ko-KR" b="0" i="0" dirty="0">
+                <a:solidFill>
+                  <a:srgbClr val="000000"/>
+                </a:solidFill>
+                <a:effectLst/>
+                <a:latin typeface="-apple-system"/>
+              </a:rPr>
+              <a:t>IP</a:t>
+            </a:r>
+            <a:r>
+              <a:rPr lang="ko-KR" altLang="en-US" b="0" i="0" dirty="0">
+                <a:solidFill>
+                  <a:srgbClr val="000000"/>
+                </a:solidFill>
+                <a:effectLst/>
+                <a:latin typeface="-apple-system"/>
+              </a:rPr>
+              <a:t>주소로 한다</a:t>
+            </a:r>
+            <a:r>
+              <a:rPr lang="en-US" altLang="ko-KR" b="0" i="0" dirty="0">
+                <a:solidFill>
+                  <a:srgbClr val="000000"/>
+                </a:solidFill>
+                <a:effectLst/>
+                <a:latin typeface="-apple-system"/>
+              </a:rPr>
+              <a:t>.</a:t>
+            </a:r>
+          </a:p>
+          <a:p>
+            <a:pPr marL="0" marR="0" lvl="0" indent="0" algn="l" defTabSz="914400" rtl="0" eaLnBrk="1" fontAlgn="auto" latinLnBrk="1" hangingPunct="1">
+              <a:lnSpc>
+                <a:spcPct val="100000"/>
+              </a:lnSpc>
+              <a:spcBef>
+                <a:spcPts val="0"/>
+              </a:spcBef>
+              <a:spcAft>
+                <a:spcPts val="0"/>
+              </a:spcAft>
+              <a:buClrTx/>
+              <a:buSzTx/>
+              <a:buFontTx/>
+              <a:buNone/>
+              <a:tabLst/>
+              <a:defRPr/>
+            </a:pPr>
+            <a:r>
+              <a:rPr lang="ko-KR" altLang="en-US" b="0" i="0" dirty="0">
+                <a:solidFill>
+                  <a:srgbClr val="000000"/>
+                </a:solidFill>
+                <a:effectLst/>
+                <a:latin typeface="-apple-system"/>
+              </a:rPr>
+              <a:t>수신처 </a:t>
+            </a:r>
+            <a:r>
+              <a:rPr lang="en-US" altLang="ko-KR" b="0" i="0" dirty="0">
+                <a:solidFill>
+                  <a:srgbClr val="000000"/>
+                </a:solidFill>
+                <a:effectLst/>
+                <a:latin typeface="-apple-system"/>
+              </a:rPr>
+              <a:t>IP</a:t>
+            </a:r>
+            <a:r>
+              <a:rPr lang="ko-KR" altLang="en-US" b="0" i="0" dirty="0">
+                <a:solidFill>
+                  <a:srgbClr val="000000"/>
+                </a:solidFill>
+                <a:effectLst/>
+                <a:latin typeface="-apple-system"/>
+              </a:rPr>
+              <a:t>주소는 </a:t>
+            </a:r>
+            <a:r>
+              <a:rPr lang="en-US" altLang="ko-KR" b="0" i="0" dirty="0">
+                <a:solidFill>
+                  <a:srgbClr val="000000"/>
+                </a:solidFill>
+                <a:effectLst/>
+                <a:latin typeface="-apple-system"/>
+              </a:rPr>
+              <a:t>TCP</a:t>
+            </a:r>
+            <a:r>
+              <a:rPr lang="ko-KR" altLang="en-US" b="0" i="0" dirty="0">
+                <a:solidFill>
+                  <a:srgbClr val="000000"/>
+                </a:solidFill>
+                <a:effectLst/>
+                <a:latin typeface="-apple-system"/>
+              </a:rPr>
+              <a:t>의 접속 동작을 실행할 때 애플리케이션에서 통지된 </a:t>
+            </a:r>
+            <a:r>
+              <a:rPr lang="en-US" altLang="ko-KR" b="0" i="0" dirty="0">
+                <a:solidFill>
+                  <a:srgbClr val="000000"/>
+                </a:solidFill>
+                <a:effectLst/>
+                <a:latin typeface="-apple-system"/>
+              </a:rPr>
+              <a:t>IP</a:t>
+            </a:r>
+            <a:r>
+              <a:rPr lang="ko-KR" altLang="en-US" b="0" i="0" dirty="0">
+                <a:solidFill>
+                  <a:srgbClr val="000000"/>
+                </a:solidFill>
+                <a:effectLst/>
+                <a:latin typeface="-apple-system"/>
+              </a:rPr>
+              <a:t>주소를 그대로 수신처 </a:t>
+            </a:r>
+            <a:r>
+              <a:rPr lang="en-US" altLang="ko-KR" b="0" i="0" dirty="0">
+                <a:solidFill>
+                  <a:srgbClr val="000000"/>
+                </a:solidFill>
+                <a:effectLst/>
+                <a:latin typeface="-apple-system"/>
+              </a:rPr>
+              <a:t>IP</a:t>
+            </a:r>
+            <a:r>
+              <a:rPr lang="ko-KR" altLang="en-US" b="0" i="0" dirty="0">
+                <a:solidFill>
+                  <a:srgbClr val="000000"/>
+                </a:solidFill>
+                <a:effectLst/>
+                <a:latin typeface="-apple-system"/>
+              </a:rPr>
+              <a:t>주소로 설정한다</a:t>
+            </a:r>
+            <a:r>
+              <a:rPr lang="en-US" altLang="ko-KR" b="0" i="0" dirty="0">
+                <a:solidFill>
+                  <a:srgbClr val="000000"/>
+                </a:solidFill>
+                <a:effectLst/>
+                <a:latin typeface="-apple-system"/>
+              </a:rPr>
+              <a:t>. </a:t>
+            </a:r>
+            <a:r>
+              <a:rPr lang="ko-KR" altLang="en-US" b="0" i="0" dirty="0">
+                <a:solidFill>
+                  <a:srgbClr val="000000"/>
+                </a:solidFill>
+                <a:effectLst/>
+                <a:latin typeface="-apple-system"/>
+              </a:rPr>
+              <a:t>수신처 </a:t>
+            </a:r>
+            <a:r>
+              <a:rPr lang="en-US" altLang="ko-KR" b="0" i="0" dirty="0">
+                <a:solidFill>
+                  <a:srgbClr val="000000"/>
+                </a:solidFill>
+                <a:effectLst/>
+                <a:latin typeface="-apple-system"/>
+              </a:rPr>
+              <a:t>IP</a:t>
+            </a:r>
+            <a:r>
+              <a:rPr lang="ko-KR" altLang="en-US" b="0" i="0" dirty="0">
+                <a:solidFill>
+                  <a:srgbClr val="000000"/>
+                </a:solidFill>
+                <a:effectLst/>
+                <a:latin typeface="-apple-system"/>
+              </a:rPr>
+              <a:t>주소는 </a:t>
+            </a:r>
+            <a:r>
+              <a:rPr lang="en-US" altLang="ko-KR" b="0" i="0" dirty="0">
+                <a:solidFill>
+                  <a:srgbClr val="000000"/>
+                </a:solidFill>
+                <a:effectLst/>
+                <a:latin typeface="-apple-system"/>
+              </a:rPr>
+              <a:t>IP</a:t>
+            </a:r>
+            <a:r>
+              <a:rPr lang="ko-KR" altLang="en-US" b="0" i="0" dirty="0">
+                <a:solidFill>
+                  <a:srgbClr val="000000"/>
+                </a:solidFill>
+                <a:effectLst/>
+                <a:latin typeface="-apple-system"/>
+              </a:rPr>
+              <a:t>에서 판단하는 </a:t>
             </a:r>
             <a:r>
               <a:rPr lang="ko-KR" altLang="en-US" b="0" i="0" dirty="0" err="1">
@@ -5181,7 +4631,7 @@
                 <a:effectLst/>
                 <a:latin typeface="-apple-system"/>
               </a:rPr>
-              <a:t>브로드캐스트</a:t>
+              <a:t>것이라니라</a:t>
             </a:r>
             <a:r>
               <a:rPr lang="ko-KR" altLang="en-US" b="0" i="0" dirty="0">
@@ -5191,15 +4641,48 @@
                 <a:effectLst/>
                 <a:latin typeface="-apple-system"/>
               </a:rPr>
-              <a:t> 전송</a:t>
-            </a:r>
-          </a:p>
-          <a:p>
-            <a:pPr marL="742950" lvl="1" indent="-285750" algn="l">
-              <a:buFont typeface="+mj-lt"/>
-              <a:buAutoNum type="arabicPeriod"/>
+              <a:t> 어플리케이션에서 판단한다</a:t>
+            </a:r>
+            <a:r>
+              <a:rPr lang="en-US" altLang="ko-KR" b="0" i="0" dirty="0">
+                <a:solidFill>
+                  <a:srgbClr val="000000"/>
+                </a:solidFill>
+                <a:effectLst/>
+                <a:latin typeface="-apple-system"/>
+              </a:rPr>
+              <a:t>.</a:t>
+            </a:r>
+          </a:p>
+          <a:p>
+            <a:pPr marL="0" marR="0" lvl="0" indent="0" algn="l" defTabSz="914400" rtl="0" eaLnBrk="1" fontAlgn="auto" latinLnBrk="1" hangingPunct="1">
+              <a:lnSpc>
+                <a:spcPct val="100000"/>
+              </a:lnSpc>
+              <a:spcBef>
+                <a:spcPts val="0"/>
+              </a:spcBef>
+              <a:spcAft>
+                <a:spcPts val="0"/>
+              </a:spcAft>
+              <a:buClrTx/>
+              <a:buSzTx/>
+              <a:buFontTx/>
+              <a:buNone/>
+              <a:tabLst/>
+              <a:defRPr/>
             </a:pPr>
             <a:r>
+              <a:rPr lang="ko-KR" altLang="en-US" b="0" i="0" dirty="0">
+                <a:solidFill>
+                  <a:srgbClr val="000000"/>
+                </a:solidFill>
+                <a:effectLst/>
+                <a:latin typeface="-apple-system"/>
+              </a:rPr>
+              <a:t>프로토콜 번호는 어디에서 </a:t>
+            </a:r>
+            <a:r>
               <a:rPr lang="ko-KR" altLang="en-US" b="0" i="0" dirty="0" err="1">
                 <a:solidFill>
                   <a:srgbClr val="000000"/>
@@ -5207,7 +4690,7 @@
                 <a:effectLst/>
                 <a:latin typeface="-apple-system"/>
               </a:rPr>
-              <a:t>브로드캐스트를</a:t>
+              <a:t>의뢰받은</a:t>
             </a:r>
             <a:r>
               <a:rPr lang="ko-KR" altLang="en-US" b="0" i="0" dirty="0">
@@ -5217,14 +4700,18 @@
                 <a:effectLst/>
                 <a:latin typeface="-apple-system"/>
               </a:rPr>
-              <a:t> 하는 이유는 목적지의 물리 주소를 모르므로 모두에게 요청</a:t>
-            </a:r>
-          </a:p>
-          <a:p>
-            <a:pPr marL="742950" lvl="1" indent="-285750" algn="l">
-              <a:buFont typeface="+mj-lt"/>
-              <a:buAutoNum type="arabicPeriod"/>
-            </a:pPr>
+              <a:t> 것인지를 나타내는 값이다</a:t>
+            </a:r>
+            <a:r>
+              <a:rPr lang="en-US" altLang="ko-KR" b="0" i="0" dirty="0">
+                <a:solidFill>
+                  <a:srgbClr val="000000"/>
+                </a:solidFill>
+                <a:effectLst/>
+                <a:latin typeface="-apple-system"/>
+              </a:rPr>
+              <a:t>. </a:t>
+            </a:r>
             <a:r>
               <a:rPr lang="ko-KR" altLang="en-US" b="0" i="0" dirty="0">
                 <a:solidFill>
@@ -5233,14 +4720,18 @@
                 <a:effectLst/>
                 <a:latin typeface="-apple-system"/>
               </a:rPr>
-              <a:t>요청 패킷에는 수신자가 수신자 주소를 응답할 때 필요한 송신자 주소 포함</a:t>
-            </a:r>
-          </a:p>
-          <a:p>
-            <a:pPr algn="l">
-              <a:buFont typeface="+mj-lt"/>
-              <a:buAutoNum type="arabicPeriod"/>
-            </a:pPr>
+              <a:t>예를 들면 </a:t>
+            </a:r>
+            <a:r>
+              <a:rPr lang="en-US" altLang="ko-KR" b="0" i="0" dirty="0">
+                <a:solidFill>
+                  <a:srgbClr val="000000"/>
+                </a:solidFill>
+                <a:effectLst/>
+                <a:latin typeface="-apple-system"/>
+              </a:rPr>
+              <a:t>TCP</a:t>
+            </a:r>
             <a:r>
               <a:rPr lang="ko-KR" altLang="en-US" b="0" i="0" dirty="0">
                 <a:solidFill>
@@ -5249,7 +4740,7 @@
                 <a:effectLst/>
                 <a:latin typeface="-apple-system"/>
               </a:rPr>
-              <a:t>모든 호스트와 라우터는 송신자가 보낸 </a:t>
+              <a:t>는 </a:t>
             </a:r>
             <a:r>
               <a:rPr lang="en-US" altLang="ko-KR" b="0" i="0" dirty="0">
@@ -5259,7 +4750,7 @@
                 <a:effectLst/>
                 <a:latin typeface="-apple-system"/>
               </a:rPr>
-              <a:t>ARP </a:t>
+              <a:t>06, UDP</a:t>
             </a:r>
             <a:r>
               <a:rPr lang="ko-KR" altLang="en-US" b="0" i="0" dirty="0">
@@ -5269,14 +4760,18 @@
                 <a:effectLst/>
                 <a:latin typeface="-apple-system"/>
               </a:rPr>
-              <a:t>요청 패킷을 수신</a:t>
-            </a:r>
-          </a:p>
-          <a:p>
-            <a:pPr algn="l">
-              <a:buFont typeface="+mj-lt"/>
-              <a:buAutoNum type="arabicPeriod"/>
-            </a:pPr>
+              <a:t>는 </a:t>
+            </a:r>
+            <a:r>
+              <a:rPr lang="en-US" altLang="ko-KR" b="0" i="0" dirty="0">
+                <a:solidFill>
+                  <a:srgbClr val="000000"/>
+                </a:solidFill>
+                <a:effectLst/>
+                <a:latin typeface="-apple-system"/>
+              </a:rPr>
+              <a:t>17</a:t>
+            </a:r>
             <a:r>
               <a:rPr lang="ko-KR" altLang="en-US" b="0" i="0" dirty="0">
                 <a:solidFill>
@@ -5285,40 +4780,36 @@
                 <a:effectLst/>
                 <a:latin typeface="-apple-system"/>
               </a:rPr>
-              <a:t>해당되는 수신자만 자신의 논리주소와 물리주소를 넣어 응답 패킷으로 </a:t>
-            </a:r>
-            <a:r>
-              <a:rPr lang="ko-KR" altLang="en-US" b="0" i="0" dirty="0" err="1">
-                <a:solidFill>
-                  <a:srgbClr val="000000"/>
-                </a:solidFill>
-                <a:effectLst/>
-                <a:latin typeface="-apple-system"/>
-              </a:rPr>
-              <a:t>유니캐스트로</a:t>
-            </a:r>
-            <a:r>
-              <a:rPr lang="ko-KR" altLang="en-US" b="0" i="0" dirty="0">
-                <a:solidFill>
-                  <a:srgbClr val="000000"/>
-                </a:solidFill>
-                <a:effectLst/>
-                <a:latin typeface="-apple-system"/>
-              </a:rPr>
-              <a:t> 전송</a:t>
-            </a:r>
-            <a:endParaRPr lang="en-US" altLang="ko-KR" b="0" i="0" dirty="0">
-              <a:solidFill>
-                <a:srgbClr val="000000"/>
-              </a:solidFill>
-              <a:effectLst/>
-              <a:latin typeface="-apple-system"/>
-            </a:endParaRPr>
-          </a:p>
-          <a:p>
-            <a:pPr algn="l">
-              <a:buFont typeface="+mj-lt"/>
-              <a:buAutoNum type="arabicPeriod"/>
+              <a:t>으로 적는다</a:t>
+            </a:r>
+            <a:r>
+              <a:rPr lang="en-US" altLang="ko-KR" b="0" i="0" dirty="0">
+                <a:solidFill>
+                  <a:srgbClr val="000000"/>
+                </a:solidFill>
+                <a:effectLst/>
+                <a:latin typeface="-apple-system"/>
+              </a:rPr>
+              <a:t>.</a:t>
+            </a:r>
+          </a:p>
+          <a:p>
+            <a:pPr marL="0" marR="0" lvl="0" indent="0" algn="l" defTabSz="914400" rtl="0" eaLnBrk="1" fontAlgn="auto" latinLnBrk="1" hangingPunct="1">
+              <a:lnSpc>
+                <a:spcPct val="100000"/>
+              </a:lnSpc>
+              <a:spcBef>
+                <a:spcPts val="0"/>
+              </a:spcBef>
+              <a:spcAft>
+                <a:spcPts val="0"/>
+              </a:spcAft>
+              <a:buClrTx/>
+              <a:buSzTx/>
+              <a:buFontTx/>
+              <a:buNone/>
+              <a:tabLst/>
+              <a:defRPr/>
             </a:pPr>
             <a:endParaRPr lang="en-US" altLang="ko-KR" b="0" i="0" dirty="0">
               <a:solidFill>
@@ -5327,6 +4818,1033 @@
               <a:effectLst/>
               <a:latin typeface="-apple-system"/>
             </a:endParaRPr>
+          </a:p>
+          <a:p>
+            <a:pPr marL="0" marR="0" lvl="0" indent="0" algn="l" defTabSz="914400" rtl="0" eaLnBrk="1" fontAlgn="auto" latinLnBrk="1" hangingPunct="1">
+              <a:lnSpc>
+                <a:spcPct val="100000"/>
+              </a:lnSpc>
+              <a:spcBef>
+                <a:spcPts val="0"/>
+              </a:spcBef>
+              <a:spcAft>
+                <a:spcPts val="0"/>
+              </a:spcAft>
+              <a:buClrTx/>
+              <a:buSzTx/>
+              <a:buFontTx/>
+              <a:buNone/>
+              <a:tabLst/>
+              <a:defRPr/>
+            </a:pPr>
+            <a:r>
+              <a:rPr lang="ko-KR" altLang="en-US" b="0" i="0" dirty="0" err="1">
+                <a:solidFill>
+                  <a:srgbClr val="000000"/>
+                </a:solidFill>
+                <a:effectLst/>
+                <a:latin typeface="-apple-system"/>
+              </a:rPr>
+              <a:t>다음로는</a:t>
+            </a:r>
+            <a:r>
+              <a:rPr lang="ko-KR" altLang="en-US" b="0" i="0" dirty="0">
+                <a:solidFill>
+                  <a:srgbClr val="000000"/>
+                </a:solidFill>
+                <a:effectLst/>
+                <a:latin typeface="-apple-system"/>
+              </a:rPr>
+              <a:t> </a:t>
+            </a:r>
+            <a:r>
+              <a:rPr lang="en-US" altLang="ko-KR" b="0" i="0" dirty="0">
+                <a:solidFill>
+                  <a:srgbClr val="000000"/>
+                </a:solidFill>
+                <a:effectLst/>
+                <a:latin typeface="-apple-system"/>
+              </a:rPr>
+              <a:t>MAC</a:t>
+            </a:r>
+            <a:r>
+              <a:rPr lang="ko-KR" altLang="en-US" b="0" i="0" dirty="0">
+                <a:solidFill>
+                  <a:srgbClr val="000000"/>
+                </a:solidFill>
+                <a:effectLst/>
+                <a:latin typeface="-apple-system"/>
+              </a:rPr>
+              <a:t>헤더이다</a:t>
+            </a:r>
+            <a:r>
+              <a:rPr lang="en-US" altLang="ko-KR" b="0" i="0" dirty="0">
+                <a:solidFill>
+                  <a:srgbClr val="000000"/>
+                </a:solidFill>
+                <a:effectLst/>
+                <a:latin typeface="-apple-system"/>
+              </a:rPr>
+              <a:t>. MAC</a:t>
+            </a:r>
+            <a:r>
+              <a:rPr lang="ko-KR" altLang="en-US" b="0" i="0" dirty="0">
+                <a:solidFill>
+                  <a:srgbClr val="000000"/>
+                </a:solidFill>
+                <a:effectLst/>
+                <a:latin typeface="-apple-system"/>
+              </a:rPr>
+              <a:t>헤더는 이더넷의 제어 정보를 가지고 있는 헤더로 수신처 </a:t>
+            </a:r>
+            <a:r>
+              <a:rPr lang="en-US" altLang="ko-KR" b="0" i="0" dirty="0">
+                <a:solidFill>
+                  <a:srgbClr val="000000"/>
+                </a:solidFill>
+                <a:effectLst/>
+                <a:latin typeface="-apple-system"/>
+              </a:rPr>
+              <a:t>MAC </a:t>
+            </a:r>
+            <a:r>
+              <a:rPr lang="ko-KR" altLang="en-US" b="0" i="0" dirty="0">
+                <a:solidFill>
+                  <a:srgbClr val="000000"/>
+                </a:solidFill>
+                <a:effectLst/>
+                <a:latin typeface="-apple-system"/>
+              </a:rPr>
+              <a:t>주소</a:t>
+            </a:r>
+            <a:r>
+              <a:rPr lang="en-US" altLang="ko-KR" b="0" i="0" dirty="0">
+                <a:solidFill>
+                  <a:srgbClr val="000000"/>
+                </a:solidFill>
+                <a:effectLst/>
+                <a:latin typeface="-apple-system"/>
+              </a:rPr>
+              <a:t>, </a:t>
+            </a:r>
+            <a:r>
+              <a:rPr lang="ko-KR" altLang="en-US" b="0" i="0" dirty="0" err="1">
+                <a:solidFill>
+                  <a:srgbClr val="000000"/>
+                </a:solidFill>
+                <a:effectLst/>
+                <a:latin typeface="-apple-system"/>
+              </a:rPr>
+              <a:t>송신처</a:t>
+            </a:r>
+            <a:r>
+              <a:rPr lang="ko-KR" altLang="en-US" b="0" i="0" dirty="0">
+                <a:solidFill>
+                  <a:srgbClr val="000000"/>
+                </a:solidFill>
+                <a:effectLst/>
+                <a:latin typeface="-apple-system"/>
+              </a:rPr>
+              <a:t> </a:t>
+            </a:r>
+            <a:r>
+              <a:rPr lang="en-US" altLang="ko-KR" b="0" i="0" dirty="0">
+                <a:solidFill>
+                  <a:srgbClr val="000000"/>
+                </a:solidFill>
+                <a:effectLst/>
+                <a:latin typeface="-apple-system"/>
+              </a:rPr>
+              <a:t>MAC </a:t>
+            </a:r>
+            <a:r>
+              <a:rPr lang="ko-KR" altLang="en-US" b="0" i="0" dirty="0">
+                <a:solidFill>
+                  <a:srgbClr val="000000"/>
+                </a:solidFill>
+                <a:effectLst/>
+                <a:latin typeface="-apple-system"/>
+              </a:rPr>
+              <a:t>주소</a:t>
+            </a:r>
+            <a:r>
+              <a:rPr lang="en-US" altLang="ko-KR" b="0" i="0" dirty="0">
+                <a:solidFill>
+                  <a:srgbClr val="000000"/>
+                </a:solidFill>
+                <a:effectLst/>
+                <a:latin typeface="-apple-system"/>
+              </a:rPr>
+              <a:t>, </a:t>
+            </a:r>
+            <a:r>
+              <a:rPr lang="ko-KR" altLang="en-US" b="0" i="0" dirty="0" err="1">
+                <a:solidFill>
+                  <a:srgbClr val="000000"/>
+                </a:solidFill>
+                <a:effectLst/>
+                <a:latin typeface="-apple-system"/>
+              </a:rPr>
+              <a:t>이더</a:t>
+            </a:r>
+            <a:r>
+              <a:rPr lang="ko-KR" altLang="en-US" b="0" i="0" dirty="0">
+                <a:solidFill>
+                  <a:srgbClr val="000000"/>
+                </a:solidFill>
+                <a:effectLst/>
+                <a:latin typeface="-apple-system"/>
+              </a:rPr>
+              <a:t> 타입으로 구성되어 있다</a:t>
+            </a:r>
+            <a:r>
+              <a:rPr lang="en-US" altLang="ko-KR" b="0" i="0" dirty="0">
+                <a:solidFill>
+                  <a:srgbClr val="000000"/>
+                </a:solidFill>
+                <a:effectLst/>
+                <a:latin typeface="-apple-system"/>
+              </a:rPr>
+              <a:t>.</a:t>
+            </a:r>
+          </a:p>
+          <a:p>
+            <a:pPr marL="0" marR="0" lvl="0" indent="0" algn="l" defTabSz="914400" rtl="0" eaLnBrk="1" fontAlgn="auto" latinLnBrk="1" hangingPunct="1">
+              <a:lnSpc>
+                <a:spcPct val="100000"/>
+              </a:lnSpc>
+              <a:spcBef>
+                <a:spcPts val="0"/>
+              </a:spcBef>
+              <a:spcAft>
+                <a:spcPts val="0"/>
+              </a:spcAft>
+              <a:buClrTx/>
+              <a:buSzTx/>
+              <a:buFontTx/>
+              <a:buNone/>
+              <a:tabLst/>
+              <a:defRPr/>
+            </a:pPr>
+            <a:r>
+              <a:rPr lang="ko-KR" altLang="en-US" b="0" i="0" dirty="0">
+                <a:solidFill>
+                  <a:srgbClr val="000000"/>
+                </a:solidFill>
+                <a:effectLst/>
+                <a:latin typeface="-apple-system"/>
+              </a:rPr>
+              <a:t>수신처 </a:t>
+            </a:r>
+            <a:r>
+              <a:rPr lang="en-US" altLang="ko-KR" b="0" i="0" dirty="0">
+                <a:solidFill>
+                  <a:srgbClr val="000000"/>
+                </a:solidFill>
+                <a:effectLst/>
+                <a:latin typeface="-apple-system"/>
+              </a:rPr>
+              <a:t>MAC</a:t>
+            </a:r>
+            <a:r>
+              <a:rPr lang="ko-KR" altLang="en-US" b="0" i="0" dirty="0">
+                <a:solidFill>
+                  <a:srgbClr val="000000"/>
+                </a:solidFill>
+                <a:effectLst/>
+                <a:latin typeface="-apple-system"/>
+              </a:rPr>
+              <a:t> 주소는 패킷을 </a:t>
+            </a:r>
+            <a:r>
+              <a:rPr lang="ko-KR" altLang="en-US" b="0" i="0" dirty="0" err="1">
+                <a:solidFill>
+                  <a:srgbClr val="000000"/>
+                </a:solidFill>
+                <a:effectLst/>
+                <a:latin typeface="-apple-system"/>
+              </a:rPr>
+              <a:t>건네주는</a:t>
+            </a:r>
+            <a:r>
+              <a:rPr lang="ko-KR" altLang="en-US" b="0" i="0" dirty="0">
+                <a:solidFill>
+                  <a:srgbClr val="000000"/>
+                </a:solidFill>
+                <a:effectLst/>
+                <a:latin typeface="-apple-system"/>
+              </a:rPr>
+              <a:t> 상대의 </a:t>
+            </a:r>
+            <a:r>
+              <a:rPr lang="en-US" altLang="ko-KR" b="0" i="0" dirty="0">
+                <a:solidFill>
+                  <a:srgbClr val="000000"/>
+                </a:solidFill>
+                <a:effectLst/>
+                <a:latin typeface="-apple-system"/>
+              </a:rPr>
+              <a:t>MAC</a:t>
+            </a:r>
+            <a:r>
+              <a:rPr lang="ko-KR" altLang="en-US" b="0" i="0" dirty="0">
+                <a:solidFill>
+                  <a:srgbClr val="000000"/>
+                </a:solidFill>
+                <a:effectLst/>
+                <a:latin typeface="-apple-system"/>
+              </a:rPr>
+              <a:t>주소이다</a:t>
+            </a:r>
+            <a:r>
+              <a:rPr lang="en-US" altLang="ko-KR" b="0" i="0" dirty="0">
+                <a:solidFill>
+                  <a:srgbClr val="000000"/>
+                </a:solidFill>
+                <a:effectLst/>
+                <a:latin typeface="-apple-system"/>
+              </a:rPr>
+              <a:t>. </a:t>
+            </a:r>
+            <a:r>
+              <a:rPr lang="ko-KR" altLang="en-US" b="0" i="0" dirty="0">
+                <a:solidFill>
+                  <a:srgbClr val="000000"/>
+                </a:solidFill>
+                <a:effectLst/>
+                <a:latin typeface="-apple-system"/>
+              </a:rPr>
+              <a:t>허나 </a:t>
+            </a:r>
+            <a:r>
+              <a:rPr lang="en-US" altLang="ko-KR" b="0" i="0" dirty="0">
+                <a:solidFill>
+                  <a:srgbClr val="000000"/>
+                </a:solidFill>
+                <a:effectLst/>
+                <a:latin typeface="-apple-system"/>
+              </a:rPr>
+              <a:t>MAC</a:t>
+            </a:r>
+            <a:r>
+              <a:rPr lang="ko-KR" altLang="en-US" b="0" i="0" dirty="0">
+                <a:solidFill>
+                  <a:srgbClr val="000000"/>
+                </a:solidFill>
+                <a:effectLst/>
+                <a:latin typeface="-apple-system"/>
+              </a:rPr>
+              <a:t>헤더를 작성하는 시점에서 주소를 모르기 때문에 </a:t>
+            </a:r>
+            <a:r>
+              <a:rPr lang="en-US" altLang="ko-KR" b="0" i="0" dirty="0">
+                <a:solidFill>
+                  <a:srgbClr val="000000"/>
+                </a:solidFill>
+                <a:effectLst/>
+                <a:latin typeface="-apple-system"/>
+              </a:rPr>
+              <a:t>IP</a:t>
+            </a:r>
+            <a:r>
+              <a:rPr lang="ko-KR" altLang="en-US" b="0" i="0" dirty="0">
+                <a:solidFill>
+                  <a:srgbClr val="000000"/>
+                </a:solidFill>
+                <a:effectLst/>
+                <a:latin typeface="-apple-system"/>
+              </a:rPr>
+              <a:t>용 경로표에 </a:t>
+            </a:r>
+            <a:r>
+              <a:rPr lang="en-US" altLang="ko-KR" b="0" i="0" dirty="0">
+                <a:solidFill>
+                  <a:srgbClr val="000000"/>
+                </a:solidFill>
+                <a:effectLst/>
+                <a:latin typeface="-apple-system"/>
+              </a:rPr>
+              <a:t>Gateway </a:t>
+            </a:r>
+            <a:r>
+              <a:rPr lang="ko-KR" altLang="en-US" b="0" i="0" dirty="0">
+                <a:solidFill>
+                  <a:srgbClr val="000000"/>
+                </a:solidFill>
+                <a:effectLst/>
+                <a:latin typeface="-apple-system"/>
+              </a:rPr>
+              <a:t>항목에 </a:t>
+            </a:r>
+            <a:r>
+              <a:rPr lang="ko-KR" altLang="en-US" b="0" i="0" dirty="0" err="1">
+                <a:solidFill>
+                  <a:srgbClr val="000000"/>
+                </a:solidFill>
+                <a:effectLst/>
+                <a:latin typeface="-apple-system"/>
+              </a:rPr>
+              <a:t>기록되어있는</a:t>
+            </a:r>
+            <a:r>
+              <a:rPr lang="ko-KR" altLang="en-US" b="0" i="0" dirty="0">
+                <a:solidFill>
+                  <a:srgbClr val="000000"/>
+                </a:solidFill>
+                <a:effectLst/>
+                <a:latin typeface="-apple-system"/>
+              </a:rPr>
+              <a:t> </a:t>
+            </a:r>
+            <a:r>
+              <a:rPr lang="en-US" altLang="ko-KR" b="0" i="0" dirty="0">
+                <a:solidFill>
+                  <a:srgbClr val="000000"/>
+                </a:solidFill>
+                <a:effectLst/>
+                <a:latin typeface="-apple-system"/>
+              </a:rPr>
+              <a:t>IP</a:t>
+            </a:r>
+            <a:r>
+              <a:rPr lang="ko-KR" altLang="en-US" b="0" i="0" dirty="0">
+                <a:solidFill>
+                  <a:srgbClr val="000000"/>
+                </a:solidFill>
+                <a:effectLst/>
+                <a:latin typeface="-apple-system"/>
+              </a:rPr>
+              <a:t>주소의 </a:t>
+            </a:r>
+            <a:r>
+              <a:rPr lang="en-US" altLang="ko-KR" b="0" i="0" dirty="0">
+                <a:solidFill>
+                  <a:srgbClr val="000000"/>
+                </a:solidFill>
+                <a:effectLst/>
+                <a:latin typeface="-apple-system"/>
+              </a:rPr>
+              <a:t>MAC</a:t>
+            </a:r>
+            <a:r>
+              <a:rPr lang="ko-KR" altLang="en-US" b="0" i="0" dirty="0">
+                <a:solidFill>
+                  <a:srgbClr val="000000"/>
+                </a:solidFill>
+                <a:effectLst/>
+                <a:latin typeface="-apple-system"/>
+              </a:rPr>
+              <a:t>주소가 됨</a:t>
+            </a:r>
+            <a:r>
+              <a:rPr lang="en-US" altLang="ko-KR" b="0" i="0" dirty="0">
+                <a:solidFill>
+                  <a:srgbClr val="000000"/>
+                </a:solidFill>
+                <a:effectLst/>
+                <a:latin typeface="-apple-system"/>
+              </a:rPr>
+              <a:t>. </a:t>
+            </a:r>
+            <a:r>
+              <a:rPr lang="ko-KR" altLang="en-US" b="0" i="0" dirty="0">
+                <a:solidFill>
+                  <a:srgbClr val="000000"/>
+                </a:solidFill>
+                <a:effectLst/>
+                <a:latin typeface="-apple-system"/>
+              </a:rPr>
+              <a:t>여기서 </a:t>
+            </a:r>
+            <a:r>
+              <a:rPr lang="en-US" altLang="ko-KR" b="0" i="0" dirty="0">
+                <a:solidFill>
+                  <a:srgbClr val="000000"/>
+                </a:solidFill>
+                <a:effectLst/>
+                <a:latin typeface="-apple-system"/>
+              </a:rPr>
+              <a:t>IP</a:t>
+            </a:r>
+            <a:r>
+              <a:rPr lang="ko-KR" altLang="en-US" b="0" i="0" dirty="0">
+                <a:solidFill>
+                  <a:srgbClr val="000000"/>
+                </a:solidFill>
+                <a:effectLst/>
+                <a:latin typeface="-apple-system"/>
+              </a:rPr>
+              <a:t>주소를 </a:t>
+            </a:r>
+            <a:r>
+              <a:rPr lang="en-US" altLang="ko-KR" b="0" i="0" dirty="0">
+                <a:solidFill>
+                  <a:srgbClr val="000000"/>
+                </a:solidFill>
+                <a:effectLst/>
+                <a:latin typeface="-apple-system"/>
+              </a:rPr>
+              <a:t>MAC</a:t>
+            </a:r>
+            <a:r>
+              <a:rPr lang="ko-KR" altLang="en-US" b="0" i="0" dirty="0">
+                <a:solidFill>
+                  <a:srgbClr val="000000"/>
+                </a:solidFill>
+                <a:effectLst/>
+                <a:latin typeface="-apple-system"/>
+              </a:rPr>
+              <a:t>주소로 </a:t>
+            </a:r>
+            <a:r>
+              <a:rPr lang="ko-KR" altLang="en-US" b="0" i="0" dirty="0" err="1">
+                <a:solidFill>
+                  <a:srgbClr val="000000"/>
+                </a:solidFill>
+                <a:effectLst/>
+                <a:latin typeface="-apple-system"/>
+              </a:rPr>
+              <a:t>바꿀때</a:t>
+            </a:r>
+            <a:r>
+              <a:rPr lang="ko-KR" altLang="en-US" b="0" i="0" dirty="0">
+                <a:solidFill>
+                  <a:srgbClr val="000000"/>
+                </a:solidFill>
+                <a:effectLst/>
+                <a:latin typeface="-apple-system"/>
+              </a:rPr>
+              <a:t> </a:t>
+            </a:r>
+            <a:r>
+              <a:rPr lang="en-US" altLang="ko-KR" b="0" i="0" dirty="0">
+                <a:solidFill>
+                  <a:srgbClr val="000000"/>
+                </a:solidFill>
+                <a:effectLst/>
+                <a:latin typeface="-apple-system"/>
+              </a:rPr>
+              <a:t>ARP</a:t>
+            </a:r>
+            <a:r>
+              <a:rPr lang="ko-KR" altLang="en-US" b="0" i="0" dirty="0">
+                <a:solidFill>
+                  <a:srgbClr val="000000"/>
+                </a:solidFill>
+                <a:effectLst/>
+                <a:latin typeface="-apple-system"/>
+              </a:rPr>
+              <a:t>기법이 사용되는데 이는 잠시 후 확인해보겠다</a:t>
+            </a:r>
+            <a:r>
+              <a:rPr lang="en-US" altLang="ko-KR" b="0" i="0" dirty="0">
+                <a:solidFill>
+                  <a:srgbClr val="000000"/>
+                </a:solidFill>
+                <a:effectLst/>
+                <a:latin typeface="-apple-system"/>
+              </a:rPr>
+              <a:t>.</a:t>
+            </a:r>
+          </a:p>
+          <a:p>
+            <a:pPr marL="0" marR="0" lvl="0" indent="0" algn="l" defTabSz="914400" rtl="0" eaLnBrk="1" fontAlgn="auto" latinLnBrk="1" hangingPunct="1">
+              <a:lnSpc>
+                <a:spcPct val="100000"/>
+              </a:lnSpc>
+              <a:spcBef>
+                <a:spcPts val="0"/>
+              </a:spcBef>
+              <a:spcAft>
+                <a:spcPts val="0"/>
+              </a:spcAft>
+              <a:buClrTx/>
+              <a:buSzTx/>
+              <a:buFontTx/>
+              <a:buNone/>
+              <a:tabLst/>
+              <a:defRPr/>
+            </a:pPr>
+            <a:r>
+              <a:rPr lang="ko-KR" altLang="en-US" b="0" i="0" dirty="0">
+                <a:solidFill>
+                  <a:srgbClr val="000000"/>
+                </a:solidFill>
+                <a:effectLst/>
+                <a:latin typeface="-apple-system"/>
+              </a:rPr>
+              <a:t>그리고 </a:t>
+            </a:r>
+            <a:r>
+              <a:rPr lang="ko-KR" altLang="en-US" b="0" i="0" dirty="0" err="1">
+                <a:solidFill>
+                  <a:srgbClr val="000000"/>
+                </a:solidFill>
+                <a:effectLst/>
+                <a:latin typeface="-apple-system"/>
+              </a:rPr>
+              <a:t>송신처</a:t>
+            </a:r>
+            <a:r>
+              <a:rPr lang="ko-KR" altLang="en-US" b="0" i="0" dirty="0">
+                <a:solidFill>
+                  <a:srgbClr val="000000"/>
+                </a:solidFill>
+                <a:effectLst/>
+                <a:latin typeface="-apple-system"/>
+              </a:rPr>
+              <a:t> </a:t>
+            </a:r>
+            <a:r>
+              <a:rPr lang="en-US" altLang="ko-KR" b="0" i="0" dirty="0">
+                <a:solidFill>
+                  <a:srgbClr val="000000"/>
+                </a:solidFill>
+                <a:effectLst/>
+                <a:latin typeface="-apple-system"/>
+              </a:rPr>
+              <a:t>MAC </a:t>
+            </a:r>
+            <a:r>
+              <a:rPr lang="ko-KR" altLang="en-US" b="0" i="0" dirty="0">
+                <a:solidFill>
+                  <a:srgbClr val="000000"/>
+                </a:solidFill>
+                <a:effectLst/>
+                <a:latin typeface="-apple-system"/>
+              </a:rPr>
+              <a:t>주소는 송신한 측의 </a:t>
+            </a:r>
+            <a:r>
+              <a:rPr lang="en-US" altLang="ko-KR" b="0" i="0" dirty="0">
+                <a:solidFill>
+                  <a:srgbClr val="000000"/>
+                </a:solidFill>
+                <a:effectLst/>
+                <a:latin typeface="-apple-system"/>
+              </a:rPr>
+              <a:t>MAC</a:t>
+            </a:r>
+            <a:r>
+              <a:rPr lang="ko-KR" altLang="en-US" b="0" i="0" dirty="0">
+                <a:solidFill>
+                  <a:srgbClr val="000000"/>
+                </a:solidFill>
+                <a:effectLst/>
+                <a:latin typeface="-apple-system"/>
+              </a:rPr>
+              <a:t>주소인데 </a:t>
+            </a:r>
+            <a:r>
+              <a:rPr lang="en-US" altLang="ko-KR" b="0" i="0" dirty="0">
+                <a:solidFill>
+                  <a:srgbClr val="000000"/>
+                </a:solidFill>
+                <a:effectLst/>
+                <a:latin typeface="-apple-system"/>
+              </a:rPr>
+              <a:t>LAN</a:t>
+            </a:r>
+            <a:r>
+              <a:rPr lang="ko-KR" altLang="en-US" b="0" i="0" dirty="0">
+                <a:solidFill>
+                  <a:srgbClr val="000000"/>
+                </a:solidFill>
+                <a:effectLst/>
+                <a:latin typeface="-apple-system"/>
+              </a:rPr>
+              <a:t>어댑터의 </a:t>
+            </a:r>
+            <a:r>
+              <a:rPr lang="en-US" altLang="ko-KR" b="0" i="0" dirty="0">
+                <a:solidFill>
+                  <a:srgbClr val="000000"/>
+                </a:solidFill>
+                <a:effectLst/>
+                <a:latin typeface="-apple-system"/>
+              </a:rPr>
+              <a:t>ROM</a:t>
+            </a:r>
+            <a:r>
+              <a:rPr lang="ko-KR" altLang="en-US" b="0" i="0" dirty="0">
+                <a:solidFill>
+                  <a:srgbClr val="000000"/>
+                </a:solidFill>
+                <a:effectLst/>
+                <a:latin typeface="-apple-system"/>
+              </a:rPr>
+              <a:t>의 유일한 </a:t>
+            </a:r>
+            <a:r>
+              <a:rPr lang="en-US" altLang="ko-KR" b="0" i="0" dirty="0">
+                <a:solidFill>
+                  <a:srgbClr val="000000"/>
+                </a:solidFill>
+                <a:effectLst/>
+                <a:latin typeface="-apple-system"/>
+              </a:rPr>
+              <a:t>MAC</a:t>
+            </a:r>
+            <a:r>
+              <a:rPr lang="ko-KR" altLang="en-US" b="0" i="0" dirty="0">
+                <a:solidFill>
+                  <a:srgbClr val="000000"/>
+                </a:solidFill>
+                <a:effectLst/>
+                <a:latin typeface="-apple-system"/>
+              </a:rPr>
+              <a:t>주소가 기록되어 있다</a:t>
+            </a:r>
+            <a:r>
+              <a:rPr lang="en-US" altLang="ko-KR" b="0" i="0" dirty="0">
+                <a:solidFill>
+                  <a:srgbClr val="000000"/>
+                </a:solidFill>
+                <a:effectLst/>
+                <a:latin typeface="-apple-system"/>
+              </a:rPr>
+              <a:t>.</a:t>
+            </a:r>
+          </a:p>
+          <a:p>
+            <a:pPr marL="0" marR="0" lvl="0" indent="0" algn="l" defTabSz="914400" rtl="0" eaLnBrk="1" fontAlgn="auto" latinLnBrk="1" hangingPunct="1">
+              <a:lnSpc>
+                <a:spcPct val="100000"/>
+              </a:lnSpc>
+              <a:spcBef>
+                <a:spcPts val="0"/>
+              </a:spcBef>
+              <a:spcAft>
+                <a:spcPts val="0"/>
+              </a:spcAft>
+              <a:buClrTx/>
+              <a:buSzTx/>
+              <a:buFontTx/>
+              <a:buNone/>
+              <a:tabLst/>
+              <a:defRPr/>
+            </a:pPr>
+            <a:r>
+              <a:rPr lang="ko-KR" altLang="en-US" b="0" i="0" dirty="0" err="1">
+                <a:solidFill>
+                  <a:srgbClr val="000000"/>
+                </a:solidFill>
+                <a:effectLst/>
+                <a:latin typeface="-apple-system"/>
+              </a:rPr>
+              <a:t>이더</a:t>
+            </a:r>
+            <a:r>
+              <a:rPr lang="ko-KR" altLang="en-US" b="0" i="0" dirty="0">
+                <a:solidFill>
+                  <a:srgbClr val="000000"/>
+                </a:solidFill>
+                <a:effectLst/>
+                <a:latin typeface="-apple-system"/>
+              </a:rPr>
+              <a:t> 타입은 사용하는 프로토콜의 종류이다</a:t>
+            </a:r>
+            <a:r>
+              <a:rPr lang="en-US" altLang="ko-KR" b="0" i="0" dirty="0">
+                <a:solidFill>
+                  <a:srgbClr val="000000"/>
+                </a:solidFill>
+                <a:effectLst/>
+                <a:latin typeface="-apple-system"/>
+              </a:rPr>
+              <a:t>. </a:t>
+            </a:r>
+            <a:r>
+              <a:rPr lang="ko-KR" altLang="en-US" b="0" i="0" dirty="0">
+                <a:solidFill>
+                  <a:srgbClr val="000000"/>
+                </a:solidFill>
+                <a:effectLst/>
+                <a:latin typeface="-apple-system"/>
+              </a:rPr>
+              <a:t>보통 </a:t>
+            </a:r>
+            <a:r>
+              <a:rPr lang="en-US" altLang="ko-KR" b="0" i="0" dirty="0">
+                <a:solidFill>
+                  <a:srgbClr val="000000"/>
+                </a:solidFill>
+                <a:effectLst/>
+                <a:latin typeface="-apple-system"/>
+              </a:rPr>
+              <a:t>TCP/IP</a:t>
+            </a:r>
+            <a:r>
+              <a:rPr lang="ko-KR" altLang="en-US" b="0" i="0" dirty="0">
+                <a:solidFill>
+                  <a:srgbClr val="000000"/>
+                </a:solidFill>
+                <a:effectLst/>
+                <a:latin typeface="-apple-system"/>
+              </a:rPr>
+              <a:t> 통신에서는 </a:t>
+            </a:r>
+            <a:r>
+              <a:rPr lang="en-US" altLang="ko-KR" b="0" i="0" dirty="0">
+                <a:solidFill>
+                  <a:srgbClr val="000000"/>
+                </a:solidFill>
+                <a:effectLst/>
+                <a:latin typeface="-apple-system"/>
+              </a:rPr>
+              <a:t>0800</a:t>
+            </a:r>
+            <a:r>
+              <a:rPr lang="ko-KR" altLang="en-US" b="0" i="0" dirty="0">
+                <a:solidFill>
+                  <a:srgbClr val="000000"/>
+                </a:solidFill>
+                <a:effectLst/>
+                <a:latin typeface="-apple-system"/>
+              </a:rPr>
+              <a:t>과</a:t>
+            </a:r>
+            <a:r>
+              <a:rPr lang="en-US" altLang="ko-KR" b="0" i="0" dirty="0">
+                <a:solidFill>
+                  <a:srgbClr val="000000"/>
+                </a:solidFill>
+                <a:effectLst/>
+                <a:latin typeface="-apple-system"/>
+              </a:rPr>
+              <a:t> 0806 </a:t>
+            </a:r>
+            <a:r>
+              <a:rPr lang="ko-KR" altLang="en-US" b="0" i="0" dirty="0">
+                <a:solidFill>
+                  <a:srgbClr val="000000"/>
+                </a:solidFill>
+                <a:effectLst/>
+                <a:latin typeface="-apple-system"/>
+              </a:rPr>
+              <a:t>두개만 사용된다</a:t>
+            </a:r>
+            <a:r>
+              <a:rPr lang="en-US" altLang="ko-KR" b="0" i="0" dirty="0">
+                <a:solidFill>
+                  <a:srgbClr val="000000"/>
+                </a:solidFill>
+                <a:effectLst/>
+                <a:latin typeface="-apple-system"/>
+              </a:rPr>
+              <a:t>.</a:t>
+            </a:r>
+          </a:p>
+          <a:p>
+            <a:pPr marL="0" marR="0" lvl="0" indent="0" algn="l" defTabSz="914400" rtl="0" eaLnBrk="1" fontAlgn="auto" latinLnBrk="1" hangingPunct="1">
+              <a:lnSpc>
+                <a:spcPct val="100000"/>
+              </a:lnSpc>
+              <a:spcBef>
+                <a:spcPts val="0"/>
+              </a:spcBef>
+              <a:spcAft>
+                <a:spcPts val="0"/>
+              </a:spcAft>
+              <a:buClrTx/>
+              <a:buSzTx/>
+              <a:buFontTx/>
+              <a:buNone/>
+              <a:tabLst/>
+              <a:defRPr/>
+            </a:pPr>
+            <a:endParaRPr lang="en-US" altLang="ko-KR" b="0" i="0" dirty="0">
+              <a:solidFill>
+                <a:srgbClr val="000000"/>
+              </a:solidFill>
+              <a:effectLst/>
+              <a:latin typeface="-apple-system"/>
+            </a:endParaRPr>
+          </a:p>
+          <a:p>
+            <a:pPr marL="0" marR="0" lvl="0" indent="0" algn="l" defTabSz="914400" rtl="0" eaLnBrk="1" fontAlgn="auto" latinLnBrk="1" hangingPunct="1">
+              <a:lnSpc>
+                <a:spcPct val="100000"/>
+              </a:lnSpc>
+              <a:spcBef>
+                <a:spcPts val="0"/>
+              </a:spcBef>
+              <a:spcAft>
+                <a:spcPts val="0"/>
+              </a:spcAft>
+              <a:buClrTx/>
+              <a:buSzTx/>
+              <a:buFontTx/>
+              <a:buNone/>
+              <a:tabLst/>
+              <a:defRPr/>
+            </a:pPr>
+            <a:endParaRPr lang="en-US" altLang="ko-KR" b="0" i="0" dirty="0">
+              <a:solidFill>
+                <a:srgbClr val="000000"/>
+              </a:solidFill>
+              <a:effectLst/>
+              <a:latin typeface="-apple-system"/>
+            </a:endParaRPr>
+          </a:p>
+          <a:p>
+            <a:pPr marL="0" marR="0" lvl="0" indent="0" algn="l" defTabSz="914400" rtl="0" eaLnBrk="1" fontAlgn="auto" latinLnBrk="1" hangingPunct="1">
+              <a:lnSpc>
+                <a:spcPct val="100000"/>
+              </a:lnSpc>
+              <a:spcBef>
+                <a:spcPts val="0"/>
+              </a:spcBef>
+              <a:spcAft>
+                <a:spcPts val="0"/>
+              </a:spcAft>
+              <a:buClrTx/>
+              <a:buSzTx/>
+              <a:buFontTx/>
+              <a:buNone/>
+              <a:tabLst/>
+              <a:defRPr/>
+            </a:pPr>
+            <a:endParaRPr lang="en-US" altLang="ko-KR" b="0" i="0" dirty="0">
+              <a:solidFill>
+                <a:srgbClr val="000000"/>
+              </a:solidFill>
+              <a:effectLst/>
+              <a:latin typeface="-apple-system"/>
+            </a:endParaRPr>
+          </a:p>
+          <a:p>
+            <a:pPr marL="0" marR="0" lvl="0" indent="0" algn="l" defTabSz="914400" rtl="0" eaLnBrk="1" fontAlgn="auto" latinLnBrk="1" hangingPunct="1">
+              <a:lnSpc>
+                <a:spcPct val="100000"/>
+              </a:lnSpc>
+              <a:spcBef>
+                <a:spcPts val="0"/>
+              </a:spcBef>
+              <a:spcAft>
+                <a:spcPts val="0"/>
+              </a:spcAft>
+              <a:buClrTx/>
+              <a:buSzTx/>
+              <a:buFontTx/>
+              <a:buNone/>
+              <a:tabLst/>
+              <a:defRPr/>
+            </a:pPr>
+            <a:endParaRPr lang="en-US" altLang="ko-KR" b="0" i="0" dirty="0">
+              <a:solidFill>
+                <a:srgbClr val="000000"/>
+              </a:solidFill>
+              <a:effectLst/>
+              <a:latin typeface="-apple-system"/>
+            </a:endParaRPr>
+          </a:p>
+          <a:p>
+            <a:pPr marL="0" marR="0" lvl="0" indent="0" algn="l" defTabSz="914400" rtl="0" eaLnBrk="1" fontAlgn="auto" latinLnBrk="1" hangingPunct="1">
+              <a:lnSpc>
+                <a:spcPct val="100000"/>
+              </a:lnSpc>
+              <a:spcBef>
+                <a:spcPts val="0"/>
+              </a:spcBef>
+              <a:spcAft>
+                <a:spcPts val="0"/>
+              </a:spcAft>
+              <a:buClrTx/>
+              <a:buSzTx/>
+              <a:buFontTx/>
+              <a:buNone/>
+              <a:tabLst/>
+              <a:defRPr/>
+            </a:pPr>
+            <a:endParaRPr lang="ko-KR" altLang="en-US" b="0" i="0" dirty="0">
+              <a:solidFill>
+                <a:srgbClr val="000000"/>
+              </a:solidFill>
+              <a:effectLst/>
+              <a:latin typeface="-apple-system"/>
+            </a:endParaRPr>
+          </a:p>
+          <a:p>
+            <a:pPr marL="0" marR="0" lvl="0" indent="0" algn="l" defTabSz="914400" rtl="0" eaLnBrk="1" fontAlgn="auto" latinLnBrk="1" hangingPunct="1">
+              <a:lnSpc>
+                <a:spcPct val="100000"/>
+              </a:lnSpc>
+              <a:spcBef>
+                <a:spcPts val="0"/>
+              </a:spcBef>
+              <a:spcAft>
+                <a:spcPts val="0"/>
+              </a:spcAft>
+              <a:buClrTx/>
+              <a:buSzTx/>
+              <a:buFontTx/>
+              <a:buNone/>
+              <a:tabLst/>
+              <a:defRPr/>
+            </a:pPr>
+            <a:endParaRPr lang="en-US" altLang="ko-KR" b="0" i="0" dirty="0">
+              <a:solidFill>
+                <a:srgbClr val="000000"/>
+              </a:solidFill>
+              <a:effectLst/>
+              <a:latin typeface="-apple-system"/>
+            </a:endParaRPr>
+          </a:p>
+          <a:p>
+            <a:pPr marL="0" marR="0" lvl="0" indent="0" algn="l" defTabSz="914400" rtl="0" eaLnBrk="1" fontAlgn="auto" latinLnBrk="1" hangingPunct="1">
+              <a:lnSpc>
+                <a:spcPct val="100000"/>
+              </a:lnSpc>
+              <a:spcBef>
+                <a:spcPts val="0"/>
+              </a:spcBef>
+              <a:spcAft>
+                <a:spcPts val="0"/>
+              </a:spcAft>
+              <a:buClrTx/>
+              <a:buSzTx/>
+              <a:buFontTx/>
+              <a:buNone/>
+              <a:tabLst/>
+              <a:defRPr/>
+            </a:pPr>
+            <a:endParaRPr lang="en-US" altLang="ko-KR" b="0" i="0" dirty="0">
+              <a:solidFill>
+                <a:srgbClr val="000000"/>
+              </a:solidFill>
+              <a:effectLst/>
+              <a:latin typeface="-apple-system"/>
+            </a:endParaRPr>
+          </a:p>
+          <a:p>
+            <a:pPr marL="0" marR="0" lvl="0" indent="0" algn="l" defTabSz="914400" rtl="0" eaLnBrk="1" fontAlgn="auto" latinLnBrk="1" hangingPunct="1">
+              <a:lnSpc>
+                <a:spcPct val="100000"/>
+              </a:lnSpc>
+              <a:spcBef>
+                <a:spcPts val="0"/>
+              </a:spcBef>
+              <a:spcAft>
+                <a:spcPts val="0"/>
+              </a:spcAft>
+              <a:buClrTx/>
+              <a:buSzTx/>
+              <a:buFontTx/>
+              <a:buNone/>
+              <a:tabLst/>
+              <a:defRPr/>
+            </a:pPr>
+            <a:endParaRPr lang="en-US" altLang="ko-KR" b="0" i="0" dirty="0">
+              <a:solidFill>
+                <a:srgbClr val="000000"/>
+              </a:solidFill>
+              <a:effectLst/>
+              <a:latin typeface="-apple-system"/>
+            </a:endParaRPr>
+          </a:p>
+          <a:p>
+            <a:endParaRPr lang="en-US" altLang="ko-KR" dirty="0"/>
           </a:p>
         </p:txBody>
       </p:sp>
@@ -5347,7 +5865,7 @@
           <a:p>
             <a:fld id="{75152752-F12A-4471-982A-FC6C9CE39BBC}" type="slidenum">
               <a:rPr lang="ko-KR" altLang="en-US" smtClean="0"/>
-              <a:t>12</a:t>
+              <a:t>11</a:t>
             </a:fld>
             <a:endParaRPr lang="ko-KR" altLang="en-US"/>
           </a:p>
@@ -5356,7 +5874,7 @@
     </p:spTree>
     <p:extLst>
       <p:ext uri="{BB962C8B-B14F-4D97-AF65-F5344CB8AC3E}">
-        <p14:creationId xmlns:p14="http://schemas.microsoft.com/office/powerpoint/2010/main" val="1113131074"/>
+        <p14:creationId xmlns:p14="http://schemas.microsoft.com/office/powerpoint/2010/main" val="1054901248"/>
       </p:ext>
     </p:extLst>
   </p:cSld>
@@ -5411,10 +5929,20 @@
           <a:lstStyle/>
           <a:p>
             <a:pPr algn="l">
-              <a:buFont typeface="Arial" panose="020B0604020202020204" pitchFamily="34" charset="0"/>
-              <a:buNone/>
+              <a:buFont typeface="+mj-lt"/>
+              <a:buAutoNum type="arabicPeriod"/>
             </a:pPr>
             <a:r>
+              <a:rPr lang="ko-KR" altLang="en-US" b="0" i="0" dirty="0">
+                <a:solidFill>
+                  <a:srgbClr val="000000"/>
+                </a:solidFill>
+                <a:effectLst/>
+                <a:latin typeface="-apple-system"/>
+              </a:rPr>
+              <a:t>송신자는 목적지 물리주소가 필요하므로</a:t>
+            </a:r>
+            <a:r>
               <a:rPr lang="en-US" altLang="ko-KR" b="0" i="0" dirty="0">
                 <a:solidFill>
                   <a:srgbClr val="000000"/>
@@ -5422,6 +5950,124 @@
                 <a:effectLst/>
                 <a:latin typeface="-apple-system"/>
               </a:rPr>
+              <a:t>, </a:t>
+            </a:r>
+            <a:r>
+              <a:rPr lang="ko-KR" altLang="en-US" b="0" i="0" dirty="0">
+                <a:solidFill>
+                  <a:srgbClr val="000000"/>
+                </a:solidFill>
+                <a:effectLst/>
+                <a:latin typeface="-apple-system"/>
+              </a:rPr>
+              <a:t>물리주소 요청을 위한 </a:t>
+            </a:r>
+            <a:r>
+              <a:rPr lang="en-US" altLang="ko-KR" b="0" i="0" dirty="0">
+                <a:solidFill>
+                  <a:srgbClr val="000000"/>
+                </a:solidFill>
+                <a:effectLst/>
+                <a:latin typeface="-apple-system"/>
+              </a:rPr>
+              <a:t>APR</a:t>
+            </a:r>
+            <a:r>
+              <a:rPr lang="ko-KR" altLang="en-US" b="0" i="0" dirty="0">
+                <a:solidFill>
+                  <a:srgbClr val="000000"/>
+                </a:solidFill>
+                <a:effectLst/>
+                <a:latin typeface="-apple-system"/>
+              </a:rPr>
+              <a:t>요청 패킷을 </a:t>
+            </a:r>
+            <a:r>
+              <a:rPr lang="ko-KR" altLang="en-US" b="0" i="0" dirty="0" err="1">
+                <a:solidFill>
+                  <a:srgbClr val="000000"/>
+                </a:solidFill>
+                <a:effectLst/>
+                <a:latin typeface="-apple-system"/>
+              </a:rPr>
+              <a:t>브로드캐스트</a:t>
+            </a:r>
+            <a:r>
+              <a:rPr lang="ko-KR" altLang="en-US" b="0" i="0" dirty="0">
+                <a:solidFill>
+                  <a:srgbClr val="000000"/>
+                </a:solidFill>
+                <a:effectLst/>
+                <a:latin typeface="-apple-system"/>
+              </a:rPr>
+              <a:t> 전송</a:t>
+            </a:r>
+          </a:p>
+          <a:p>
+            <a:pPr marL="742950" lvl="1" indent="-285750" algn="l">
+              <a:buFont typeface="+mj-lt"/>
+              <a:buAutoNum type="arabicPeriod"/>
+            </a:pPr>
+            <a:r>
+              <a:rPr lang="ko-KR" altLang="en-US" b="0" i="0" dirty="0" err="1">
+                <a:solidFill>
+                  <a:srgbClr val="000000"/>
+                </a:solidFill>
+                <a:effectLst/>
+                <a:latin typeface="-apple-system"/>
+              </a:rPr>
+              <a:t>브로드캐스트를</a:t>
+            </a:r>
+            <a:r>
+              <a:rPr lang="ko-KR" altLang="en-US" b="0" i="0" dirty="0">
+                <a:solidFill>
+                  <a:srgbClr val="000000"/>
+                </a:solidFill>
+                <a:effectLst/>
+                <a:latin typeface="-apple-system"/>
+              </a:rPr>
+              <a:t> 하는 이유는 목적지의 물리 주소를 모르므로 모두에게 요청</a:t>
+            </a:r>
+          </a:p>
+          <a:p>
+            <a:pPr marL="742950" lvl="1" indent="-285750" algn="l">
+              <a:buFont typeface="+mj-lt"/>
+              <a:buAutoNum type="arabicPeriod"/>
+            </a:pPr>
+            <a:r>
+              <a:rPr lang="ko-KR" altLang="en-US" b="0" i="0" dirty="0">
+                <a:solidFill>
+                  <a:srgbClr val="000000"/>
+                </a:solidFill>
+                <a:effectLst/>
+                <a:latin typeface="-apple-system"/>
+              </a:rPr>
+              <a:t>요청 패킷에는 수신자가 수신자 주소를 응답할 때 필요한 송신자 주소 포함</a:t>
+            </a:r>
+          </a:p>
+          <a:p>
+            <a:pPr algn="l">
+              <a:buFont typeface="+mj-lt"/>
+              <a:buAutoNum type="arabicPeriod"/>
+            </a:pPr>
+            <a:r>
+              <a:rPr lang="ko-KR" altLang="en-US" b="0" i="0" dirty="0">
+                <a:solidFill>
+                  <a:srgbClr val="000000"/>
+                </a:solidFill>
+                <a:effectLst/>
+                <a:latin typeface="-apple-system"/>
+              </a:rPr>
+              <a:t>모든 호스트와 라우터는 송신자가 보낸 </a:t>
+            </a:r>
+            <a:r>
+              <a:rPr lang="en-US" altLang="ko-KR" b="0" i="0" dirty="0">
+                <a:solidFill>
+                  <a:srgbClr val="000000"/>
+                </a:solidFill>
+                <a:effectLst/>
+                <a:latin typeface="-apple-system"/>
+              </a:rPr>
               <a:t>ARP </a:t>
             </a:r>
             <a:r>
@@ -5432,18 +6078,14 @@
                 <a:effectLst/>
                 <a:latin typeface="-apple-system"/>
               </a:rPr>
-              <a:t>캐시 </a:t>
-            </a:r>
-            <a:r>
-              <a:rPr lang="en-US" altLang="ko-KR" b="0" i="0" dirty="0">
-                <a:solidFill>
-                  <a:srgbClr val="000000"/>
-                </a:solidFill>
-                <a:effectLst/>
-                <a:latin typeface="-apple-system"/>
-              </a:rPr>
-              <a:t>: ARP </a:t>
-            </a:r>
+              <a:t>요청 패킷을 수신</a:t>
+            </a:r>
+          </a:p>
+          <a:p>
+            <a:pPr algn="l">
+              <a:buFont typeface="+mj-lt"/>
+              <a:buAutoNum type="arabicPeriod"/>
+            </a:pPr>
             <a:r>
               <a:rPr lang="ko-KR" altLang="en-US" b="0" i="0" dirty="0">
                 <a:solidFill>
@@ -5452,7 +6094,7 @@
                 <a:effectLst/>
                 <a:latin typeface="-apple-system"/>
               </a:rPr>
-              <a:t>동작으로 알아낸 결과를 </a:t>
+              <a:t>해당되는 수신자만 자신의 논리주소와 물리주소를 넣어 응답 패킷으로 </a:t>
             </a:r>
             <a:r>
               <a:rPr lang="ko-KR" altLang="en-US" b="0" i="0" dirty="0" err="1">
@@ -5462,7 +6104,7 @@
                 <a:effectLst/>
                 <a:latin typeface="-apple-system"/>
               </a:rPr>
-              <a:t>저장해놓은</a:t>
+              <a:t>유니캐스트로</a:t>
             </a:r>
             <a:r>
               <a:rPr lang="ko-KR" altLang="en-US" b="0" i="0" dirty="0">
@@ -5472,71 +6114,9 @@
                 <a:effectLst/>
                 <a:latin typeface="-apple-system"/>
               </a:rPr>
-              <a:t> 공간</a:t>
-            </a:r>
-          </a:p>
-          <a:p>
-            <a:pPr marL="742950" lvl="1" indent="-285750" algn="l">
-              <a:buFont typeface="Arial" panose="020B0604020202020204" pitchFamily="34" charset="0"/>
-              <a:buChar char="•"/>
-            </a:pPr>
-            <a:r>
-              <a:rPr lang="ko-KR" altLang="en-US" b="0" i="0" dirty="0">
-                <a:solidFill>
-                  <a:srgbClr val="000000"/>
-                </a:solidFill>
-                <a:effectLst/>
-                <a:latin typeface="-apple-system"/>
-              </a:rPr>
-              <a:t>캐시 메모리에서 패킷을 재사용하므로 패킷을 줄일 수 있다</a:t>
-            </a:r>
-            <a:r>
-              <a:rPr lang="en-US" altLang="ko-KR" b="0" i="0" dirty="0">
-                <a:solidFill>
-                  <a:srgbClr val="000000"/>
-                </a:solidFill>
-                <a:effectLst/>
-                <a:latin typeface="-apple-system"/>
-              </a:rPr>
-              <a:t>.</a:t>
-            </a:r>
-          </a:p>
-          <a:p>
-            <a:pPr marL="742950" lvl="1" indent="-285750" algn="l">
-              <a:buFont typeface="Arial" panose="020B0604020202020204" pitchFamily="34" charset="0"/>
-              <a:buChar char="•"/>
-            </a:pPr>
-            <a:r>
-              <a:rPr lang="ko-KR" altLang="en-US" b="0" i="0" dirty="0">
-                <a:solidFill>
-                  <a:srgbClr val="000000"/>
-                </a:solidFill>
-                <a:effectLst/>
-                <a:latin typeface="-apple-system"/>
-              </a:rPr>
-              <a:t>생존시간 </a:t>
-            </a:r>
-            <a:r>
-              <a:rPr lang="en-US" altLang="ko-KR" b="0" i="0" dirty="0">
-                <a:solidFill>
-                  <a:srgbClr val="000000"/>
-                </a:solidFill>
-                <a:effectLst/>
-                <a:latin typeface="-apple-system"/>
-              </a:rPr>
-              <a:t>: </a:t>
-            </a:r>
-            <a:r>
-              <a:rPr lang="ko-KR" altLang="en-US" b="0" i="0" dirty="0" err="1">
-                <a:solidFill>
-                  <a:srgbClr val="000000"/>
-                </a:solidFill>
-                <a:effectLst/>
-                <a:latin typeface="-apple-system"/>
-              </a:rPr>
-              <a:t>몇분</a:t>
-            </a:r>
-            <a:endParaRPr lang="ko-KR" altLang="en-US" b="0" i="0" dirty="0">
+              <a:t> 전송</a:t>
+            </a:r>
+            <a:endParaRPr lang="en-US" altLang="ko-KR" b="0" i="0" dirty="0">
               <a:solidFill>
                 <a:srgbClr val="000000"/>
               </a:solidFill>
@@ -5547,9 +6127,9 @@
           <a:p>
             <a:pPr algn="l">
               <a:buFont typeface="+mj-lt"/>
-              <a:buNone/>
+              <a:buAutoNum type="arabicPeriod"/>
             </a:pPr>
-            <a:endParaRPr lang="ko-KR" altLang="en-US" b="0" i="0" dirty="0">
+            <a:endParaRPr lang="en-US" altLang="ko-KR" b="0" i="0" dirty="0">
               <a:solidFill>
                 <a:srgbClr val="000000"/>
               </a:solidFill>
@@ -5576,7 +6156,7 @@
           <a:p>
             <a:fld id="{75152752-F12A-4471-982A-FC6C9CE39BBC}" type="slidenum">
               <a:rPr lang="ko-KR" altLang="en-US" smtClean="0"/>
-              <a:t>13</a:t>
+              <a:t>12</a:t>
             </a:fld>
             <a:endParaRPr lang="ko-KR" altLang="en-US"/>
           </a:p>
@@ -5585,7 +6165,7 @@
     </p:spTree>
     <p:extLst>
       <p:ext uri="{BB962C8B-B14F-4D97-AF65-F5344CB8AC3E}">
-        <p14:creationId xmlns:p14="http://schemas.microsoft.com/office/powerpoint/2010/main" val="1258111918"/>
+        <p14:creationId xmlns:p14="http://schemas.microsoft.com/office/powerpoint/2010/main" val="1113131074"/>
       </p:ext>
     </p:extLst>
   </p:cSld>
@@ -5640,321 +6220,86 @@
           <a:lstStyle/>
           <a:p>
             <a:pPr algn="l">
-              <a:buFont typeface="+mj-lt"/>
-              <a:buNone/>
-            </a:pPr>
-            <a:r>
-              <a:rPr lang="ko-KR" altLang="en-US" b="0" i="0" dirty="0">
-                <a:solidFill>
-                  <a:srgbClr val="000000"/>
-                </a:solidFill>
-                <a:effectLst/>
-                <a:latin typeface="-apple-system"/>
-              </a:rPr>
-              <a:t>이더넷은 다수의 컴퓨터가 여러 상대와 자유롭게 적은 비용은 통신하기 위해 고안된 통신 기술이다</a:t>
-            </a:r>
-            <a:r>
-              <a:rPr lang="en-US" altLang="ko-KR" b="0" i="0" dirty="0">
-                <a:solidFill>
-                  <a:srgbClr val="000000"/>
-                </a:solidFill>
-                <a:effectLst/>
-                <a:latin typeface="-apple-system"/>
-              </a:rPr>
-              <a:t>.</a:t>
-            </a:r>
-          </a:p>
-          <a:p>
-            <a:pPr algn="l">
-              <a:buFont typeface="+mj-lt"/>
-              <a:buNone/>
-            </a:pPr>
-            <a:r>
-              <a:rPr lang="ko-KR" altLang="en-US" b="0" i="0" dirty="0" err="1">
-                <a:solidFill>
-                  <a:srgbClr val="000000"/>
-                </a:solidFill>
-                <a:effectLst/>
-                <a:latin typeface="-apple-system"/>
-              </a:rPr>
-              <a:t>이터넷</a:t>
-            </a:r>
-            <a:r>
-              <a:rPr lang="ko-KR" altLang="en-US" b="0" i="0" dirty="0">
-                <a:solidFill>
-                  <a:srgbClr val="000000"/>
-                </a:solidFill>
-                <a:effectLst/>
-                <a:latin typeface="-apple-system"/>
-              </a:rPr>
-              <a:t> 패킷을 송</a:t>
-            </a:r>
-            <a:r>
-              <a:rPr lang="en-US" altLang="ko-KR" b="0" i="0" dirty="0">
-                <a:solidFill>
-                  <a:srgbClr val="000000"/>
-                </a:solidFill>
-                <a:effectLst/>
-                <a:latin typeface="-apple-system"/>
-              </a:rPr>
-              <a:t>, </a:t>
-            </a:r>
-            <a:r>
-              <a:rPr lang="ko-KR" altLang="en-US" b="0" i="0" dirty="0">
-                <a:solidFill>
-                  <a:srgbClr val="000000"/>
-                </a:solidFill>
-                <a:effectLst/>
-                <a:latin typeface="-apple-system"/>
-              </a:rPr>
-              <a:t>수신하기 위해서는 </a:t>
-            </a:r>
-            <a:r>
-              <a:rPr lang="en-US" altLang="ko-KR" b="0" i="0" dirty="0">
-                <a:solidFill>
-                  <a:srgbClr val="000000"/>
-                </a:solidFill>
-                <a:effectLst/>
-                <a:latin typeface="-apple-system"/>
-              </a:rPr>
-              <a:t>IP</a:t>
-            </a:r>
-            <a:r>
-              <a:rPr lang="ko-KR" altLang="en-US" b="0" i="0" dirty="0">
-                <a:solidFill>
-                  <a:srgbClr val="000000"/>
-                </a:solidFill>
-                <a:effectLst/>
-                <a:latin typeface="-apple-system"/>
-              </a:rPr>
-              <a:t> 담당부분이 만든 디지털 데이터를 전기나 빛의 신호로 변환해서 네트워크의 케이블에 </a:t>
-            </a:r>
-            <a:r>
-              <a:rPr lang="ko-KR" altLang="en-US" b="0" i="0" dirty="0" err="1">
-                <a:solidFill>
-                  <a:srgbClr val="000000"/>
-                </a:solidFill>
-                <a:effectLst/>
-                <a:latin typeface="-apple-system"/>
-              </a:rPr>
-              <a:t>송출해야한다</a:t>
-            </a:r>
-            <a:r>
-              <a:rPr lang="en-US" altLang="ko-KR" b="0" i="0" dirty="0">
-                <a:solidFill>
-                  <a:srgbClr val="000000"/>
-                </a:solidFill>
-                <a:effectLst/>
-                <a:latin typeface="-apple-system"/>
-              </a:rPr>
-              <a:t>.</a:t>
-            </a:r>
-          </a:p>
-          <a:p>
-            <a:pPr algn="l">
-              <a:buFont typeface="+mj-lt"/>
-              <a:buNone/>
-            </a:pPr>
-            <a:r>
-              <a:rPr lang="ko-KR" altLang="en-US" b="0" i="0" dirty="0">
-                <a:solidFill>
-                  <a:srgbClr val="000000"/>
-                </a:solidFill>
-                <a:effectLst/>
-                <a:latin typeface="-apple-system"/>
-              </a:rPr>
-              <a:t>위 변환 방법으로는 두가지 방법이 있는데 </a:t>
-            </a:r>
-            <a:r>
-              <a:rPr lang="ko-KR" altLang="en-US" b="0" i="0" dirty="0" err="1">
-                <a:solidFill>
-                  <a:srgbClr val="000000"/>
-                </a:solidFill>
-                <a:effectLst/>
-                <a:latin typeface="-apple-system"/>
-              </a:rPr>
-              <a:t>리피터</a:t>
-            </a:r>
-            <a:r>
-              <a:rPr lang="ko-KR" altLang="en-US" b="0" i="0" dirty="0">
-                <a:solidFill>
-                  <a:srgbClr val="000000"/>
-                </a:solidFill>
-                <a:effectLst/>
-                <a:latin typeface="-apple-system"/>
-              </a:rPr>
-              <a:t> 허브를 사용한 </a:t>
-            </a:r>
-            <a:r>
-              <a:rPr lang="ko-KR" altLang="en-US" b="0" i="0" dirty="0" err="1">
-                <a:solidFill>
-                  <a:srgbClr val="000000"/>
-                </a:solidFill>
-                <a:effectLst/>
-                <a:latin typeface="-apple-system"/>
-              </a:rPr>
-              <a:t>반이중</a:t>
-            </a:r>
-            <a:r>
-              <a:rPr lang="ko-KR" altLang="en-US" b="0" i="0" dirty="0">
-                <a:solidFill>
-                  <a:srgbClr val="000000"/>
-                </a:solidFill>
-                <a:effectLst/>
-                <a:latin typeface="-apple-system"/>
-              </a:rPr>
-              <a:t> 모드와 스위칭 허브를 사용한 </a:t>
-            </a:r>
-            <a:r>
-              <a:rPr lang="ko-KR" altLang="en-US" b="0" i="0" dirty="0" err="1">
-                <a:solidFill>
-                  <a:srgbClr val="000000"/>
-                </a:solidFill>
-                <a:effectLst/>
-                <a:latin typeface="-apple-system"/>
-              </a:rPr>
-              <a:t>전이중</a:t>
-            </a:r>
-            <a:r>
-              <a:rPr lang="ko-KR" altLang="en-US" b="0" i="0" dirty="0">
-                <a:solidFill>
-                  <a:srgbClr val="000000"/>
-                </a:solidFill>
-                <a:effectLst/>
-                <a:latin typeface="-apple-system"/>
-              </a:rPr>
-              <a:t> 모드가 있다</a:t>
-            </a:r>
-            <a:r>
-              <a:rPr lang="en-US" altLang="ko-KR" b="0" i="0" dirty="0">
-                <a:solidFill>
-                  <a:srgbClr val="000000"/>
-                </a:solidFill>
-                <a:effectLst/>
-                <a:latin typeface="-apple-system"/>
-              </a:rPr>
-              <a:t>. </a:t>
-            </a:r>
-            <a:r>
-              <a:rPr lang="ko-KR" altLang="en-US" b="0" i="0" dirty="0">
-                <a:solidFill>
-                  <a:srgbClr val="000000"/>
-                </a:solidFill>
-                <a:effectLst/>
-                <a:latin typeface="-apple-system"/>
-              </a:rPr>
-              <a:t>일반적으로 스위칭 허브를 사용한 </a:t>
-            </a:r>
-            <a:r>
-              <a:rPr lang="ko-KR" altLang="en-US" b="0" i="0" dirty="0" err="1">
-                <a:solidFill>
-                  <a:srgbClr val="000000"/>
-                </a:solidFill>
-                <a:effectLst/>
-                <a:latin typeface="-apple-system"/>
-              </a:rPr>
-              <a:t>전이중</a:t>
-            </a:r>
-            <a:r>
-              <a:rPr lang="ko-KR" altLang="en-US" b="0" i="0" dirty="0">
-                <a:solidFill>
-                  <a:srgbClr val="000000"/>
-                </a:solidFill>
-                <a:effectLst/>
-                <a:latin typeface="-apple-system"/>
-              </a:rPr>
-              <a:t> 모드가 </a:t>
-            </a:r>
-            <a:r>
-              <a:rPr lang="ko-KR" altLang="en-US" b="0" i="0" dirty="0" err="1">
-                <a:solidFill>
-                  <a:srgbClr val="000000"/>
-                </a:solidFill>
-                <a:effectLst/>
-                <a:latin typeface="-apple-system"/>
-              </a:rPr>
-              <a:t>사용되는거</a:t>
-            </a:r>
-            <a:r>
-              <a:rPr lang="ko-KR" altLang="en-US" b="0" i="0" dirty="0">
-                <a:solidFill>
-                  <a:srgbClr val="000000"/>
-                </a:solidFill>
-                <a:effectLst/>
-                <a:latin typeface="-apple-system"/>
-              </a:rPr>
-              <a:t> 같으나 다음장에서 설명을 하고 이번장에서는 </a:t>
-            </a:r>
-            <a:r>
-              <a:rPr lang="ko-KR" altLang="en-US" b="0" i="0" dirty="0" err="1">
-                <a:solidFill>
-                  <a:srgbClr val="000000"/>
-                </a:solidFill>
-                <a:effectLst/>
-                <a:latin typeface="-apple-system"/>
-              </a:rPr>
-              <a:t>리피터</a:t>
-            </a:r>
-            <a:r>
-              <a:rPr lang="ko-KR" altLang="en-US" b="0" i="0" dirty="0">
-                <a:solidFill>
-                  <a:srgbClr val="000000"/>
-                </a:solidFill>
-                <a:effectLst/>
-                <a:latin typeface="-apple-system"/>
-              </a:rPr>
-              <a:t> 허브를 사용하는 </a:t>
-            </a:r>
-            <a:r>
-              <a:rPr lang="ko-KR" altLang="en-US" b="0" i="0" dirty="0" err="1">
-                <a:solidFill>
-                  <a:srgbClr val="000000"/>
-                </a:solidFill>
-                <a:effectLst/>
-                <a:latin typeface="-apple-system"/>
-              </a:rPr>
-              <a:t>반이중</a:t>
-            </a:r>
-            <a:r>
-              <a:rPr lang="ko-KR" altLang="en-US" b="0" i="0" dirty="0">
-                <a:solidFill>
-                  <a:srgbClr val="000000"/>
-                </a:solidFill>
-                <a:effectLst/>
-                <a:latin typeface="-apple-system"/>
-              </a:rPr>
-              <a:t> 모드에 대해 설명하겠다</a:t>
-            </a:r>
-            <a:r>
-              <a:rPr lang="en-US" altLang="ko-KR" b="0" i="0" dirty="0">
-                <a:solidFill>
-                  <a:srgbClr val="000000"/>
-                </a:solidFill>
-                <a:effectLst/>
-                <a:latin typeface="-apple-system"/>
-              </a:rPr>
-              <a:t>.</a:t>
-            </a:r>
-          </a:p>
-          <a:p>
-            <a:pPr algn="l">
               <a:buFont typeface="Arial" panose="020B0604020202020204" pitchFamily="34" charset="0"/>
               <a:buNone/>
             </a:pPr>
-            <a:endParaRPr lang="en-US" altLang="ko-KR" b="0" i="0" dirty="0">
-              <a:solidFill>
-                <a:srgbClr val="000000"/>
-              </a:solidFill>
-              <a:effectLst/>
-              <a:latin typeface="-apple-system"/>
-            </a:endParaRPr>
-          </a:p>
-          <a:p>
-            <a:pPr algn="l">
+            <a:r>
+              <a:rPr lang="en-US" altLang="ko-KR" b="0" i="0" dirty="0">
+                <a:solidFill>
+                  <a:srgbClr val="000000"/>
+                </a:solidFill>
+                <a:effectLst/>
+                <a:latin typeface="-apple-system"/>
+              </a:rPr>
+              <a:t>ARP </a:t>
+            </a:r>
+            <a:r>
+              <a:rPr lang="ko-KR" altLang="en-US" b="0" i="0" dirty="0">
+                <a:solidFill>
+                  <a:srgbClr val="000000"/>
+                </a:solidFill>
+                <a:effectLst/>
+                <a:latin typeface="-apple-system"/>
+              </a:rPr>
+              <a:t>캐시 </a:t>
+            </a:r>
+            <a:r>
+              <a:rPr lang="en-US" altLang="ko-KR" b="0" i="0" dirty="0">
+                <a:solidFill>
+                  <a:srgbClr val="000000"/>
+                </a:solidFill>
+                <a:effectLst/>
+                <a:latin typeface="-apple-system"/>
+              </a:rPr>
+              <a:t>: ARP </a:t>
+            </a:r>
+            <a:r>
+              <a:rPr lang="ko-KR" altLang="en-US" b="0" i="0" dirty="0">
+                <a:solidFill>
+                  <a:srgbClr val="000000"/>
+                </a:solidFill>
+                <a:effectLst/>
+                <a:latin typeface="-apple-system"/>
+              </a:rPr>
+              <a:t>동작으로 알아낸 결과를 </a:t>
+            </a:r>
+            <a:r>
+              <a:rPr lang="ko-KR" altLang="en-US" b="0" i="0" dirty="0" err="1">
+                <a:solidFill>
+                  <a:srgbClr val="000000"/>
+                </a:solidFill>
+                <a:effectLst/>
+                <a:latin typeface="-apple-system"/>
+              </a:rPr>
+              <a:t>저장해놓은</a:t>
+            </a:r>
+            <a:r>
+              <a:rPr lang="ko-KR" altLang="en-US" b="0" i="0" dirty="0">
+                <a:solidFill>
+                  <a:srgbClr val="000000"/>
+                </a:solidFill>
+                <a:effectLst/>
+                <a:latin typeface="-apple-system"/>
+              </a:rPr>
+              <a:t> 공간</a:t>
+            </a:r>
+          </a:p>
+          <a:p>
+            <a:pPr marL="742950" lvl="1" indent="-285750" algn="l">
               <a:buFont typeface="Arial" panose="020B0604020202020204" pitchFamily="34" charset="0"/>
-              <a:buNone/>
+              <a:buChar char="•"/>
             </a:pPr>
             <a:r>
+              <a:rPr lang="ko-KR" altLang="en-US" b="0" i="0" dirty="0">
+                <a:solidFill>
+                  <a:srgbClr val="000000"/>
+                </a:solidFill>
+                <a:effectLst/>
+                <a:latin typeface="-apple-system"/>
+              </a:rPr>
+              <a:t>캐시 메모리에서 패킷을 재사용하므로 패킷을 줄일 수 있다</a:t>
+            </a:r>
+            <a:r>
               <a:rPr lang="en-US" altLang="ko-KR" b="0" i="0" dirty="0">
                 <a:solidFill>
                   <a:srgbClr val="000000"/>
@@ -5962,8 +6307,14 @@
                 <a:effectLst/>
                 <a:latin typeface="-apple-system"/>
               </a:rPr>
-              <a:t>LAN </a:t>
-            </a:r>
+              <a:t>.</a:t>
+            </a:r>
+          </a:p>
+          <a:p>
+            <a:pPr marL="742950" lvl="1" indent="-285750" algn="l">
+              <a:buFont typeface="Arial" panose="020B0604020202020204" pitchFamily="34" charset="0"/>
+              <a:buChar char="•"/>
+            </a:pPr>
             <a:r>
               <a:rPr lang="ko-KR" altLang="en-US" b="0" i="0" dirty="0">
                 <a:solidFill>
@@ -5972,7 +6323,7 @@
                 <a:effectLst/>
                 <a:latin typeface="-apple-system"/>
               </a:rPr>
-              <a:t>어댑터의 내부 구조이다</a:t>
+              <a:t>생존시간 </a:t>
             </a:r>
             <a:r>
               <a:rPr lang="en-US" altLang="ko-KR" b="0" i="0" dirty="0">
@@ -5982,284 +6333,17 @@
                 <a:effectLst/>
                 <a:latin typeface="-apple-system"/>
               </a:rPr>
-              <a:t>.</a:t>
-            </a:r>
-          </a:p>
-          <a:p>
-            <a:pPr algn="l">
-              <a:buFont typeface="Arial" panose="020B0604020202020204" pitchFamily="34" charset="0"/>
-              <a:buNone/>
-            </a:pPr>
-            <a:r>
-              <a:rPr lang="ko-KR" altLang="en-US" b="0" i="0" dirty="0">
-                <a:solidFill>
-                  <a:srgbClr val="000000"/>
-                </a:solidFill>
-                <a:effectLst/>
-                <a:latin typeface="-apple-system"/>
-              </a:rPr>
-              <a:t>우리는 이 과정을 차례대로 살펴보면서 어떻게 디지털 신호가 전기 신호로 바뀌는지 알아볼 것이다</a:t>
-            </a:r>
-            <a:r>
-              <a:rPr lang="en-US" altLang="ko-KR" b="0" i="0" dirty="0">
-                <a:solidFill>
-                  <a:srgbClr val="000000"/>
-                </a:solidFill>
-                <a:effectLst/>
-                <a:latin typeface="-apple-system"/>
-              </a:rPr>
-              <a:t>.</a:t>
-            </a:r>
-          </a:p>
-          <a:p>
-            <a:pPr algn="l">
-              <a:buFont typeface="Arial" panose="020B0604020202020204" pitchFamily="34" charset="0"/>
-              <a:buNone/>
-            </a:pPr>
-            <a:r>
-              <a:rPr lang="ko-KR" altLang="en-US" b="0" i="0" dirty="0">
-                <a:solidFill>
-                  <a:srgbClr val="000000"/>
-                </a:solidFill>
-                <a:effectLst/>
-                <a:latin typeface="-apple-system"/>
-              </a:rPr>
-              <a:t> </a:t>
-            </a:r>
-            <a:endParaRPr lang="en-US" altLang="ko-KR" b="0" i="0" dirty="0">
-              <a:solidFill>
-                <a:srgbClr val="000000"/>
-              </a:solidFill>
-              <a:effectLst/>
-              <a:latin typeface="-apple-system"/>
-            </a:endParaRPr>
-          </a:p>
-          <a:p>
-            <a:pPr algn="l">
-              <a:buFont typeface="Arial" panose="020B0604020202020204" pitchFamily="34" charset="0"/>
-              <a:buNone/>
-            </a:pPr>
-            <a:r>
-              <a:rPr lang="ko-KR" altLang="en-US" b="0" i="0" dirty="0">
-                <a:solidFill>
-                  <a:srgbClr val="000000"/>
-                </a:solidFill>
-                <a:effectLst/>
-                <a:latin typeface="-apple-system"/>
-              </a:rPr>
-              <a:t>여기서 </a:t>
-            </a:r>
-            <a:r>
-              <a:rPr lang="en-US" altLang="ko-KR" b="0" i="0" dirty="0">
-                <a:solidFill>
-                  <a:srgbClr val="000000"/>
-                </a:solidFill>
-                <a:effectLst/>
-                <a:latin typeface="-apple-system"/>
-              </a:rPr>
-              <a:t>LAN</a:t>
-            </a:r>
-            <a:r>
-              <a:rPr lang="ko-KR" altLang="en-US" b="0" i="0" dirty="0">
-                <a:solidFill>
-                  <a:srgbClr val="000000"/>
-                </a:solidFill>
-                <a:effectLst/>
-                <a:latin typeface="-apple-system"/>
-              </a:rPr>
-              <a:t> 드라이버는 </a:t>
-            </a:r>
-            <a:r>
-              <a:rPr lang="en-US" altLang="ko-KR" b="0" i="0" dirty="0">
-                <a:solidFill>
-                  <a:srgbClr val="000000"/>
-                </a:solidFill>
-                <a:effectLst/>
-                <a:latin typeface="-apple-system"/>
-              </a:rPr>
-              <a:t>LAN</a:t>
-            </a:r>
-            <a:r>
-              <a:rPr lang="ko-KR" altLang="en-US" b="0" i="0" dirty="0">
-                <a:solidFill>
-                  <a:srgbClr val="000000"/>
-                </a:solidFill>
-                <a:effectLst/>
-                <a:latin typeface="-apple-system"/>
-              </a:rPr>
-              <a:t>어댑터를 제어하는 소프트웨어입니다</a:t>
-            </a:r>
-            <a:r>
-              <a:rPr lang="en-US" altLang="ko-KR" b="0" i="0" dirty="0">
-                <a:solidFill>
-                  <a:srgbClr val="000000"/>
-                </a:solidFill>
-                <a:effectLst/>
-                <a:latin typeface="-apple-system"/>
-              </a:rPr>
-              <a:t>.</a:t>
-            </a:r>
-            <a:endParaRPr lang="ko-KR" altLang="en-US" b="0" i="0" dirty="0">
-              <a:solidFill>
-                <a:srgbClr val="000000"/>
-              </a:solidFill>
-              <a:effectLst/>
-              <a:latin typeface="-apple-system"/>
-            </a:endParaRPr>
-          </a:p>
-          <a:p>
-            <a:pPr algn="l">
-              <a:buFont typeface="+mj-lt"/>
-              <a:buNone/>
-            </a:pPr>
-            <a:endParaRPr lang="en-US" altLang="ko-KR" b="0" i="0" dirty="0">
-              <a:solidFill>
-                <a:srgbClr val="000000"/>
-              </a:solidFill>
-              <a:effectLst/>
-              <a:latin typeface="-apple-system"/>
-            </a:endParaRPr>
-          </a:p>
-          <a:p>
-            <a:pPr algn="l">
-              <a:buFont typeface="+mj-lt"/>
-              <a:buNone/>
-            </a:pPr>
-            <a:r>
-              <a:rPr lang="en-US" altLang="ko-KR" b="0" i="0" dirty="0">
-                <a:solidFill>
-                  <a:srgbClr val="000000"/>
-                </a:solidFill>
-                <a:effectLst/>
-                <a:latin typeface="-apple-system"/>
-              </a:rPr>
-              <a:t>LAN</a:t>
-            </a:r>
-            <a:r>
-              <a:rPr lang="ko-KR" altLang="en-US" b="0" i="0" dirty="0">
-                <a:solidFill>
-                  <a:srgbClr val="000000"/>
-                </a:solidFill>
-                <a:effectLst/>
-                <a:latin typeface="-apple-system"/>
-              </a:rPr>
-              <a:t>드라이버는 </a:t>
-            </a:r>
-            <a:r>
-              <a:rPr lang="en-US" altLang="ko-KR" b="0" i="0" dirty="0">
-                <a:solidFill>
-                  <a:srgbClr val="000000"/>
-                </a:solidFill>
-                <a:effectLst/>
-                <a:latin typeface="-apple-system"/>
-              </a:rPr>
-              <a:t>IP </a:t>
-            </a:r>
-            <a:r>
-              <a:rPr lang="ko-KR" altLang="en-US" b="0" i="0" dirty="0">
-                <a:solidFill>
-                  <a:srgbClr val="000000"/>
-                </a:solidFill>
-                <a:effectLst/>
-                <a:latin typeface="-apple-system"/>
-              </a:rPr>
-              <a:t>담당부분에서 패킷을 받으면 그것을 </a:t>
-            </a:r>
-            <a:r>
-              <a:rPr lang="en-US" altLang="ko-KR" b="0" i="0" dirty="0">
-                <a:solidFill>
-                  <a:srgbClr val="000000"/>
-                </a:solidFill>
-                <a:effectLst/>
-                <a:latin typeface="-apple-system"/>
-              </a:rPr>
-              <a:t>LAN</a:t>
-            </a:r>
-            <a:r>
-              <a:rPr lang="ko-KR" altLang="en-US" b="0" i="0" dirty="0">
-                <a:solidFill>
-                  <a:srgbClr val="000000"/>
-                </a:solidFill>
-                <a:effectLst/>
-                <a:latin typeface="-apple-system"/>
-              </a:rPr>
-              <a:t>어댑터의 버퍼 메모리로 복사합니다</a:t>
-            </a:r>
-            <a:r>
-              <a:rPr lang="en-US" altLang="ko-KR" b="0" i="0" dirty="0">
-                <a:solidFill>
-                  <a:srgbClr val="000000"/>
-                </a:solidFill>
-                <a:effectLst/>
-                <a:latin typeface="-apple-system"/>
-              </a:rPr>
-              <a:t>.</a:t>
-            </a:r>
-          </a:p>
-          <a:p>
-            <a:pPr algn="l">
-              <a:buFont typeface="+mj-lt"/>
-              <a:buNone/>
-            </a:pPr>
-            <a:r>
-              <a:rPr lang="ko-KR" altLang="en-US" b="0" i="0" dirty="0">
-                <a:solidFill>
-                  <a:srgbClr val="000000"/>
-                </a:solidFill>
-                <a:effectLst/>
-                <a:latin typeface="-apple-system"/>
-              </a:rPr>
-              <a:t>복사를 마친 후 패킷을 송신하도록 </a:t>
-            </a:r>
-            <a:r>
-              <a:rPr lang="en-US" altLang="ko-KR" b="0" i="0" dirty="0">
-                <a:solidFill>
-                  <a:srgbClr val="000000"/>
-                </a:solidFill>
-                <a:effectLst/>
-                <a:latin typeface="-apple-system"/>
-              </a:rPr>
-              <a:t>MAC</a:t>
-            </a:r>
-            <a:r>
-              <a:rPr lang="ko-KR" altLang="en-US" b="0" i="0" dirty="0">
-                <a:solidFill>
-                  <a:srgbClr val="000000"/>
-                </a:solidFill>
-                <a:effectLst/>
-                <a:latin typeface="-apple-system"/>
-              </a:rPr>
-              <a:t>회로에 명령을 보내면 </a:t>
-            </a:r>
-            <a:r>
-              <a:rPr lang="en-US" altLang="ko-KR" b="0" i="0" dirty="0">
-                <a:solidFill>
-                  <a:srgbClr val="000000"/>
-                </a:solidFill>
-                <a:effectLst/>
-                <a:latin typeface="-apple-system"/>
-              </a:rPr>
-              <a:t>MAC</a:t>
-            </a:r>
-            <a:r>
-              <a:rPr lang="ko-KR" altLang="en-US" b="0" i="0" dirty="0">
-                <a:solidFill>
-                  <a:srgbClr val="000000"/>
-                </a:solidFill>
-                <a:effectLst/>
-                <a:latin typeface="-apple-system"/>
-              </a:rPr>
-              <a:t>회로의 작업이 시작됩니다</a:t>
-            </a:r>
-            <a:r>
-              <a:rPr lang="en-US" altLang="ko-KR" b="0" i="0" dirty="0">
-                <a:solidFill>
-                  <a:srgbClr val="000000"/>
-                </a:solidFill>
-                <a:effectLst/>
-                <a:latin typeface="-apple-system"/>
-              </a:rPr>
-              <a:t>.</a:t>
+              <a:t>: </a:t>
+            </a:r>
+            <a:r>
+              <a:rPr lang="ko-KR" altLang="en-US" b="0" i="0" dirty="0" err="1">
+                <a:solidFill>
+                  <a:srgbClr val="000000"/>
+                </a:solidFill>
+                <a:effectLst/>
+                <a:latin typeface="-apple-system"/>
+              </a:rPr>
+              <a:t>몇분</a:t>
             </a:r>
             <a:endParaRPr lang="ko-KR" altLang="en-US" b="0" i="0" dirty="0">
               <a:solidFill>
@@ -6301,7 +6385,7 @@
           <a:p>
             <a:fld id="{75152752-F12A-4471-982A-FC6C9CE39BBC}" type="slidenum">
               <a:rPr lang="ko-KR" altLang="en-US" smtClean="0"/>
-              <a:t>14</a:t>
+              <a:t>13</a:t>
             </a:fld>
             <a:endParaRPr lang="ko-KR" altLang="en-US"/>
           </a:p>
@@ -6310,7 +6394,7 @@
     </p:spTree>
     <p:extLst>
       <p:ext uri="{BB962C8B-B14F-4D97-AF65-F5344CB8AC3E}">
-        <p14:creationId xmlns:p14="http://schemas.microsoft.com/office/powerpoint/2010/main" val="1432556893"/>
+        <p14:creationId xmlns:p14="http://schemas.microsoft.com/office/powerpoint/2010/main" val="1258111918"/>
       </p:ext>
     </p:extLst>
   </p:cSld>
@@ -6467,7 +6551,7 @@
           <a:p>
             <a:fld id="{35E87A9C-3629-4C00-B345-D33EEDCBC4E7}" type="datetimeFigureOut">
               <a:rPr lang="ko-KR" altLang="en-US" smtClean="0"/>
-              <a:t>2022-03-11</a:t>
+              <a:t>2022-03-12</a:t>
             </a:fld>
             <a:endParaRPr lang="ko-KR" altLang="en-US"/>
           </a:p>
@@ -6665,7 +6749,7 @@
           <a:p>
             <a:fld id="{35E87A9C-3629-4C00-B345-D33EEDCBC4E7}" type="datetimeFigureOut">
               <a:rPr lang="ko-KR" altLang="en-US" smtClean="0"/>
-              <a:t>2022-03-11</a:t>
+              <a:t>2022-03-12</a:t>
             </a:fld>
             <a:endParaRPr lang="ko-KR" altLang="en-US"/>
           </a:p>
@@ -6873,7 +6957,7 @@
           <a:p>
             <a:fld id="{35E87A9C-3629-4C00-B345-D33EEDCBC4E7}" type="datetimeFigureOut">
               <a:rPr lang="ko-KR" altLang="en-US" smtClean="0"/>
-              <a:t>2022-03-11</a:t>
+              <a:t>2022-03-12</a:t>
             </a:fld>
             <a:endParaRPr lang="ko-KR" altLang="en-US"/>
           </a:p>
@@ -7071,7 +7155,7 @@
           <a:p>
             <a:fld id="{35E87A9C-3629-4C00-B345-D33EEDCBC4E7}" type="datetimeFigureOut">
               <a:rPr lang="ko-KR" altLang="en-US" smtClean="0"/>
-              <a:t>2022-03-11</a:t>
+              <a:t>2022-03-12</a:t>
             </a:fld>
             <a:endParaRPr lang="ko-KR" altLang="en-US"/>
           </a:p>
@@ -7346,7 +7430,7 @@
           <a:p>
             <a:fld id="{35E87A9C-3629-4C00-B345-D33EEDCBC4E7}" type="datetimeFigureOut">
               <a:rPr lang="ko-KR" altLang="en-US" smtClean="0"/>
-              <a:t>2022-03-11</a:t>
+              <a:t>2022-03-12</a:t>
             </a:fld>
             <a:endParaRPr lang="ko-KR" altLang="en-US"/>
           </a:p>
@@ -7611,7 +7695,7 @@
           <a:p>
             <a:fld id="{35E87A9C-3629-4C00-B345-D33EEDCBC4E7}" type="datetimeFigureOut">
               <a:rPr lang="ko-KR" altLang="en-US" smtClean="0"/>
-              <a:t>2022-03-11</a:t>
+              <a:t>2022-03-12</a:t>
             </a:fld>
             <a:endParaRPr lang="ko-KR" altLang="en-US"/>
           </a:p>
@@ -8023,7 +8107,7 @@
           <a:p>
             <a:fld id="{35E87A9C-3629-4C00-B345-D33EEDCBC4E7}" type="datetimeFigureOut">
               <a:rPr lang="ko-KR" altLang="en-US" smtClean="0"/>
-              <a:t>2022-03-11</a:t>
+              <a:t>2022-03-12</a:t>
             </a:fld>
             <a:endParaRPr lang="ko-KR" altLang="en-US"/>
           </a:p>
@@ -8164,7 +8248,7 @@
           <a:p>
             <a:fld id="{35E87A9C-3629-4C00-B345-D33EEDCBC4E7}" type="datetimeFigureOut">
               <a:rPr lang="ko-KR" altLang="en-US" smtClean="0"/>
-              <a:t>2022-03-11</a:t>
+              <a:t>2022-03-12</a:t>
             </a:fld>
             <a:endParaRPr lang="ko-KR" altLang="en-US"/>
           </a:p>
@@ -8277,7 +8361,7 @@
           <a:p>
             <a:fld id="{35E87A9C-3629-4C00-B345-D33EEDCBC4E7}" type="datetimeFigureOut">
               <a:rPr lang="ko-KR" altLang="en-US" smtClean="0"/>
-              <a:t>2022-03-11</a:t>
+              <a:t>2022-03-12</a:t>
             </a:fld>
             <a:endParaRPr lang="ko-KR" altLang="en-US"/>
           </a:p>
@@ -8588,7 +8672,7 @@
           <a:p>
             <a:fld id="{35E87A9C-3629-4C00-B345-D33EEDCBC4E7}" type="datetimeFigureOut">
               <a:rPr lang="ko-KR" altLang="en-US" smtClean="0"/>
-              <a:t>2022-03-11</a:t>
+              <a:t>2022-03-12</a:t>
             </a:fld>
             <a:endParaRPr lang="ko-KR" altLang="en-US"/>
           </a:p>
@@ -8876,7 +8960,7 @@
           <a:p>
             <a:fld id="{35E87A9C-3629-4C00-B345-D33EEDCBC4E7}" type="datetimeFigureOut">
               <a:rPr lang="ko-KR" altLang="en-US" smtClean="0"/>
-              <a:t>2022-03-11</a:t>
+              <a:t>2022-03-12</a:t>
             </a:fld>
             <a:endParaRPr lang="ko-KR" altLang="en-US"/>
           </a:p>
@@ -9117,7 +9201,7 @@
           <a:p>
             <a:fld id="{35E87A9C-3629-4C00-B345-D33EEDCBC4E7}" type="datetimeFigureOut">
               <a:rPr lang="ko-KR" altLang="en-US" smtClean="0"/>
-              <a:t>2022-03-11</a:t>
+              <a:t>2022-03-12</a:t>
             </a:fld>
             <a:endParaRPr lang="ko-KR" altLang="en-US"/>
           </a:p>
@@ -16476,7 +16560,7 @@
           <p:nvPr/>
         </p:nvPicPr>
         <p:blipFill>
-          <a:blip r:embed="rId2"/>
+          <a:blip r:embed="rId3"/>
           <a:stretch>
             <a:fillRect/>
           </a:stretch>
@@ -19127,7 +19211,13 @@
           <p:cNvGraphicFramePr>
             <a:graphicFrameLocks noGrp="1"/>
           </p:cNvGraphicFramePr>
-          <p:nvPr/>
+          <p:nvPr>
+            <p:extLst>
+              <p:ext uri="{D42A27DB-BD31-4B8C-83A1-F6EECF244321}">
+                <p14:modId xmlns:p14="http://schemas.microsoft.com/office/powerpoint/2010/main" val="2268564708"/>
+              </p:ext>
+            </p:extLst>
+          </p:nvPr>
         </p:nvGraphicFramePr>
         <p:xfrm>
           <a:off x="5906463" y="1462425"/>
@@ -19199,7 +19289,7 @@
                       <a:pPr latinLnBrk="1"/>
                       <a:r>
                         <a:rPr lang="en-US" altLang="ko-KR" sz="1200" dirty="0"/>
-                        <a:t>1(</a:t>
+                        <a:t>x(</a:t>
                       </a:r>
                       <a:r>
                         <a:rPr lang="ko-KR" altLang="en-US" sz="1200" dirty="0"/>
@@ -19251,7 +19341,13 @@
           <p:cNvGraphicFramePr>
             <a:graphicFrameLocks noGrp="1"/>
           </p:cNvGraphicFramePr>
-          <p:nvPr/>
+          <p:nvPr>
+            <p:extLst>
+              <p:ext uri="{D42A27DB-BD31-4B8C-83A1-F6EECF244321}">
+                <p14:modId xmlns:p14="http://schemas.microsoft.com/office/powerpoint/2010/main" val="2316373385"/>
+              </p:ext>
+            </p:extLst>
+          </p:nvPr>
         </p:nvGraphicFramePr>
         <p:xfrm>
           <a:off x="4019100" y="3488143"/>
@@ -19351,7 +19447,7 @@
                       <a:pPr latinLnBrk="1"/>
                       <a:r>
                         <a:rPr lang="en-US" altLang="ko-KR" sz="1200" dirty="0"/>
-                        <a:t>2(</a:t>
+                        <a:t>y(</a:t>
                       </a:r>
                       <a:r>
                         <a:rPr lang="ko-KR" altLang="en-US" sz="1200" dirty="0"/>
@@ -19374,7 +19470,7 @@
                       <a:pPr latinLnBrk="1"/>
                       <a:r>
                         <a:rPr lang="en-US" altLang="ko-KR" sz="1200" dirty="0"/>
-                        <a:t>1</a:t>
+                        <a:t>x+1</a:t>
                       </a:r>
                       <a:endParaRPr lang="ko-KR" altLang="en-US" sz="1200" dirty="0"/>
                     </a:p>
@@ -19421,7 +19517,13 @@
           <p:cNvGraphicFramePr>
             <a:graphicFrameLocks noGrp="1"/>
           </p:cNvGraphicFramePr>
-          <p:nvPr/>
+          <p:nvPr>
+            <p:extLst>
+              <p:ext uri="{D42A27DB-BD31-4B8C-83A1-F6EECF244321}">
+                <p14:modId xmlns:p14="http://schemas.microsoft.com/office/powerpoint/2010/main" val="3340223255"/>
+              </p:ext>
+            </p:extLst>
+          </p:nvPr>
         </p:nvGraphicFramePr>
         <p:xfrm>
           <a:off x="5780753" y="5215842"/>
@@ -19479,7 +19581,7 @@
                       <a:pPr latinLnBrk="1"/>
                       <a:r>
                         <a:rPr lang="en-US" altLang="ko-KR" sz="1200" dirty="0"/>
-                        <a:t>2</a:t>
+                        <a:t>y+1</a:t>
                       </a:r>
                       <a:endParaRPr lang="ko-KR" altLang="en-US" sz="1200" dirty="0"/>
                     </a:p>
